--- a/Company Profile.pptx
+++ b/Company Profile.pptx
@@ -863,6 +863,7 @@
         <c:minorTickMark val="none"/>
         <c:tickLblPos val="nextTo"/>
         <c:crossAx val="2028431296"/>
+        <c:crosses val="autoZero"/>
         <c:auto val="1"/>
         <c:lblAlgn val="ctr"/>
         <c:lblOffset val="100"/>
@@ -953,6 +954,13 @@
               </c:strCache>
             </c:strRef>
           </c:tx>
+          <c:spPr>
+            <a:ln w="12700">
+              <a:solidFill>
+                <a:schemeClr val="bg1"/>
+              </a:solidFill>
+            </a:ln>
+          </c:spPr>
           <c:dPt>
             <c:idx val="0"/>
             <c:bubble3D val="0"/>
@@ -960,9 +968,9 @@
               <a:solidFill>
                 <a:schemeClr val="accent1"/>
               </a:solidFill>
-              <a:ln w="19050">
+              <a:ln w="12700">
                 <a:solidFill>
-                  <a:schemeClr val="lt1"/>
+                  <a:schemeClr val="bg1"/>
                 </a:solidFill>
               </a:ln>
               <a:effectLst/>
@@ -980,9 +988,9 @@
               <a:solidFill>
                 <a:schemeClr val="accent2"/>
               </a:solidFill>
-              <a:ln w="19050">
+              <a:ln w="12700">
                 <a:solidFill>
-                  <a:schemeClr val="lt1"/>
+                  <a:schemeClr val="bg1"/>
                 </a:solidFill>
               </a:ln>
               <a:effectLst/>
@@ -1000,9 +1008,9 @@
               <a:solidFill>
                 <a:schemeClr val="accent3"/>
               </a:solidFill>
-              <a:ln w="19050">
+              <a:ln w="12700">
                 <a:solidFill>
-                  <a:schemeClr val="lt1"/>
+                  <a:schemeClr val="bg1"/>
                 </a:solidFill>
               </a:ln>
               <a:effectLst/>
@@ -1060,8 +1068,8 @@
               <c:idx val="2"/>
               <c:layout>
                 <c:manualLayout>
-                  <c:x val="0"/>
-                  <c:y val="-7.7475047510999318E-2"/>
+                  <c:x val="4.4097222222221821E-3"/>
+                  <c:y val="-0.1223713390822341"/>
                 </c:manualLayout>
               </c:layout>
               <c:showLegendKey val="0"/>
@@ -11024,7 +11032,7 @@
         </p:nvGrpSpPr>
         <p:grpSpPr>
           <a:xfrm>
-            <a:off x="250825" y="2131930"/>
+            <a:off x="264398" y="2131930"/>
             <a:ext cx="2160000" cy="288000"/>
             <a:chOff x="250825" y="1239838"/>
             <a:chExt cx="2160000" cy="288000"/>
@@ -12138,7 +12146,7 @@
         </p:nvGrpSpPr>
         <p:grpSpPr>
           <a:xfrm>
-            <a:off x="2772000" y="2131930"/>
+            <a:off x="6009866" y="2131930"/>
             <a:ext cx="2880000" cy="288000"/>
             <a:chOff x="250825" y="1239838"/>
             <a:chExt cx="2160000" cy="288000"/>
@@ -12247,7 +12255,7 @@
         </p:nvGrpSpPr>
         <p:grpSpPr>
           <a:xfrm>
-            <a:off x="6013174" y="2131930"/>
+            <a:off x="2777132" y="2131930"/>
             <a:ext cx="2880000" cy="288000"/>
             <a:chOff x="250825" y="1239838"/>
             <a:chExt cx="2160000" cy="288000"/>
@@ -12352,11 +12360,17 @@
             </a:extLst>
           </p:cNvPr>
           <p:cNvGraphicFramePr/>
-          <p:nvPr/>
+          <p:nvPr>
+            <p:extLst>
+              <p:ext uri="{D42A27DB-BD31-4B8C-83A1-F6EECF244321}">
+                <p14:modId xmlns:p14="http://schemas.microsoft.com/office/powerpoint/2010/main" val="2524144967"/>
+              </p:ext>
+            </p:extLst>
+          </p:nvPr>
         </p:nvGraphicFramePr>
         <p:xfrm>
-          <a:off x="2772000" y="2582268"/>
-          <a:ext cx="2880000" cy="1512000"/>
+          <a:off x="6009866" y="2424811"/>
+          <a:ext cx="2880000" cy="1697252"/>
         </p:xfrm>
         <a:graphic>
           <a:graphicData uri="http://schemas.openxmlformats.org/drawingml/2006/chart">
@@ -12378,7 +12392,7 @@
         </p:nvSpPr>
         <p:spPr>
           <a:xfrm>
-            <a:off x="3204518" y="3126455"/>
+            <a:off x="6427622" y="3127979"/>
             <a:ext cx="579101" cy="403140"/>
           </a:xfrm>
           <a:prstGeom prst="rect">
@@ -12430,10 +12444,16 @@
             </a:extLst>
           </p:cNvPr>
           <p:cNvGraphicFramePr/>
-          <p:nvPr/>
+          <p:nvPr>
+            <p:extLst>
+              <p:ext uri="{D42A27DB-BD31-4B8C-83A1-F6EECF244321}">
+                <p14:modId xmlns:p14="http://schemas.microsoft.com/office/powerpoint/2010/main" val="3126130779"/>
+              </p:ext>
+            </p:extLst>
+          </p:nvPr>
         </p:nvGraphicFramePr>
         <p:xfrm>
-          <a:off x="6013173" y="2839649"/>
+          <a:off x="2779880" y="2839649"/>
           <a:ext cx="2874505" cy="1110229"/>
         </p:xfrm>
         <a:graphic>
@@ -12454,10 +12474,16 @@
           <p:cNvGraphicFramePr>
             <a:graphicFrameLocks noGrp="1"/>
           </p:cNvGraphicFramePr>
-          <p:nvPr/>
+          <p:nvPr>
+            <p:extLst>
+              <p:ext uri="{D42A27DB-BD31-4B8C-83A1-F6EECF244321}">
+                <p14:modId xmlns:p14="http://schemas.microsoft.com/office/powerpoint/2010/main" val="3716440880"/>
+              </p:ext>
+            </p:extLst>
+          </p:nvPr>
         </p:nvGraphicFramePr>
         <p:xfrm>
-          <a:off x="6164788" y="2668813"/>
+          <a:off x="2924488" y="2668813"/>
           <a:ext cx="2585289" cy="172999"/>
         </p:xfrm>
         <a:graphic>
@@ -13041,10 +13067,10 @@
       </p:graphicFrame>
       <p:grpSp>
         <p:nvGrpSpPr>
-          <p:cNvPr id="46" name="Group 45">
+          <p:cNvPr id="11" name="Group 10">
             <a:extLst>
               <a:ext uri="{FF2B5EF4-FFF2-40B4-BE49-F238E27FC236}">
-                <a16:creationId xmlns:a16="http://schemas.microsoft.com/office/drawing/2014/main" id="{6E99FDA2-2594-4E54-A7CF-63C20129DC58}"/>
+                <a16:creationId xmlns:a16="http://schemas.microsoft.com/office/drawing/2014/main" id="{8A124EA2-ABA3-4713-9316-26B606991A31}"/>
               </a:ext>
             </a:extLst>
           </p:cNvPr>
@@ -13053,337 +13079,18 @@
         </p:nvGrpSpPr>
         <p:grpSpPr>
           <a:xfrm>
-            <a:off x="6013174" y="2446965"/>
-            <a:ext cx="864000" cy="180000"/>
+            <a:off x="2836187" y="2446965"/>
+            <a:ext cx="2761890" cy="180000"/>
             <a:chOff x="6013174" y="2446965"/>
-            <a:chExt cx="864000" cy="180000"/>
+            <a:chExt cx="2761890" cy="180000"/>
           </a:xfrm>
         </p:grpSpPr>
-        <p:sp>
-          <p:nvSpPr>
-            <p:cNvPr id="29" name="TextBox 28">
+        <p:grpSp>
+          <p:nvGrpSpPr>
+            <p:cNvPr id="46" name="Group 45">
               <a:extLst>
                 <a:ext uri="{FF2B5EF4-FFF2-40B4-BE49-F238E27FC236}">
-                  <a16:creationId xmlns:a16="http://schemas.microsoft.com/office/drawing/2014/main" id="{5481BA6E-0C9F-43F1-87E4-FC84EDB88BE4}"/>
-                </a:ext>
-              </a:extLst>
-            </p:cNvPr>
-            <p:cNvSpPr txBox="1"/>
-            <p:nvPr/>
-          </p:nvSpPr>
-          <p:spPr>
-            <a:xfrm>
-              <a:off x="6013174" y="2446965"/>
-              <a:ext cx="864000" cy="180000"/>
-            </a:xfrm>
-            <a:prstGeom prst="rect">
-              <a:avLst/>
-            </a:prstGeom>
-            <a:noFill/>
-          </p:spPr>
-          <p:txBody>
-            <a:bodyPr wrap="square" lIns="72000" tIns="0" rIns="0" bIns="0" rtlCol="0" anchor="ctr">
-              <a:noAutofit/>
-            </a:bodyPr>
-            <a:lstStyle/>
-            <a:p>
-              <a:pPr algn="l">
-                <a:buClr>
-                  <a:schemeClr val="accent4"/>
-                </a:buClr>
-              </a:pPr>
-              <a:r>
-                <a:rPr lang="en-GB" sz="700" i="1" dirty="0">
-                  <a:solidFill>
-                    <a:schemeClr val="bg2">
-                      <a:lumMod val="90000"/>
-                    </a:schemeClr>
-                  </a:solidFill>
-                  <a:latin typeface="Raleway" pitchFamily="2" charset="0"/>
-                </a:rPr>
-                <a:t>leverage</a:t>
-              </a:r>
-              <a:endParaRPr lang="en-US" sz="700" i="1" dirty="0">
-                <a:solidFill>
-                  <a:schemeClr val="bg2">
-                    <a:lumMod val="90000"/>
-                  </a:schemeClr>
-                </a:solidFill>
-                <a:latin typeface="Raleway" pitchFamily="2" charset="0"/>
-              </a:endParaRPr>
-            </a:p>
-          </p:txBody>
-        </p:sp>
-        <p:sp>
-          <p:nvSpPr>
-            <p:cNvPr id="30" name="Rectangle 29">
-              <a:extLst>
-                <a:ext uri="{FF2B5EF4-FFF2-40B4-BE49-F238E27FC236}">
-                  <a16:creationId xmlns:a16="http://schemas.microsoft.com/office/drawing/2014/main" id="{3A2BFC65-3FD7-48B2-85F9-EDC5EE179272}"/>
-                </a:ext>
-              </a:extLst>
-            </p:cNvPr>
-            <p:cNvSpPr/>
-            <p:nvPr/>
-          </p:nvSpPr>
-          <p:spPr>
-            <a:xfrm>
-              <a:off x="6487436" y="2503448"/>
-              <a:ext cx="252000" cy="72000"/>
-            </a:xfrm>
-            <a:prstGeom prst="rect">
-              <a:avLst/>
-            </a:prstGeom>
-            <a:solidFill>
-              <a:schemeClr val="bg1"/>
-            </a:solidFill>
-            <a:ln w="6350">
-              <a:solidFill>
-                <a:schemeClr val="bg2">
-                  <a:lumMod val="90000"/>
-                </a:schemeClr>
-              </a:solidFill>
-              <a:prstDash val="sysDash"/>
-            </a:ln>
-          </p:spPr>
-          <p:style>
-            <a:lnRef idx="2">
-              <a:schemeClr val="accent1">
-                <a:shade val="50000"/>
-              </a:schemeClr>
-            </a:lnRef>
-            <a:fillRef idx="1">
-              <a:schemeClr val="accent1"/>
-            </a:fillRef>
-            <a:effectRef idx="0">
-              <a:schemeClr val="accent1"/>
-            </a:effectRef>
-            <a:fontRef idx="minor">
-              <a:schemeClr val="lt1"/>
-            </a:fontRef>
-          </p:style>
-          <p:txBody>
-            <a:bodyPr rtlCol="0" anchor="ctr"/>
-            <a:lstStyle/>
-            <a:p>
-              <a:pPr algn="ctr"/>
-              <a:endParaRPr lang="en-US"/>
-            </a:p>
-          </p:txBody>
-        </p:sp>
-      </p:grpSp>
-      <p:grpSp>
-        <p:nvGrpSpPr>
-          <p:cNvPr id="45" name="Group 44">
-            <a:extLst>
-              <a:ext uri="{FF2B5EF4-FFF2-40B4-BE49-F238E27FC236}">
-                <a16:creationId xmlns:a16="http://schemas.microsoft.com/office/drawing/2014/main" id="{B17F2008-4749-42A9-BC4B-15919B9E4FDF}"/>
-              </a:ext>
-            </a:extLst>
-          </p:cNvPr>
-          <p:cNvGrpSpPr/>
-          <p:nvPr/>
-        </p:nvGrpSpPr>
-        <p:grpSpPr>
-          <a:xfrm>
-            <a:off x="7006723" y="2446965"/>
-            <a:ext cx="864000" cy="180000"/>
-            <a:chOff x="7021174" y="2446965"/>
-            <a:chExt cx="864000" cy="180000"/>
-          </a:xfrm>
-        </p:grpSpPr>
-        <p:sp>
-          <p:nvSpPr>
-            <p:cNvPr id="34" name="TextBox 33">
-              <a:extLst>
-                <a:ext uri="{FF2B5EF4-FFF2-40B4-BE49-F238E27FC236}">
-                  <a16:creationId xmlns:a16="http://schemas.microsoft.com/office/drawing/2014/main" id="{1FC752A8-F972-4F13-BD75-1B3C91C501AC}"/>
-                </a:ext>
-              </a:extLst>
-            </p:cNvPr>
-            <p:cNvSpPr txBox="1"/>
-            <p:nvPr/>
-          </p:nvSpPr>
-          <p:spPr>
-            <a:xfrm>
-              <a:off x="7021174" y="2446965"/>
-              <a:ext cx="864000" cy="180000"/>
-            </a:xfrm>
-            <a:prstGeom prst="rect">
-              <a:avLst/>
-            </a:prstGeom>
-            <a:noFill/>
-          </p:spPr>
-          <p:txBody>
-            <a:bodyPr wrap="square" lIns="72000" tIns="0" rIns="0" bIns="0" rtlCol="0" anchor="ctr">
-              <a:noAutofit/>
-            </a:bodyPr>
-            <a:lstStyle/>
-            <a:p>
-              <a:pPr algn="l">
-                <a:buClr>
-                  <a:schemeClr val="accent4"/>
-                </a:buClr>
-              </a:pPr>
-              <a:r>
-                <a:rPr lang="en-GB" sz="700" i="1" dirty="0">
-                  <a:solidFill>
-                    <a:schemeClr val="bg2">
-                      <a:lumMod val="90000"/>
-                    </a:schemeClr>
-                  </a:solidFill>
-                  <a:latin typeface="Raleway" pitchFamily="2" charset="0"/>
-                </a:rPr>
-                <a:t>sales</a:t>
-              </a:r>
-              <a:endParaRPr lang="en-US" sz="700" i="1" dirty="0">
-                <a:solidFill>
-                  <a:schemeClr val="bg2">
-                    <a:lumMod val="90000"/>
-                  </a:schemeClr>
-                </a:solidFill>
-                <a:latin typeface="Raleway" pitchFamily="2" charset="0"/>
-              </a:endParaRPr>
-            </a:p>
-          </p:txBody>
-        </p:sp>
-        <p:sp>
-          <p:nvSpPr>
-            <p:cNvPr id="37" name="Rectangle 36">
-              <a:extLst>
-                <a:ext uri="{FF2B5EF4-FFF2-40B4-BE49-F238E27FC236}">
-                  <a16:creationId xmlns:a16="http://schemas.microsoft.com/office/drawing/2014/main" id="{55B037C1-651F-4F63-9180-1C25F33F6441}"/>
-                </a:ext>
-              </a:extLst>
-            </p:cNvPr>
-            <p:cNvSpPr/>
-            <p:nvPr/>
-          </p:nvSpPr>
-          <p:spPr>
-            <a:xfrm>
-              <a:off x="7352244" y="2500965"/>
-              <a:ext cx="252000" cy="72000"/>
-            </a:xfrm>
-            <a:prstGeom prst="rect">
-              <a:avLst/>
-            </a:prstGeom>
-            <a:solidFill>
-              <a:srgbClr val="88A9C4"/>
-            </a:solidFill>
-            <a:ln w="6350">
-              <a:solidFill>
-                <a:srgbClr val="88A9C4"/>
-              </a:solidFill>
-              <a:prstDash val="solid"/>
-            </a:ln>
-          </p:spPr>
-          <p:style>
-            <a:lnRef idx="2">
-              <a:schemeClr val="accent1">
-                <a:shade val="50000"/>
-              </a:schemeClr>
-            </a:lnRef>
-            <a:fillRef idx="1">
-              <a:schemeClr val="accent1"/>
-            </a:fillRef>
-            <a:effectRef idx="0">
-              <a:schemeClr val="accent1"/>
-            </a:effectRef>
-            <a:fontRef idx="minor">
-              <a:schemeClr val="lt1"/>
-            </a:fontRef>
-          </p:style>
-          <p:txBody>
-            <a:bodyPr rtlCol="0" anchor="ctr"/>
-            <a:lstStyle/>
-            <a:p>
-              <a:pPr algn="ctr"/>
-              <a:endParaRPr lang="en-US"/>
-            </a:p>
-          </p:txBody>
-        </p:sp>
-      </p:grpSp>
-      <p:grpSp>
-        <p:nvGrpSpPr>
-          <p:cNvPr id="44" name="Group 43">
-            <a:extLst>
-              <a:ext uri="{FF2B5EF4-FFF2-40B4-BE49-F238E27FC236}">
-                <a16:creationId xmlns:a16="http://schemas.microsoft.com/office/drawing/2014/main" id="{4C98CDE5-0F76-4DE8-B27E-A03856684CB1}"/>
-              </a:ext>
-            </a:extLst>
-          </p:cNvPr>
-          <p:cNvGrpSpPr/>
-          <p:nvPr/>
-        </p:nvGrpSpPr>
-        <p:grpSpPr>
-          <a:xfrm>
-            <a:off x="7911064" y="2446965"/>
-            <a:ext cx="864000" cy="180000"/>
-            <a:chOff x="8029174" y="2446965"/>
-            <a:chExt cx="864000" cy="180000"/>
-          </a:xfrm>
-        </p:grpSpPr>
-        <p:sp>
-          <p:nvSpPr>
-            <p:cNvPr id="35" name="TextBox 34">
-              <a:extLst>
-                <a:ext uri="{FF2B5EF4-FFF2-40B4-BE49-F238E27FC236}">
-                  <a16:creationId xmlns:a16="http://schemas.microsoft.com/office/drawing/2014/main" id="{29EB40E8-1106-41E4-AFCC-4F939E63A256}"/>
-                </a:ext>
-              </a:extLst>
-            </p:cNvPr>
-            <p:cNvSpPr txBox="1"/>
-            <p:nvPr/>
-          </p:nvSpPr>
-          <p:spPr>
-            <a:xfrm>
-              <a:off x="8029174" y="2446965"/>
-              <a:ext cx="864000" cy="180000"/>
-            </a:xfrm>
-            <a:prstGeom prst="rect">
-              <a:avLst/>
-            </a:prstGeom>
-            <a:noFill/>
-          </p:spPr>
-          <p:txBody>
-            <a:bodyPr wrap="square" lIns="72000" tIns="0" rIns="0" bIns="0" rtlCol="0" anchor="ctr">
-              <a:noAutofit/>
-            </a:bodyPr>
-            <a:lstStyle/>
-            <a:p>
-              <a:pPr>
-                <a:buClr>
-                  <a:schemeClr val="accent4"/>
-                </a:buClr>
-              </a:pPr>
-              <a:r>
-                <a:rPr lang="en-GB" sz="700" i="1" dirty="0">
-                  <a:solidFill>
-                    <a:schemeClr val="bg2">
-                      <a:lumMod val="90000"/>
-                    </a:schemeClr>
-                  </a:solidFill>
-                  <a:latin typeface="Raleway" pitchFamily="2" charset="0"/>
-                </a:rPr>
-                <a:t>EBIT margin</a:t>
-              </a:r>
-              <a:endParaRPr lang="en-US" sz="700" i="1" dirty="0">
-                <a:solidFill>
-                  <a:schemeClr val="bg2">
-                    <a:lumMod val="90000"/>
-                  </a:schemeClr>
-                </a:solidFill>
-                <a:latin typeface="Raleway" pitchFamily="2" charset="0"/>
-              </a:endParaRPr>
-            </a:p>
-          </p:txBody>
-        </p:sp>
-        <p:grpSp>
-          <p:nvGrpSpPr>
-            <p:cNvPr id="42" name="Group 41">
-              <a:extLst>
-                <a:ext uri="{FF2B5EF4-FFF2-40B4-BE49-F238E27FC236}">
-                  <a16:creationId xmlns:a16="http://schemas.microsoft.com/office/drawing/2014/main" id="{B1521B2D-7434-49F5-8423-C0FCBC8A3411}"/>
+                  <a16:creationId xmlns:a16="http://schemas.microsoft.com/office/drawing/2014/main" id="{6E99FDA2-2594-4E54-A7CF-63C20129DC58}"/>
                 </a:ext>
               </a:extLst>
             </p:cNvPr>
@@ -13392,61 +13099,73 @@
           </p:nvGrpSpPr>
           <p:grpSpPr>
             <a:xfrm>
-              <a:off x="8641174" y="2509965"/>
-              <a:ext cx="252000" cy="54000"/>
-              <a:chOff x="7940040" y="2906704"/>
-              <a:chExt cx="252000" cy="54000"/>
+              <a:off x="6013174" y="2446965"/>
+              <a:ext cx="864000" cy="180000"/>
+              <a:chOff x="6013174" y="2446965"/>
+              <a:chExt cx="864000" cy="180000"/>
             </a:xfrm>
           </p:grpSpPr>
-          <p:cxnSp>
-            <p:nvCxnSpPr>
-              <p:cNvPr id="40" name="Straight Connector 39">
+          <p:sp>
+            <p:nvSpPr>
+              <p:cNvPr id="29" name="TextBox 28">
                 <a:extLst>
                   <a:ext uri="{FF2B5EF4-FFF2-40B4-BE49-F238E27FC236}">
-                    <a16:creationId xmlns:a16="http://schemas.microsoft.com/office/drawing/2014/main" id="{FC970C1F-7A1E-409A-B568-798B59410A38}"/>
+                    <a16:creationId xmlns:a16="http://schemas.microsoft.com/office/drawing/2014/main" id="{5481BA6E-0C9F-43F1-87E4-FC84EDB88BE4}"/>
                   </a:ext>
                 </a:extLst>
               </p:cNvPr>
-              <p:cNvCxnSpPr>
-                <a:cxnSpLocks/>
-              </p:cNvCxnSpPr>
+              <p:cNvSpPr txBox="1"/>
               <p:nvPr/>
-            </p:nvCxnSpPr>
+            </p:nvSpPr>
             <p:spPr>
               <a:xfrm>
-                <a:off x="7940040" y="2933704"/>
-                <a:ext cx="252000" cy="0"/>
+                <a:off x="6013174" y="2446965"/>
+                <a:ext cx="864000" cy="180000"/>
               </a:xfrm>
-              <a:prstGeom prst="line">
+              <a:prstGeom prst="rect">
                 <a:avLst/>
               </a:prstGeom>
-              <a:ln>
-                <a:solidFill>
-                  <a:srgbClr val="14202E"/>
-                </a:solidFill>
-              </a:ln>
+              <a:noFill/>
             </p:spPr>
-            <p:style>
-              <a:lnRef idx="1">
-                <a:schemeClr val="accent1"/>
-              </a:lnRef>
-              <a:fillRef idx="0">
-                <a:schemeClr val="accent1"/>
-              </a:fillRef>
-              <a:effectRef idx="0">
-                <a:schemeClr val="accent1"/>
-              </a:effectRef>
-              <a:fontRef idx="minor">
-                <a:schemeClr val="tx1"/>
-              </a:fontRef>
-            </p:style>
-          </p:cxnSp>
+            <p:txBody>
+              <a:bodyPr wrap="square" lIns="72000" tIns="0" rIns="0" bIns="0" rtlCol="0" anchor="ctr">
+                <a:noAutofit/>
+              </a:bodyPr>
+              <a:lstStyle/>
+              <a:p>
+                <a:pPr algn="l">
+                  <a:buClr>
+                    <a:schemeClr val="accent4"/>
+                  </a:buClr>
+                </a:pPr>
+                <a:r>
+                  <a:rPr lang="en-GB" sz="700" i="1" dirty="0">
+                    <a:solidFill>
+                      <a:schemeClr val="bg2">
+                        <a:lumMod val="90000"/>
+                      </a:schemeClr>
+                    </a:solidFill>
+                    <a:latin typeface="Raleway" pitchFamily="2" charset="0"/>
+                  </a:rPr>
+                  <a:t>leverage</a:t>
+                </a:r>
+                <a:endParaRPr lang="en-US" sz="700" i="1" dirty="0">
+                  <a:solidFill>
+                    <a:schemeClr val="bg2">
+                      <a:lumMod val="90000"/>
+                    </a:schemeClr>
+                  </a:solidFill>
+                  <a:latin typeface="Raleway" pitchFamily="2" charset="0"/>
+                </a:endParaRPr>
+              </a:p>
+            </p:txBody>
+          </p:sp>
           <p:sp>
             <p:nvSpPr>
-              <p:cNvPr id="41" name="Oval 40">
+              <p:cNvPr id="30" name="Rectangle 29">
                 <a:extLst>
                   <a:ext uri="{FF2B5EF4-FFF2-40B4-BE49-F238E27FC236}">
-                    <a16:creationId xmlns:a16="http://schemas.microsoft.com/office/drawing/2014/main" id="{A9D47B97-95B6-4A77-89A2-6BC51EBB8DCB}"/>
+                    <a16:creationId xmlns:a16="http://schemas.microsoft.com/office/drawing/2014/main" id="{3A2BFC65-3FD7-48B2-85F9-EDC5EE179272}"/>
                   </a:ext>
                 </a:extLst>
               </p:cNvPr>
@@ -13455,10 +13174,10 @@
             </p:nvSpPr>
             <p:spPr>
               <a:xfrm>
-                <a:off x="8039040" y="2906704"/>
-                <a:ext cx="54000" cy="54000"/>
+                <a:off x="6487436" y="2503448"/>
+                <a:ext cx="252000" cy="72000"/>
               </a:xfrm>
-              <a:prstGeom prst="ellipse">
+              <a:prstGeom prst="rect">
                 <a:avLst/>
               </a:prstGeom>
               <a:solidFill>
@@ -13466,8 +13185,11 @@
               </a:solidFill>
               <a:ln w="6350">
                 <a:solidFill>
-                  <a:srgbClr val="14202E"/>
+                  <a:schemeClr val="bg2">
+                    <a:lumMod val="90000"/>
+                  </a:schemeClr>
                 </a:solidFill>
+                <a:prstDash val="sysDash"/>
               </a:ln>
             </p:spPr>
             <p:style>
@@ -13496,6 +13218,331 @@
             </p:txBody>
           </p:sp>
         </p:grpSp>
+        <p:grpSp>
+          <p:nvGrpSpPr>
+            <p:cNvPr id="45" name="Group 44">
+              <a:extLst>
+                <a:ext uri="{FF2B5EF4-FFF2-40B4-BE49-F238E27FC236}">
+                  <a16:creationId xmlns:a16="http://schemas.microsoft.com/office/drawing/2014/main" id="{B17F2008-4749-42A9-BC4B-15919B9E4FDF}"/>
+                </a:ext>
+              </a:extLst>
+            </p:cNvPr>
+            <p:cNvGrpSpPr/>
+            <p:nvPr/>
+          </p:nvGrpSpPr>
+          <p:grpSpPr>
+            <a:xfrm>
+              <a:off x="7006723" y="2446965"/>
+              <a:ext cx="864000" cy="180000"/>
+              <a:chOff x="7021174" y="2446965"/>
+              <a:chExt cx="864000" cy="180000"/>
+            </a:xfrm>
+          </p:grpSpPr>
+          <p:sp>
+            <p:nvSpPr>
+              <p:cNvPr id="34" name="TextBox 33">
+                <a:extLst>
+                  <a:ext uri="{FF2B5EF4-FFF2-40B4-BE49-F238E27FC236}">
+                    <a16:creationId xmlns:a16="http://schemas.microsoft.com/office/drawing/2014/main" id="{1FC752A8-F972-4F13-BD75-1B3C91C501AC}"/>
+                  </a:ext>
+                </a:extLst>
+              </p:cNvPr>
+              <p:cNvSpPr txBox="1"/>
+              <p:nvPr/>
+            </p:nvSpPr>
+            <p:spPr>
+              <a:xfrm>
+                <a:off x="7021174" y="2446965"/>
+                <a:ext cx="864000" cy="180000"/>
+              </a:xfrm>
+              <a:prstGeom prst="rect">
+                <a:avLst/>
+              </a:prstGeom>
+              <a:noFill/>
+            </p:spPr>
+            <p:txBody>
+              <a:bodyPr wrap="square" lIns="72000" tIns="0" rIns="0" bIns="0" rtlCol="0" anchor="ctr">
+                <a:noAutofit/>
+              </a:bodyPr>
+              <a:lstStyle/>
+              <a:p>
+                <a:pPr algn="l">
+                  <a:buClr>
+                    <a:schemeClr val="accent4"/>
+                  </a:buClr>
+                </a:pPr>
+                <a:r>
+                  <a:rPr lang="en-GB" sz="700" i="1" dirty="0">
+                    <a:solidFill>
+                      <a:schemeClr val="bg2">
+                        <a:lumMod val="90000"/>
+                      </a:schemeClr>
+                    </a:solidFill>
+                    <a:latin typeface="Raleway" pitchFamily="2" charset="0"/>
+                  </a:rPr>
+                  <a:t>sales</a:t>
+                </a:r>
+                <a:endParaRPr lang="en-US" sz="700" i="1" dirty="0">
+                  <a:solidFill>
+                    <a:schemeClr val="bg2">
+                      <a:lumMod val="90000"/>
+                    </a:schemeClr>
+                  </a:solidFill>
+                  <a:latin typeface="Raleway" pitchFamily="2" charset="0"/>
+                </a:endParaRPr>
+              </a:p>
+            </p:txBody>
+          </p:sp>
+          <p:sp>
+            <p:nvSpPr>
+              <p:cNvPr id="37" name="Rectangle 36">
+                <a:extLst>
+                  <a:ext uri="{FF2B5EF4-FFF2-40B4-BE49-F238E27FC236}">
+                    <a16:creationId xmlns:a16="http://schemas.microsoft.com/office/drawing/2014/main" id="{55B037C1-651F-4F63-9180-1C25F33F6441}"/>
+                  </a:ext>
+                </a:extLst>
+              </p:cNvPr>
+              <p:cNvSpPr/>
+              <p:nvPr/>
+            </p:nvSpPr>
+            <p:spPr>
+              <a:xfrm>
+                <a:off x="7352244" y="2500965"/>
+                <a:ext cx="252000" cy="72000"/>
+              </a:xfrm>
+              <a:prstGeom prst="rect">
+                <a:avLst/>
+              </a:prstGeom>
+              <a:solidFill>
+                <a:srgbClr val="88A9C4"/>
+              </a:solidFill>
+              <a:ln w="6350">
+                <a:solidFill>
+                  <a:srgbClr val="88A9C4"/>
+                </a:solidFill>
+                <a:prstDash val="solid"/>
+              </a:ln>
+            </p:spPr>
+            <p:style>
+              <a:lnRef idx="2">
+                <a:schemeClr val="accent1">
+                  <a:shade val="50000"/>
+                </a:schemeClr>
+              </a:lnRef>
+              <a:fillRef idx="1">
+                <a:schemeClr val="accent1"/>
+              </a:fillRef>
+              <a:effectRef idx="0">
+                <a:schemeClr val="accent1"/>
+              </a:effectRef>
+              <a:fontRef idx="minor">
+                <a:schemeClr val="lt1"/>
+              </a:fontRef>
+            </p:style>
+            <p:txBody>
+              <a:bodyPr rtlCol="0" anchor="ctr"/>
+              <a:lstStyle/>
+              <a:p>
+                <a:pPr algn="ctr"/>
+                <a:endParaRPr lang="en-US"/>
+              </a:p>
+            </p:txBody>
+          </p:sp>
+        </p:grpSp>
+        <p:grpSp>
+          <p:nvGrpSpPr>
+            <p:cNvPr id="44" name="Group 43">
+              <a:extLst>
+                <a:ext uri="{FF2B5EF4-FFF2-40B4-BE49-F238E27FC236}">
+                  <a16:creationId xmlns:a16="http://schemas.microsoft.com/office/drawing/2014/main" id="{4C98CDE5-0F76-4DE8-B27E-A03856684CB1}"/>
+                </a:ext>
+              </a:extLst>
+            </p:cNvPr>
+            <p:cNvGrpSpPr/>
+            <p:nvPr/>
+          </p:nvGrpSpPr>
+          <p:grpSpPr>
+            <a:xfrm>
+              <a:off x="7911064" y="2446965"/>
+              <a:ext cx="864000" cy="180000"/>
+              <a:chOff x="8029174" y="2446965"/>
+              <a:chExt cx="864000" cy="180000"/>
+            </a:xfrm>
+          </p:grpSpPr>
+          <p:sp>
+            <p:nvSpPr>
+              <p:cNvPr id="35" name="TextBox 34">
+                <a:extLst>
+                  <a:ext uri="{FF2B5EF4-FFF2-40B4-BE49-F238E27FC236}">
+                    <a16:creationId xmlns:a16="http://schemas.microsoft.com/office/drawing/2014/main" id="{29EB40E8-1106-41E4-AFCC-4F939E63A256}"/>
+                  </a:ext>
+                </a:extLst>
+              </p:cNvPr>
+              <p:cNvSpPr txBox="1"/>
+              <p:nvPr/>
+            </p:nvSpPr>
+            <p:spPr>
+              <a:xfrm>
+                <a:off x="8029174" y="2446965"/>
+                <a:ext cx="864000" cy="180000"/>
+              </a:xfrm>
+              <a:prstGeom prst="rect">
+                <a:avLst/>
+              </a:prstGeom>
+              <a:noFill/>
+            </p:spPr>
+            <p:txBody>
+              <a:bodyPr wrap="square" lIns="72000" tIns="0" rIns="0" bIns="0" rtlCol="0" anchor="ctr">
+                <a:noAutofit/>
+              </a:bodyPr>
+              <a:lstStyle/>
+              <a:p>
+                <a:pPr>
+                  <a:buClr>
+                    <a:schemeClr val="accent4"/>
+                  </a:buClr>
+                </a:pPr>
+                <a:r>
+                  <a:rPr lang="en-GB" sz="700" i="1" dirty="0">
+                    <a:solidFill>
+                      <a:schemeClr val="bg2">
+                        <a:lumMod val="90000"/>
+                      </a:schemeClr>
+                    </a:solidFill>
+                    <a:latin typeface="Raleway" pitchFamily="2" charset="0"/>
+                  </a:rPr>
+                  <a:t>EBIT margin</a:t>
+                </a:r>
+                <a:endParaRPr lang="en-US" sz="700" i="1" dirty="0">
+                  <a:solidFill>
+                    <a:schemeClr val="bg2">
+                      <a:lumMod val="90000"/>
+                    </a:schemeClr>
+                  </a:solidFill>
+                  <a:latin typeface="Raleway" pitchFamily="2" charset="0"/>
+                </a:endParaRPr>
+              </a:p>
+            </p:txBody>
+          </p:sp>
+          <p:grpSp>
+            <p:nvGrpSpPr>
+              <p:cNvPr id="42" name="Group 41">
+                <a:extLst>
+                  <a:ext uri="{FF2B5EF4-FFF2-40B4-BE49-F238E27FC236}">
+                    <a16:creationId xmlns:a16="http://schemas.microsoft.com/office/drawing/2014/main" id="{B1521B2D-7434-49F5-8423-C0FCBC8A3411}"/>
+                  </a:ext>
+                </a:extLst>
+              </p:cNvPr>
+              <p:cNvGrpSpPr/>
+              <p:nvPr/>
+            </p:nvGrpSpPr>
+            <p:grpSpPr>
+              <a:xfrm>
+                <a:off x="8641174" y="2509965"/>
+                <a:ext cx="252000" cy="54000"/>
+                <a:chOff x="7940040" y="2906704"/>
+                <a:chExt cx="252000" cy="54000"/>
+              </a:xfrm>
+            </p:grpSpPr>
+            <p:cxnSp>
+              <p:nvCxnSpPr>
+                <p:cNvPr id="40" name="Straight Connector 39">
+                  <a:extLst>
+                    <a:ext uri="{FF2B5EF4-FFF2-40B4-BE49-F238E27FC236}">
+                      <a16:creationId xmlns:a16="http://schemas.microsoft.com/office/drawing/2014/main" id="{FC970C1F-7A1E-409A-B568-798B59410A38}"/>
+                    </a:ext>
+                  </a:extLst>
+                </p:cNvPr>
+                <p:cNvCxnSpPr>
+                  <a:cxnSpLocks/>
+                </p:cNvCxnSpPr>
+                <p:nvPr/>
+              </p:nvCxnSpPr>
+              <p:spPr>
+                <a:xfrm>
+                  <a:off x="7940040" y="2933704"/>
+                  <a:ext cx="252000" cy="0"/>
+                </a:xfrm>
+                <a:prstGeom prst="line">
+                  <a:avLst/>
+                </a:prstGeom>
+                <a:ln>
+                  <a:solidFill>
+                    <a:srgbClr val="14202E"/>
+                  </a:solidFill>
+                </a:ln>
+              </p:spPr>
+              <p:style>
+                <a:lnRef idx="1">
+                  <a:schemeClr val="accent1"/>
+                </a:lnRef>
+                <a:fillRef idx="0">
+                  <a:schemeClr val="accent1"/>
+                </a:fillRef>
+                <a:effectRef idx="0">
+                  <a:schemeClr val="accent1"/>
+                </a:effectRef>
+                <a:fontRef idx="minor">
+                  <a:schemeClr val="tx1"/>
+                </a:fontRef>
+              </p:style>
+            </p:cxnSp>
+            <p:sp>
+              <p:nvSpPr>
+                <p:cNvPr id="41" name="Oval 40">
+                  <a:extLst>
+                    <a:ext uri="{FF2B5EF4-FFF2-40B4-BE49-F238E27FC236}">
+                      <a16:creationId xmlns:a16="http://schemas.microsoft.com/office/drawing/2014/main" id="{A9D47B97-95B6-4A77-89A2-6BC51EBB8DCB}"/>
+                    </a:ext>
+                  </a:extLst>
+                </p:cNvPr>
+                <p:cNvSpPr/>
+                <p:nvPr/>
+              </p:nvSpPr>
+              <p:spPr>
+                <a:xfrm>
+                  <a:off x="8039040" y="2906704"/>
+                  <a:ext cx="54000" cy="54000"/>
+                </a:xfrm>
+                <a:prstGeom prst="ellipse">
+                  <a:avLst/>
+                </a:prstGeom>
+                <a:solidFill>
+                  <a:schemeClr val="bg1"/>
+                </a:solidFill>
+                <a:ln w="6350">
+                  <a:solidFill>
+                    <a:srgbClr val="14202E"/>
+                  </a:solidFill>
+                </a:ln>
+              </p:spPr>
+              <p:style>
+                <a:lnRef idx="2">
+                  <a:schemeClr val="accent1">
+                    <a:shade val="50000"/>
+                  </a:schemeClr>
+                </a:lnRef>
+                <a:fillRef idx="1">
+                  <a:schemeClr val="accent1"/>
+                </a:fillRef>
+                <a:effectRef idx="0">
+                  <a:schemeClr val="accent1"/>
+                </a:effectRef>
+                <a:fontRef idx="minor">
+                  <a:schemeClr val="lt1"/>
+                </a:fontRef>
+              </p:style>
+              <p:txBody>
+                <a:bodyPr rtlCol="0" anchor="ctr"/>
+                <a:lstStyle/>
+                <a:p>
+                  <a:pPr algn="ctr"/>
+                  <a:endParaRPr lang="en-US"/>
+                </a:p>
+              </p:txBody>
+            </p:sp>
+          </p:grpSp>
+        </p:grpSp>
       </p:grpSp>
       <p:graphicFrame>
         <p:nvGraphicFramePr>
@@ -13509,10 +13556,16 @@
           <p:cNvGraphicFramePr>
             <a:graphicFrameLocks noGrp="1"/>
           </p:cNvGraphicFramePr>
-          <p:nvPr/>
+          <p:nvPr>
+            <p:extLst>
+              <p:ext uri="{D42A27DB-BD31-4B8C-83A1-F6EECF244321}">
+                <p14:modId xmlns:p14="http://schemas.microsoft.com/office/powerpoint/2010/main" val="3053697513"/>
+              </p:ext>
+            </p:extLst>
+          </p:nvPr>
         </p:nvGraphicFramePr>
         <p:xfrm>
-          <a:off x="6022927" y="3942677"/>
+          <a:off x="2779880" y="3942677"/>
           <a:ext cx="2874504" cy="179388"/>
         </p:xfrm>
         <a:graphic>

--- a/Company Profile.pptx
+++ b/Company Profile.pptx
@@ -12,8 +12,8 @@
     <p:sldId id="262" r:id="rId3"/>
     <p:sldId id="261" r:id="rId4"/>
     <p:sldId id="264" r:id="rId5"/>
-    <p:sldId id="265" r:id="rId6"/>
-    <p:sldId id="266" r:id="rId7"/>
+    <p:sldId id="266" r:id="rId6"/>
+    <p:sldId id="265" r:id="rId7"/>
     <p:sldId id="259" r:id="rId8"/>
     <p:sldId id="263" r:id="rId9"/>
   </p:sldIdLst>
@@ -123,9 +123,13 @@
             <p14:sldId id="262"/>
             <p14:sldId id="261"/>
             <p14:sldId id="264"/>
+            <p14:sldId id="266"/>
             <p14:sldId id="265"/>
-            <p14:sldId id="266"/>
             <p14:sldId id="259"/>
+          </p14:sldIdLst>
+        </p14:section>
+        <p14:section name="Appendix" id="{FF7B0FB4-4267-4A48-BD10-EA75630500DF}">
+          <p14:sldIdLst>
             <p14:sldId id="263"/>
           </p14:sldIdLst>
         </p14:section>
@@ -520,6 +524,497 @@
               <c:strCache>
                 <c:ptCount val="1"/>
                 <c:pt idx="0">
+                  <c:v>sg&amp;a</c:v>
+                </c:pt>
+              </c:strCache>
+            </c:strRef>
+          </c:tx>
+          <c:spPr>
+            <a:solidFill>
+              <a:srgbClr val="14202E"/>
+            </a:solidFill>
+            <a:ln>
+              <a:noFill/>
+            </a:ln>
+            <a:effectLst/>
+          </c:spPr>
+          <c:invertIfNegative val="0"/>
+          <c:dLbls>
+            <c:spPr>
+              <a:solidFill>
+                <a:schemeClr val="bg1"/>
+              </a:solidFill>
+              <a:ln>
+                <a:noFill/>
+              </a:ln>
+              <a:effectLst/>
+            </c:spPr>
+            <c:txPr>
+              <a:bodyPr rot="0" spcFirstLastPara="1" vertOverflow="ellipsis" vert="horz" wrap="square" lIns="38100" tIns="19050" rIns="38100" bIns="19050" anchor="ctr" anchorCtr="1">
+                <a:spAutoFit/>
+              </a:bodyPr>
+              <a:lstStyle/>
+              <a:p>
+                <a:pPr>
+                  <a:defRPr sz="700" b="0" i="0" u="none" strike="noStrike" kern="1200" baseline="0">
+                    <a:solidFill>
+                      <a:schemeClr val="tx2"/>
+                    </a:solidFill>
+                    <a:latin typeface="Raleway" pitchFamily="2" charset="0"/>
+                    <a:ea typeface="+mn-ea"/>
+                    <a:cs typeface="+mn-cs"/>
+                  </a:defRPr>
+                </a:pPr>
+                <a:endParaRPr lang="en-US"/>
+              </a:p>
+            </c:txPr>
+            <c:showLegendKey val="0"/>
+            <c:showVal val="1"/>
+            <c:showCatName val="0"/>
+            <c:showSerName val="0"/>
+            <c:showPercent val="0"/>
+            <c:showBubbleSize val="0"/>
+            <c:showLeaderLines val="0"/>
+            <c:extLst>
+              <c:ext xmlns:c15="http://schemas.microsoft.com/office/drawing/2012/chart" uri="{CE6537A1-D6FC-4f65-9D91-7224C49458BB}">
+                <c15:showLeaderLines val="1"/>
+                <c15:leaderLines>
+                  <c:spPr>
+                    <a:ln w="9525" cap="flat" cmpd="sng" algn="ctr">
+                      <a:solidFill>
+                        <a:schemeClr val="tx1">
+                          <a:lumMod val="35000"/>
+                          <a:lumOff val="65000"/>
+                        </a:schemeClr>
+                      </a:solidFill>
+                      <a:round/>
+                    </a:ln>
+                    <a:effectLst/>
+                  </c:spPr>
+                </c15:leaderLines>
+              </c:ext>
+            </c:extLst>
+          </c:dLbls>
+          <c:cat>
+            <c:numRef>
+              <c:f>Sheet1!$A$2:$A$8</c:f>
+              <c:numCache>
+                <c:formatCode>General</c:formatCode>
+                <c:ptCount val="7"/>
+                <c:pt idx="0">
+                  <c:v>2017</c:v>
+                </c:pt>
+                <c:pt idx="1">
+                  <c:v>2018</c:v>
+                </c:pt>
+                <c:pt idx="2">
+                  <c:v>2019</c:v>
+                </c:pt>
+                <c:pt idx="3">
+                  <c:v>2020</c:v>
+                </c:pt>
+                <c:pt idx="4">
+                  <c:v>2021</c:v>
+                </c:pt>
+                <c:pt idx="5">
+                  <c:v>2022</c:v>
+                </c:pt>
+                <c:pt idx="6">
+                  <c:v>2023</c:v>
+                </c:pt>
+              </c:numCache>
+            </c:numRef>
+          </c:cat>
+          <c:val>
+            <c:numRef>
+              <c:f>Sheet1!$B$2:$B$8</c:f>
+              <c:numCache>
+                <c:formatCode>_(* #,##0.0_);_(* \(#,##0.0\);_(* "-"??_);_(@_)</c:formatCode>
+                <c:ptCount val="7"/>
+                <c:pt idx="0">
+                  <c:v>2.822298</c:v>
+                </c:pt>
+                <c:pt idx="1">
+                  <c:v>3.3657269999999997</c:v>
+                </c:pt>
+                <c:pt idx="2">
+                  <c:v>4.1249839999999995</c:v>
+                </c:pt>
+                <c:pt idx="3">
+                  <c:v>4.5590000000000002</c:v>
+                </c:pt>
+                <c:pt idx="4">
+                  <c:v>5.4059999999999997</c:v>
+                </c:pt>
+                <c:pt idx="5">
+                  <c:v>6.1870000000000003</c:v>
+                </c:pt>
+                <c:pt idx="6">
+                  <c:v>6.7640000000000002</c:v>
+                </c:pt>
+              </c:numCache>
+            </c:numRef>
+          </c:val>
+          <c:extLst>
+            <c:ext xmlns:c16="http://schemas.microsoft.com/office/drawing/2014/chart" uri="{C3380CC4-5D6E-409C-BE32-E72D297353CC}">
+              <c16:uniqueId val="{00000000-7CF7-4F01-966C-FA835E3C4B50}"/>
+            </c:ext>
+          </c:extLst>
+        </c:ser>
+        <c:dLbls>
+          <c:showLegendKey val="0"/>
+          <c:showVal val="0"/>
+          <c:showCatName val="0"/>
+          <c:showSerName val="0"/>
+          <c:showPercent val="0"/>
+          <c:showBubbleSize val="0"/>
+        </c:dLbls>
+        <c:gapWidth val="219"/>
+        <c:overlap val="-27"/>
+        <c:axId val="97195520"/>
+        <c:axId val="97205088"/>
+      </c:barChart>
+      <c:lineChart>
+        <c:grouping val="standard"/>
+        <c:varyColors val="0"/>
+        <c:ser>
+          <c:idx val="1"/>
+          <c:order val="1"/>
+          <c:tx>
+            <c:strRef>
+              <c:f>Sheet1!$C$1</c:f>
+              <c:strCache>
+                <c:ptCount val="1"/>
+                <c:pt idx="0">
+                  <c:v>sg&amp;a as of sales</c:v>
+                </c:pt>
+              </c:strCache>
+            </c:strRef>
+          </c:tx>
+          <c:spPr>
+            <a:ln w="3175" cap="rnd">
+              <a:solidFill>
+                <a:schemeClr val="bg2">
+                  <a:lumMod val="10000"/>
+                </a:schemeClr>
+              </a:solidFill>
+              <a:round/>
+            </a:ln>
+            <a:effectLst/>
+          </c:spPr>
+          <c:marker>
+            <c:symbol val="circle"/>
+            <c:size val="5"/>
+            <c:spPr>
+              <a:solidFill>
+                <a:schemeClr val="bg1"/>
+              </a:solidFill>
+              <a:ln w="3175">
+                <a:solidFill>
+                  <a:schemeClr val="bg2">
+                    <a:lumMod val="10000"/>
+                  </a:schemeClr>
+                </a:solidFill>
+              </a:ln>
+              <a:effectLst/>
+            </c:spPr>
+          </c:marker>
+          <c:cat>
+            <c:numRef>
+              <c:f>Sheet1!$A$2:$A$8</c:f>
+              <c:numCache>
+                <c:formatCode>General</c:formatCode>
+                <c:ptCount val="7"/>
+                <c:pt idx="0">
+                  <c:v>2017</c:v>
+                </c:pt>
+                <c:pt idx="1">
+                  <c:v>2018</c:v>
+                </c:pt>
+                <c:pt idx="2">
+                  <c:v>2019</c:v>
+                </c:pt>
+                <c:pt idx="3">
+                  <c:v>2020</c:v>
+                </c:pt>
+                <c:pt idx="4">
+                  <c:v>2021</c:v>
+                </c:pt>
+                <c:pt idx="5">
+                  <c:v>2022</c:v>
+                </c:pt>
+                <c:pt idx="6">
+                  <c:v>2023</c:v>
+                </c:pt>
+              </c:numCache>
+            </c:numRef>
+          </c:cat>
+          <c:val>
+            <c:numRef>
+              <c:f>Sheet1!$C$2:$C$8</c:f>
+              <c:numCache>
+                <c:formatCode>0.0%</c:formatCode>
+                <c:ptCount val="7"/>
+                <c:pt idx="0">
+                  <c:v>0.38653647432960736</c:v>
+                </c:pt>
+                <c:pt idx="1">
+                  <c:v>0.37272691231281302</c:v>
+                </c:pt>
+                <c:pt idx="2">
+                  <c:v>0.36924844089276293</c:v>
+                </c:pt>
+                <c:pt idx="3">
+                  <c:v>0.35428971091078643</c:v>
+                </c:pt>
+                <c:pt idx="4">
+                  <c:v>0.34247703515996197</c:v>
+                </c:pt>
+                <c:pt idx="5">
+                  <c:v>0.35141429058275586</c:v>
+                </c:pt>
+                <c:pt idx="6">
+                  <c:v>0.34849811942913084</c:v>
+                </c:pt>
+              </c:numCache>
+            </c:numRef>
+          </c:val>
+          <c:smooth val="0"/>
+          <c:extLst>
+            <c:ext xmlns:c16="http://schemas.microsoft.com/office/drawing/2014/chart" uri="{C3380CC4-5D6E-409C-BE32-E72D297353CC}">
+              <c16:uniqueId val="{00000000-9161-462C-B003-0F721D456522}"/>
+            </c:ext>
+          </c:extLst>
+        </c:ser>
+        <c:dLbls>
+          <c:showLegendKey val="0"/>
+          <c:showVal val="0"/>
+          <c:showCatName val="0"/>
+          <c:showSerName val="0"/>
+          <c:showPercent val="0"/>
+          <c:showBubbleSize val="0"/>
+        </c:dLbls>
+        <c:marker val="1"/>
+        <c:smooth val="0"/>
+        <c:axId val="1470051407"/>
+        <c:axId val="1470043503"/>
+      </c:lineChart>
+      <c:catAx>
+        <c:axId val="97195520"/>
+        <c:scaling>
+          <c:orientation val="minMax"/>
+        </c:scaling>
+        <c:delete val="0"/>
+        <c:axPos val="b"/>
+        <c:numFmt formatCode="General" sourceLinked="1"/>
+        <c:majorTickMark val="none"/>
+        <c:minorTickMark val="none"/>
+        <c:tickLblPos val="nextTo"/>
+        <c:spPr>
+          <a:noFill/>
+          <a:ln w="3175" cap="flat" cmpd="sng" algn="ctr">
+            <a:solidFill>
+              <a:schemeClr val="bg2"/>
+            </a:solidFill>
+            <a:round/>
+          </a:ln>
+          <a:effectLst/>
+        </c:spPr>
+        <c:txPr>
+          <a:bodyPr rot="-60000000" spcFirstLastPara="1" vertOverflow="ellipsis" vert="horz" wrap="square" anchor="ctr" anchorCtr="1"/>
+          <a:lstStyle/>
+          <a:p>
+            <a:pPr>
+              <a:defRPr sz="700" b="0" i="0" u="none" strike="noStrike" kern="1200" baseline="0">
+                <a:solidFill>
+                  <a:schemeClr val="bg2">
+                    <a:lumMod val="75000"/>
+                  </a:schemeClr>
+                </a:solidFill>
+                <a:latin typeface="Raleway" pitchFamily="2" charset="0"/>
+                <a:ea typeface="+mn-ea"/>
+                <a:cs typeface="+mn-cs"/>
+              </a:defRPr>
+            </a:pPr>
+            <a:endParaRPr lang="en-US"/>
+          </a:p>
+        </c:txPr>
+        <c:crossAx val="97205088"/>
+        <c:crosses val="autoZero"/>
+        <c:auto val="1"/>
+        <c:lblAlgn val="ctr"/>
+        <c:lblOffset val="100"/>
+        <c:noMultiLvlLbl val="0"/>
+      </c:catAx>
+      <c:valAx>
+        <c:axId val="97205088"/>
+        <c:scaling>
+          <c:orientation val="minMax"/>
+          <c:max val="7"/>
+        </c:scaling>
+        <c:delete val="0"/>
+        <c:axPos val="l"/>
+        <c:numFmt formatCode="_(* #,##0.0_);_(* \(#,##0.0\);_(* &quot;-&quot;??_);_(@_)" sourceLinked="1"/>
+        <c:majorTickMark val="none"/>
+        <c:minorTickMark val="none"/>
+        <c:tickLblPos val="nextTo"/>
+        <c:spPr>
+          <a:noFill/>
+          <a:ln>
+            <a:noFill/>
+          </a:ln>
+          <a:effectLst/>
+        </c:spPr>
+        <c:txPr>
+          <a:bodyPr rot="-60000000" spcFirstLastPara="1" vertOverflow="ellipsis" vert="horz" wrap="square" anchor="ctr" anchorCtr="1"/>
+          <a:lstStyle/>
+          <a:p>
+            <a:pPr>
+              <a:defRPr sz="100" b="0" i="0" u="none" strike="noStrike" kern="1200" baseline="0">
+                <a:noFill/>
+                <a:latin typeface="+mn-lt"/>
+                <a:ea typeface="+mn-ea"/>
+                <a:cs typeface="+mn-cs"/>
+              </a:defRPr>
+            </a:pPr>
+            <a:endParaRPr lang="en-US"/>
+          </a:p>
+        </c:txPr>
+        <c:crossAx val="97195520"/>
+        <c:crosses val="autoZero"/>
+        <c:crossBetween val="between"/>
+      </c:valAx>
+      <c:valAx>
+        <c:axId val="1470043503"/>
+        <c:scaling>
+          <c:orientation val="minMax"/>
+        </c:scaling>
+        <c:delete val="0"/>
+        <c:axPos val="r"/>
+        <c:numFmt formatCode="0%" sourceLinked="0"/>
+        <c:majorTickMark val="out"/>
+        <c:minorTickMark val="none"/>
+        <c:tickLblPos val="nextTo"/>
+        <c:spPr>
+          <a:noFill/>
+          <a:ln>
+            <a:noFill/>
+          </a:ln>
+          <a:effectLst/>
+        </c:spPr>
+        <c:txPr>
+          <a:bodyPr rot="-60000000" spcFirstLastPara="1" vertOverflow="ellipsis" vert="horz" wrap="square" anchor="ctr" anchorCtr="1"/>
+          <a:lstStyle/>
+          <a:p>
+            <a:pPr>
+              <a:defRPr sz="700" b="0" i="0" u="none" strike="noStrike" kern="1200" baseline="0">
+                <a:solidFill>
+                  <a:schemeClr val="bg2">
+                    <a:lumMod val="90000"/>
+                  </a:schemeClr>
+                </a:solidFill>
+                <a:latin typeface="+mn-lt"/>
+                <a:ea typeface="+mn-ea"/>
+                <a:cs typeface="+mn-cs"/>
+              </a:defRPr>
+            </a:pPr>
+            <a:endParaRPr lang="en-US"/>
+          </a:p>
+        </c:txPr>
+        <c:crossAx val="1470051407"/>
+        <c:crosses val="max"/>
+        <c:crossBetween val="between"/>
+      </c:valAx>
+      <c:catAx>
+        <c:axId val="1470051407"/>
+        <c:scaling>
+          <c:orientation val="minMax"/>
+        </c:scaling>
+        <c:delete val="1"/>
+        <c:axPos val="b"/>
+        <c:numFmt formatCode="General" sourceLinked="1"/>
+        <c:majorTickMark val="out"/>
+        <c:minorTickMark val="none"/>
+        <c:tickLblPos val="nextTo"/>
+        <c:crossAx val="1470043503"/>
+        <c:crosses val="autoZero"/>
+        <c:auto val="1"/>
+        <c:lblAlgn val="ctr"/>
+        <c:lblOffset val="100"/>
+        <c:noMultiLvlLbl val="0"/>
+      </c:catAx>
+      <c:spPr>
+        <a:noFill/>
+        <a:ln>
+          <a:noFill/>
+        </a:ln>
+        <a:effectLst/>
+      </c:spPr>
+    </c:plotArea>
+    <c:plotVisOnly val="1"/>
+    <c:dispBlanksAs val="gap"/>
+    <c:extLst>
+      <c:ext xmlns:c16r3="http://schemas.microsoft.com/office/drawing/2017/03/chart" uri="{56B9EC1D-385E-4148-901F-78D8002777C0}">
+        <c16r3:dataDisplayOptions16>
+          <c16r3:dispNaAsBlank val="1"/>
+        </c16r3:dataDisplayOptions16>
+      </c:ext>
+    </c:extLst>
+    <c:showDLblsOverMax val="0"/>
+  </c:chart>
+  <c:spPr>
+    <a:noFill/>
+    <a:ln>
+      <a:noFill/>
+    </a:ln>
+    <a:effectLst/>
+  </c:spPr>
+  <c:txPr>
+    <a:bodyPr/>
+    <a:lstStyle/>
+    <a:p>
+      <a:pPr>
+        <a:defRPr/>
+      </a:pPr>
+      <a:endParaRPr lang="en-US"/>
+    </a:p>
+  </c:txPr>
+  <c:externalData r:id="rId3">
+    <c:autoUpdate val="0"/>
+  </c:externalData>
+</c:chartSpace>
+</file>
+
+<file path=ppt/charts/chart11.xml><?xml version="1.0" encoding="utf-8"?>
+<c:chartSpace xmlns:c="http://schemas.openxmlformats.org/drawingml/2006/chart" xmlns:a="http://schemas.openxmlformats.org/drawingml/2006/main" xmlns:r="http://schemas.openxmlformats.org/officeDocument/2006/relationships" xmlns:c16r2="http://schemas.microsoft.com/office/drawing/2015/06/chart">
+  <c:date1904 val="0"/>
+  <c:lang val="en-US"/>
+  <c:roundedCorners val="0"/>
+  <mc:AlternateContent xmlns:mc="http://schemas.openxmlformats.org/markup-compatibility/2006">
+    <mc:Choice xmlns:c14="http://schemas.microsoft.com/office/drawing/2007/8/2/chart" Requires="c14">
+      <c14:style val="102"/>
+    </mc:Choice>
+    <mc:Fallback>
+      <c:style val="2"/>
+    </mc:Fallback>
+  </mc:AlternateContent>
+  <c:chart>
+    <c:autoTitleDeleted val="1"/>
+    <c:plotArea>
+      <c:layout/>
+      <c:barChart>
+        <c:barDir val="col"/>
+        <c:grouping val="clustered"/>
+        <c:varyColors val="0"/>
+        <c:ser>
+          <c:idx val="0"/>
+          <c:order val="0"/>
+          <c:tx>
+            <c:strRef>
+              <c:f>Sheet1!$B$1</c:f>
+              <c:strCache>
+                <c:ptCount val="1"/>
+                <c:pt idx="0">
                   <c:v>r&amp;d</c:v>
                 </c:pt>
               </c:strCache>
@@ -930,6 +1425,7 @@
         <c:minorTickMark val="none"/>
         <c:tickLblPos val="nextTo"/>
         <c:crossAx val="1563521599"/>
+        <c:crosses val="autoZero"/>
         <c:auto val="1"/>
         <c:lblAlgn val="ctr"/>
         <c:lblOffset val="100"/>
@@ -977,7 +1473,7 @@
 </c:chartSpace>
 </file>
 
-<file path=ppt/charts/chart11.xml><?xml version="1.0" encoding="utf-8"?>
+<file path=ppt/charts/chart12.xml><?xml version="1.0" encoding="utf-8"?>
 <c:chartSpace xmlns:c="http://schemas.openxmlformats.org/drawingml/2006/chart" xmlns:a="http://schemas.openxmlformats.org/drawingml/2006/main" xmlns:r="http://schemas.openxmlformats.org/officeDocument/2006/relationships" xmlns:c16r2="http://schemas.microsoft.com/office/drawing/2015/06/chart">
   <c:date1904 val="0"/>
   <c:lang val="en-US"/>
@@ -1422,542 +1918,6 @@
         <c:lblOffset val="100"/>
         <c:noMultiLvlLbl val="0"/>
       </c:catAx>
-      <c:spPr>
-        <a:noFill/>
-        <a:ln>
-          <a:noFill/>
-        </a:ln>
-        <a:effectLst/>
-      </c:spPr>
-    </c:plotArea>
-    <c:plotVisOnly val="1"/>
-    <c:dispBlanksAs val="gap"/>
-    <c:extLst>
-      <c:ext xmlns:c16r3="http://schemas.microsoft.com/office/drawing/2017/03/chart" uri="{56B9EC1D-385E-4148-901F-78D8002777C0}">
-        <c16r3:dataDisplayOptions16>
-          <c16r3:dispNaAsBlank val="1"/>
-        </c16r3:dataDisplayOptions16>
-      </c:ext>
-    </c:extLst>
-    <c:showDLblsOverMax val="0"/>
-  </c:chart>
-  <c:spPr>
-    <a:noFill/>
-    <a:ln>
-      <a:noFill/>
-    </a:ln>
-    <a:effectLst/>
-  </c:spPr>
-  <c:txPr>
-    <a:bodyPr/>
-    <a:lstStyle/>
-    <a:p>
-      <a:pPr>
-        <a:defRPr/>
-      </a:pPr>
-      <a:endParaRPr lang="en-US"/>
-    </a:p>
-  </c:txPr>
-  <c:externalData r:id="rId3">
-    <c:autoUpdate val="0"/>
-  </c:externalData>
-</c:chartSpace>
-</file>
-
-<file path=ppt/charts/chart12.xml><?xml version="1.0" encoding="utf-8"?>
-<c:chartSpace xmlns:c="http://schemas.openxmlformats.org/drawingml/2006/chart" xmlns:a="http://schemas.openxmlformats.org/drawingml/2006/main" xmlns:r="http://schemas.openxmlformats.org/officeDocument/2006/relationships" xmlns:c16r2="http://schemas.microsoft.com/office/drawing/2015/06/chart">
-  <c:date1904 val="0"/>
-  <c:lang val="en-US"/>
-  <c:roundedCorners val="0"/>
-  <mc:AlternateContent xmlns:mc="http://schemas.openxmlformats.org/markup-compatibility/2006">
-    <mc:Choice xmlns:c14="http://schemas.microsoft.com/office/drawing/2007/8/2/chart" Requires="c14">
-      <c14:style val="102"/>
-    </mc:Choice>
-    <mc:Fallback>
-      <c:style val="2"/>
-    </mc:Fallback>
-  </mc:AlternateContent>
-  <c:chart>
-    <c:autoTitleDeleted val="1"/>
-    <c:plotArea>
-      <c:layout/>
-      <c:lineChart>
-        <c:grouping val="standard"/>
-        <c:varyColors val="0"/>
-        <c:ser>
-          <c:idx val="0"/>
-          <c:order val="0"/>
-          <c:tx>
-            <c:strRef>
-              <c:f>Sheet1!$B$1</c:f>
-              <c:strCache>
-                <c:ptCount val="1"/>
-                <c:pt idx="0">
-                  <c:v>gp maring</c:v>
-                </c:pt>
-              </c:strCache>
-            </c:strRef>
-          </c:tx>
-          <c:spPr>
-            <a:ln w="6350" cap="rnd">
-              <a:solidFill>
-                <a:schemeClr val="accent1"/>
-              </a:solidFill>
-              <a:round/>
-            </a:ln>
-            <a:effectLst/>
-          </c:spPr>
-          <c:marker>
-            <c:symbol val="none"/>
-          </c:marker>
-          <c:cat>
-            <c:numRef>
-              <c:f>Sheet1!$A$2:$A$8</c:f>
-              <c:numCache>
-                <c:formatCode>General</c:formatCode>
-                <c:ptCount val="7"/>
-                <c:pt idx="0">
-                  <c:v>2017</c:v>
-                </c:pt>
-                <c:pt idx="1">
-                  <c:v>2018</c:v>
-                </c:pt>
-                <c:pt idx="2">
-                  <c:v>2019</c:v>
-                </c:pt>
-                <c:pt idx="3">
-                  <c:v>2020</c:v>
-                </c:pt>
-                <c:pt idx="4">
-                  <c:v>2021</c:v>
-                </c:pt>
-                <c:pt idx="5">
-                  <c:v>2022</c:v>
-                </c:pt>
-                <c:pt idx="6">
-                  <c:v>2023</c:v>
-                </c:pt>
-              </c:numCache>
-            </c:numRef>
-          </c:cat>
-          <c:val>
-            <c:numRef>
-              <c:f>Sheet1!$B$2:$B$8</c:f>
-              <c:numCache>
-                <c:formatCode>0.0%</c:formatCode>
-                <c:ptCount val="7"/>
-                <c:pt idx="0">
-                  <c:v>0.86160510744017849</c:v>
-                </c:pt>
-                <c:pt idx="1">
-                  <c:v>0.8676635723910765</c:v>
-                </c:pt>
-                <c:pt idx="2">
-                  <c:v>0.85026626720245646</c:v>
-                </c:pt>
-                <c:pt idx="3">
-                  <c:v>0.86617967050046629</c:v>
-                </c:pt>
-                <c:pt idx="4">
-                  <c:v>0.88184985745961353</c:v>
-                </c:pt>
-                <c:pt idx="5">
-                  <c:v>0.87703055776439853</c:v>
-                </c:pt>
-                <c:pt idx="6">
-                  <c:v>0.87871605955999799</c:v>
-                </c:pt>
-              </c:numCache>
-            </c:numRef>
-          </c:val>
-          <c:smooth val="1"/>
-          <c:extLst>
-            <c:ext xmlns:c16="http://schemas.microsoft.com/office/drawing/2014/chart" uri="{C3380CC4-5D6E-409C-BE32-E72D297353CC}">
-              <c16:uniqueId val="{00000000-7CF7-4F01-966C-FA835E3C4B50}"/>
-            </c:ext>
-          </c:extLst>
-        </c:ser>
-        <c:ser>
-          <c:idx val="1"/>
-          <c:order val="1"/>
-          <c:tx>
-            <c:strRef>
-              <c:f>Sheet1!$C$1</c:f>
-              <c:strCache>
-                <c:ptCount val="1"/>
-                <c:pt idx="0">
-                  <c:v>EBITDA margin</c:v>
-                </c:pt>
-              </c:strCache>
-            </c:strRef>
-          </c:tx>
-          <c:spPr>
-            <a:ln w="6350" cap="rnd">
-              <a:solidFill>
-                <a:schemeClr val="accent2"/>
-              </a:solidFill>
-              <a:round/>
-            </a:ln>
-            <a:effectLst/>
-          </c:spPr>
-          <c:marker>
-            <c:symbol val="none"/>
-          </c:marker>
-          <c:cat>
-            <c:numRef>
-              <c:f>Sheet1!$A$2:$A$8</c:f>
-              <c:numCache>
-                <c:formatCode>General</c:formatCode>
-                <c:ptCount val="7"/>
-                <c:pt idx="0">
-                  <c:v>2017</c:v>
-                </c:pt>
-                <c:pt idx="1">
-                  <c:v>2018</c:v>
-                </c:pt>
-                <c:pt idx="2">
-                  <c:v>2019</c:v>
-                </c:pt>
-                <c:pt idx="3">
-                  <c:v>2020</c:v>
-                </c:pt>
-                <c:pt idx="4">
-                  <c:v>2021</c:v>
-                </c:pt>
-                <c:pt idx="5">
-                  <c:v>2022</c:v>
-                </c:pt>
-                <c:pt idx="6">
-                  <c:v>2023</c:v>
-                </c:pt>
-              </c:numCache>
-            </c:numRef>
-          </c:cat>
-          <c:val>
-            <c:numRef>
-              <c:f>Sheet1!$C$2:$C$8</c:f>
-              <c:numCache>
-                <c:formatCode>0.0%</c:formatCode>
-                <c:ptCount val="7"/>
-                <c:pt idx="0">
-                  <c:v>0.30742388041917385</c:v>
-                </c:pt>
-                <c:pt idx="1">
-                  <c:v>0.32463647872737217</c:v>
-                </c:pt>
-                <c:pt idx="2">
-                  <c:v>0.30823323379550288</c:v>
-                </c:pt>
-                <c:pt idx="3">
-                  <c:v>0.34185576624184022</c:v>
-                </c:pt>
-                <c:pt idx="4">
-                  <c:v>0.37846056382641746</c:v>
-                </c:pt>
-                <c:pt idx="5">
-                  <c:v>0.35595819606952173</c:v>
-                </c:pt>
-                <c:pt idx="6">
-                  <c:v>0.35128033386573237</c:v>
-                </c:pt>
-              </c:numCache>
-            </c:numRef>
-          </c:val>
-          <c:smooth val="1"/>
-          <c:extLst>
-            <c:ext xmlns:c16="http://schemas.microsoft.com/office/drawing/2014/chart" uri="{C3380CC4-5D6E-409C-BE32-E72D297353CC}">
-              <c16:uniqueId val="{00000000-18D9-485A-BC3F-4416C997C53F}"/>
-            </c:ext>
-          </c:extLst>
-        </c:ser>
-        <c:ser>
-          <c:idx val="2"/>
-          <c:order val="2"/>
-          <c:tx>
-            <c:strRef>
-              <c:f>Sheet1!$D$1</c:f>
-              <c:strCache>
-                <c:ptCount val="1"/>
-                <c:pt idx="0">
-                  <c:v>EBIT margin</c:v>
-                </c:pt>
-              </c:strCache>
-            </c:strRef>
-          </c:tx>
-          <c:spPr>
-            <a:ln w="6350" cap="rnd">
-              <a:solidFill>
-                <a:schemeClr val="accent3"/>
-              </a:solidFill>
-              <a:round/>
-            </a:ln>
-            <a:effectLst/>
-          </c:spPr>
-          <c:marker>
-            <c:symbol val="none"/>
-          </c:marker>
-          <c:cat>
-            <c:numRef>
-              <c:f>Sheet1!$A$2:$A$8</c:f>
-              <c:numCache>
-                <c:formatCode>General</c:formatCode>
-                <c:ptCount val="7"/>
-                <c:pt idx="0">
-                  <c:v>2017</c:v>
-                </c:pt>
-                <c:pt idx="1">
-                  <c:v>2018</c:v>
-                </c:pt>
-                <c:pt idx="2">
-                  <c:v>2019</c:v>
-                </c:pt>
-                <c:pt idx="3">
-                  <c:v>2020</c:v>
-                </c:pt>
-                <c:pt idx="4">
-                  <c:v>2021</c:v>
-                </c:pt>
-                <c:pt idx="5">
-                  <c:v>2022</c:v>
-                </c:pt>
-                <c:pt idx="6">
-                  <c:v>2023</c:v>
-                </c:pt>
-              </c:numCache>
-            </c:numRef>
-          </c:cat>
-          <c:val>
-            <c:numRef>
-              <c:f>Sheet1!$D$2:$D$8</c:f>
-              <c:numCache>
-                <c:formatCode>0.0%</c:formatCode>
-                <c:ptCount val="7"/>
-                <c:pt idx="0">
-                  <c:v>0.2627759619420928</c:v>
-                </c:pt>
-                <c:pt idx="1">
-                  <c:v>0.28626530563428071</c:v>
-                </c:pt>
-                <c:pt idx="2">
-                  <c:v>0.24229021930040892</c:v>
-                </c:pt>
-                <c:pt idx="3">
-                  <c:v>0.27626670811314891</c:v>
-                </c:pt>
-                <c:pt idx="4">
-                  <c:v>0.32391510928096295</c:v>
-                </c:pt>
-                <c:pt idx="5">
-                  <c:v>0.30262410541860729</c:v>
-                </c:pt>
-                <c:pt idx="6">
-                  <c:v>0.30264310371477149</c:v>
-                </c:pt>
-              </c:numCache>
-            </c:numRef>
-          </c:val>
-          <c:smooth val="1"/>
-          <c:extLst>
-            <c:ext xmlns:c16="http://schemas.microsoft.com/office/drawing/2014/chart" uri="{C3380CC4-5D6E-409C-BE32-E72D297353CC}">
-              <c16:uniqueId val="{00000001-18D9-485A-BC3F-4416C997C53F}"/>
-            </c:ext>
-          </c:extLst>
-        </c:ser>
-        <c:ser>
-          <c:idx val="3"/>
-          <c:order val="3"/>
-          <c:tx>
-            <c:strRef>
-              <c:f>Sheet1!$E$1</c:f>
-              <c:strCache>
-                <c:ptCount val="1"/>
-                <c:pt idx="0">
-                  <c:v>NI margin</c:v>
-                </c:pt>
-              </c:strCache>
-            </c:strRef>
-          </c:tx>
-          <c:spPr>
-            <a:ln w="6350" cap="rnd">
-              <a:solidFill>
-                <a:schemeClr val="accent4"/>
-              </a:solidFill>
-              <a:round/>
-            </a:ln>
-            <a:effectLst/>
-          </c:spPr>
-          <c:marker>
-            <c:symbol val="none"/>
-          </c:marker>
-          <c:cat>
-            <c:numRef>
-              <c:f>Sheet1!$A$2:$A$8</c:f>
-              <c:numCache>
-                <c:formatCode>General</c:formatCode>
-                <c:ptCount val="7"/>
-                <c:pt idx="0">
-                  <c:v>2017</c:v>
-                </c:pt>
-                <c:pt idx="1">
-                  <c:v>2018</c:v>
-                </c:pt>
-                <c:pt idx="2">
-                  <c:v>2019</c:v>
-                </c:pt>
-                <c:pt idx="3">
-                  <c:v>2020</c:v>
-                </c:pt>
-                <c:pt idx="4">
-                  <c:v>2021</c:v>
-                </c:pt>
-                <c:pt idx="5">
-                  <c:v>2022</c:v>
-                </c:pt>
-                <c:pt idx="6">
-                  <c:v>2023</c:v>
-                </c:pt>
-              </c:numCache>
-            </c:numRef>
-          </c:cat>
-          <c:val>
-            <c:numRef>
-              <c:f>Sheet1!$E$2:$E$8</c:f>
-              <c:numCache>
-                <c:formatCode>0.0%</c:formatCode>
-                <c:ptCount val="7"/>
-                <c:pt idx="0">
-                  <c:v>0.23200066287703699</c:v>
-                </c:pt>
-                <c:pt idx="1">
-                  <c:v>0.28690716553075035</c:v>
-                </c:pt>
-                <c:pt idx="2">
-                  <c:v>0.26420011928784998</c:v>
-                </c:pt>
-                <c:pt idx="3">
-                  <c:v>0.40876593099160707</c:v>
-                </c:pt>
-                <c:pt idx="4">
-                  <c:v>0.30547988596769082</c:v>
-                </c:pt>
-                <c:pt idx="5">
-                  <c:v>0.27013518118823127</c:v>
-                </c:pt>
-                <c:pt idx="6">
-                  <c:v>0.27966407336802512</c:v>
-                </c:pt>
-              </c:numCache>
-            </c:numRef>
-          </c:val>
-          <c:smooth val="1"/>
-          <c:extLst>
-            <c:ext xmlns:c16="http://schemas.microsoft.com/office/drawing/2014/chart" uri="{C3380CC4-5D6E-409C-BE32-E72D297353CC}">
-              <c16:uniqueId val="{00000002-18D9-485A-BC3F-4416C997C53F}"/>
-            </c:ext>
-          </c:extLst>
-        </c:ser>
-        <c:dLbls>
-          <c:showLegendKey val="0"/>
-          <c:showVal val="0"/>
-          <c:showCatName val="0"/>
-          <c:showSerName val="0"/>
-          <c:showPercent val="0"/>
-          <c:showBubbleSize val="0"/>
-        </c:dLbls>
-        <c:smooth val="0"/>
-        <c:axId val="97195520"/>
-        <c:axId val="97205088"/>
-      </c:lineChart>
-      <c:catAx>
-        <c:axId val="97195520"/>
-        <c:scaling>
-          <c:orientation val="minMax"/>
-        </c:scaling>
-        <c:delete val="0"/>
-        <c:axPos val="b"/>
-        <c:numFmt formatCode="General" sourceLinked="1"/>
-        <c:majorTickMark val="none"/>
-        <c:minorTickMark val="none"/>
-        <c:tickLblPos val="nextTo"/>
-        <c:spPr>
-          <a:noFill/>
-          <a:ln w="3175" cap="flat" cmpd="sng" algn="ctr">
-            <a:solidFill>
-              <a:schemeClr val="bg2"/>
-            </a:solidFill>
-            <a:round/>
-          </a:ln>
-          <a:effectLst/>
-        </c:spPr>
-        <c:txPr>
-          <a:bodyPr rot="-60000000" spcFirstLastPara="1" vertOverflow="ellipsis" vert="horz" wrap="square" anchor="ctr" anchorCtr="1"/>
-          <a:lstStyle/>
-          <a:p>
-            <a:pPr>
-              <a:defRPr sz="700" b="0" i="0" u="none" strike="noStrike" kern="1200" baseline="0">
-                <a:solidFill>
-                  <a:schemeClr val="bg2">
-                    <a:lumMod val="75000"/>
-                  </a:schemeClr>
-                </a:solidFill>
-                <a:latin typeface="Raleway" pitchFamily="2" charset="0"/>
-                <a:ea typeface="+mn-ea"/>
-                <a:cs typeface="+mn-cs"/>
-              </a:defRPr>
-            </a:pPr>
-            <a:endParaRPr lang="en-US"/>
-          </a:p>
-        </c:txPr>
-        <c:crossAx val="97205088"/>
-        <c:crosses val="autoZero"/>
-        <c:auto val="1"/>
-        <c:lblAlgn val="ctr"/>
-        <c:lblOffset val="100"/>
-        <c:noMultiLvlLbl val="0"/>
-      </c:catAx>
-      <c:valAx>
-        <c:axId val="97205088"/>
-        <c:scaling>
-          <c:orientation val="minMax"/>
-          <c:max val="0.45"/>
-          <c:min val="0.2"/>
-        </c:scaling>
-        <c:delete val="0"/>
-        <c:axPos val="l"/>
-        <c:numFmt formatCode="0%" sourceLinked="0"/>
-        <c:majorTickMark val="none"/>
-        <c:minorTickMark val="none"/>
-        <c:tickLblPos val="nextTo"/>
-        <c:spPr>
-          <a:noFill/>
-          <a:ln>
-            <a:noFill/>
-          </a:ln>
-          <a:effectLst/>
-        </c:spPr>
-        <c:txPr>
-          <a:bodyPr rot="-60000000" spcFirstLastPara="1" vertOverflow="ellipsis" vert="horz" wrap="square" anchor="ctr" anchorCtr="1"/>
-          <a:lstStyle/>
-          <a:p>
-            <a:pPr>
-              <a:defRPr sz="700" b="0" i="0" u="none" strike="noStrike" kern="1200" baseline="0">
-                <a:solidFill>
-                  <a:schemeClr val="bg2">
-                    <a:lumMod val="90000"/>
-                  </a:schemeClr>
-                </a:solidFill>
-                <a:latin typeface="Raleway" pitchFamily="2" charset="0"/>
-                <a:ea typeface="+mn-ea"/>
-                <a:cs typeface="+mn-cs"/>
-              </a:defRPr>
-            </a:pPr>
-            <a:endParaRPr lang="en-US"/>
-          </a:p>
-        </c:txPr>
-        <c:crossAx val="97195520"/>
-        <c:crosses val="autoZero"/>
-        <c:crossBetween val="between"/>
-      </c:valAx>
       <c:spPr>
         <a:noFill/>
         <a:ln>
@@ -14565,7 +14525,7 @@
         <c:scaling>
           <c:orientation val="minMax"/>
           <c:max val="0.26"/>
-          <c:min val="-"/>
+          <c:min val="0"/>
         </c:scaling>
         <c:delete val="0"/>
         <c:axPos val="r"/>
@@ -15371,6 +15331,7 @@
         <c:minorTickMark val="none"/>
         <c:tickLblPos val="nextTo"/>
         <c:crossAx val="1290772607"/>
+        <c:crosses val="autoZero"/>
         <c:auto val="1"/>
         <c:lblAlgn val="ctr"/>
         <c:lblOffset val="100"/>
@@ -16053,6 +16014,542 @@
     <c:autoTitleDeleted val="1"/>
     <c:plotArea>
       <c:layout/>
+      <c:lineChart>
+        <c:grouping val="standard"/>
+        <c:varyColors val="0"/>
+        <c:ser>
+          <c:idx val="0"/>
+          <c:order val="0"/>
+          <c:tx>
+            <c:strRef>
+              <c:f>Sheet1!$B$1</c:f>
+              <c:strCache>
+                <c:ptCount val="1"/>
+                <c:pt idx="0">
+                  <c:v>gp maring</c:v>
+                </c:pt>
+              </c:strCache>
+            </c:strRef>
+          </c:tx>
+          <c:spPr>
+            <a:ln w="6350" cap="rnd">
+              <a:solidFill>
+                <a:schemeClr val="accent1"/>
+              </a:solidFill>
+              <a:round/>
+            </a:ln>
+            <a:effectLst/>
+          </c:spPr>
+          <c:marker>
+            <c:symbol val="none"/>
+          </c:marker>
+          <c:cat>
+            <c:numRef>
+              <c:f>Sheet1!$A$2:$A$8</c:f>
+              <c:numCache>
+                <c:formatCode>General</c:formatCode>
+                <c:ptCount val="7"/>
+                <c:pt idx="0">
+                  <c:v>2017</c:v>
+                </c:pt>
+                <c:pt idx="1">
+                  <c:v>2018</c:v>
+                </c:pt>
+                <c:pt idx="2">
+                  <c:v>2019</c:v>
+                </c:pt>
+                <c:pt idx="3">
+                  <c:v>2020</c:v>
+                </c:pt>
+                <c:pt idx="4">
+                  <c:v>2021</c:v>
+                </c:pt>
+                <c:pt idx="5">
+                  <c:v>2022</c:v>
+                </c:pt>
+                <c:pt idx="6">
+                  <c:v>2023</c:v>
+                </c:pt>
+              </c:numCache>
+            </c:numRef>
+          </c:cat>
+          <c:val>
+            <c:numRef>
+              <c:f>Sheet1!$B$2:$B$8</c:f>
+              <c:numCache>
+                <c:formatCode>0.0%</c:formatCode>
+                <c:ptCount val="7"/>
+                <c:pt idx="0">
+                  <c:v>0.86160510744017849</c:v>
+                </c:pt>
+                <c:pt idx="1">
+                  <c:v>0.8676635723910765</c:v>
+                </c:pt>
+                <c:pt idx="2">
+                  <c:v>0.85026626720245646</c:v>
+                </c:pt>
+                <c:pt idx="3">
+                  <c:v>0.86617967050046629</c:v>
+                </c:pt>
+                <c:pt idx="4">
+                  <c:v>0.88184985745961353</c:v>
+                </c:pt>
+                <c:pt idx="5">
+                  <c:v>0.87703055776439853</c:v>
+                </c:pt>
+                <c:pt idx="6">
+                  <c:v>0.87871605955999799</c:v>
+                </c:pt>
+              </c:numCache>
+            </c:numRef>
+          </c:val>
+          <c:smooth val="1"/>
+          <c:extLst>
+            <c:ext xmlns:c16="http://schemas.microsoft.com/office/drawing/2014/chart" uri="{C3380CC4-5D6E-409C-BE32-E72D297353CC}">
+              <c16:uniqueId val="{00000000-7CF7-4F01-966C-FA835E3C4B50}"/>
+            </c:ext>
+          </c:extLst>
+        </c:ser>
+        <c:ser>
+          <c:idx val="1"/>
+          <c:order val="1"/>
+          <c:tx>
+            <c:strRef>
+              <c:f>Sheet1!$C$1</c:f>
+              <c:strCache>
+                <c:ptCount val="1"/>
+                <c:pt idx="0">
+                  <c:v>EBITDA margin</c:v>
+                </c:pt>
+              </c:strCache>
+            </c:strRef>
+          </c:tx>
+          <c:spPr>
+            <a:ln w="6350" cap="rnd">
+              <a:solidFill>
+                <a:schemeClr val="accent2"/>
+              </a:solidFill>
+              <a:round/>
+            </a:ln>
+            <a:effectLst/>
+          </c:spPr>
+          <c:marker>
+            <c:symbol val="none"/>
+          </c:marker>
+          <c:cat>
+            <c:numRef>
+              <c:f>Sheet1!$A$2:$A$8</c:f>
+              <c:numCache>
+                <c:formatCode>General</c:formatCode>
+                <c:ptCount val="7"/>
+                <c:pt idx="0">
+                  <c:v>2017</c:v>
+                </c:pt>
+                <c:pt idx="1">
+                  <c:v>2018</c:v>
+                </c:pt>
+                <c:pt idx="2">
+                  <c:v>2019</c:v>
+                </c:pt>
+                <c:pt idx="3">
+                  <c:v>2020</c:v>
+                </c:pt>
+                <c:pt idx="4">
+                  <c:v>2021</c:v>
+                </c:pt>
+                <c:pt idx="5">
+                  <c:v>2022</c:v>
+                </c:pt>
+                <c:pt idx="6">
+                  <c:v>2023</c:v>
+                </c:pt>
+              </c:numCache>
+            </c:numRef>
+          </c:cat>
+          <c:val>
+            <c:numRef>
+              <c:f>Sheet1!$C$2:$C$8</c:f>
+              <c:numCache>
+                <c:formatCode>0.0%</c:formatCode>
+                <c:ptCount val="7"/>
+                <c:pt idx="0">
+                  <c:v>0.30742388041917385</c:v>
+                </c:pt>
+                <c:pt idx="1">
+                  <c:v>0.32463647872737217</c:v>
+                </c:pt>
+                <c:pt idx="2">
+                  <c:v>0.30823323379550288</c:v>
+                </c:pt>
+                <c:pt idx="3">
+                  <c:v>0.34185576624184022</c:v>
+                </c:pt>
+                <c:pt idx="4">
+                  <c:v>0.37846056382641746</c:v>
+                </c:pt>
+                <c:pt idx="5">
+                  <c:v>0.35595819606952173</c:v>
+                </c:pt>
+                <c:pt idx="6">
+                  <c:v>0.35128033386573237</c:v>
+                </c:pt>
+              </c:numCache>
+            </c:numRef>
+          </c:val>
+          <c:smooth val="1"/>
+          <c:extLst>
+            <c:ext xmlns:c16="http://schemas.microsoft.com/office/drawing/2014/chart" uri="{C3380CC4-5D6E-409C-BE32-E72D297353CC}">
+              <c16:uniqueId val="{00000000-18D9-485A-BC3F-4416C997C53F}"/>
+            </c:ext>
+          </c:extLst>
+        </c:ser>
+        <c:ser>
+          <c:idx val="2"/>
+          <c:order val="2"/>
+          <c:tx>
+            <c:strRef>
+              <c:f>Sheet1!$D$1</c:f>
+              <c:strCache>
+                <c:ptCount val="1"/>
+                <c:pt idx="0">
+                  <c:v>EBIT margin</c:v>
+                </c:pt>
+              </c:strCache>
+            </c:strRef>
+          </c:tx>
+          <c:spPr>
+            <a:ln w="6350" cap="rnd">
+              <a:solidFill>
+                <a:schemeClr val="accent3"/>
+              </a:solidFill>
+              <a:round/>
+            </a:ln>
+            <a:effectLst/>
+          </c:spPr>
+          <c:marker>
+            <c:symbol val="none"/>
+          </c:marker>
+          <c:cat>
+            <c:numRef>
+              <c:f>Sheet1!$A$2:$A$8</c:f>
+              <c:numCache>
+                <c:formatCode>General</c:formatCode>
+                <c:ptCount val="7"/>
+                <c:pt idx="0">
+                  <c:v>2017</c:v>
+                </c:pt>
+                <c:pt idx="1">
+                  <c:v>2018</c:v>
+                </c:pt>
+                <c:pt idx="2">
+                  <c:v>2019</c:v>
+                </c:pt>
+                <c:pt idx="3">
+                  <c:v>2020</c:v>
+                </c:pt>
+                <c:pt idx="4">
+                  <c:v>2021</c:v>
+                </c:pt>
+                <c:pt idx="5">
+                  <c:v>2022</c:v>
+                </c:pt>
+                <c:pt idx="6">
+                  <c:v>2023</c:v>
+                </c:pt>
+              </c:numCache>
+            </c:numRef>
+          </c:cat>
+          <c:val>
+            <c:numRef>
+              <c:f>Sheet1!$D$2:$D$8</c:f>
+              <c:numCache>
+                <c:formatCode>0.0%</c:formatCode>
+                <c:ptCount val="7"/>
+                <c:pt idx="0">
+                  <c:v>0.2627759619420928</c:v>
+                </c:pt>
+                <c:pt idx="1">
+                  <c:v>0.28626530563428071</c:v>
+                </c:pt>
+                <c:pt idx="2">
+                  <c:v>0.24229021930040892</c:v>
+                </c:pt>
+                <c:pt idx="3">
+                  <c:v>0.27626670811314891</c:v>
+                </c:pt>
+                <c:pt idx="4">
+                  <c:v>0.32391510928096295</c:v>
+                </c:pt>
+                <c:pt idx="5">
+                  <c:v>0.30262410541860729</c:v>
+                </c:pt>
+                <c:pt idx="6">
+                  <c:v>0.30264310371477149</c:v>
+                </c:pt>
+              </c:numCache>
+            </c:numRef>
+          </c:val>
+          <c:smooth val="1"/>
+          <c:extLst>
+            <c:ext xmlns:c16="http://schemas.microsoft.com/office/drawing/2014/chart" uri="{C3380CC4-5D6E-409C-BE32-E72D297353CC}">
+              <c16:uniqueId val="{00000001-18D9-485A-BC3F-4416C997C53F}"/>
+            </c:ext>
+          </c:extLst>
+        </c:ser>
+        <c:ser>
+          <c:idx val="3"/>
+          <c:order val="3"/>
+          <c:tx>
+            <c:strRef>
+              <c:f>Sheet1!$E$1</c:f>
+              <c:strCache>
+                <c:ptCount val="1"/>
+                <c:pt idx="0">
+                  <c:v>NI margin</c:v>
+                </c:pt>
+              </c:strCache>
+            </c:strRef>
+          </c:tx>
+          <c:spPr>
+            <a:ln w="6350" cap="rnd">
+              <a:solidFill>
+                <a:schemeClr val="accent4"/>
+              </a:solidFill>
+              <a:round/>
+            </a:ln>
+            <a:effectLst/>
+          </c:spPr>
+          <c:marker>
+            <c:symbol val="none"/>
+          </c:marker>
+          <c:cat>
+            <c:numRef>
+              <c:f>Sheet1!$A$2:$A$8</c:f>
+              <c:numCache>
+                <c:formatCode>General</c:formatCode>
+                <c:ptCount val="7"/>
+                <c:pt idx="0">
+                  <c:v>2017</c:v>
+                </c:pt>
+                <c:pt idx="1">
+                  <c:v>2018</c:v>
+                </c:pt>
+                <c:pt idx="2">
+                  <c:v>2019</c:v>
+                </c:pt>
+                <c:pt idx="3">
+                  <c:v>2020</c:v>
+                </c:pt>
+                <c:pt idx="4">
+                  <c:v>2021</c:v>
+                </c:pt>
+                <c:pt idx="5">
+                  <c:v>2022</c:v>
+                </c:pt>
+                <c:pt idx="6">
+                  <c:v>2023</c:v>
+                </c:pt>
+              </c:numCache>
+            </c:numRef>
+          </c:cat>
+          <c:val>
+            <c:numRef>
+              <c:f>Sheet1!$E$2:$E$8</c:f>
+              <c:numCache>
+                <c:formatCode>0.0%</c:formatCode>
+                <c:ptCount val="7"/>
+                <c:pt idx="0">
+                  <c:v>0.23200066287703699</c:v>
+                </c:pt>
+                <c:pt idx="1">
+                  <c:v>0.28690716553075035</c:v>
+                </c:pt>
+                <c:pt idx="2">
+                  <c:v>0.26420011928784998</c:v>
+                </c:pt>
+                <c:pt idx="3">
+                  <c:v>0.40876593099160707</c:v>
+                </c:pt>
+                <c:pt idx="4">
+                  <c:v>0.30547988596769082</c:v>
+                </c:pt>
+                <c:pt idx="5">
+                  <c:v>0.27013518118823127</c:v>
+                </c:pt>
+                <c:pt idx="6">
+                  <c:v>0.27966407336802512</c:v>
+                </c:pt>
+              </c:numCache>
+            </c:numRef>
+          </c:val>
+          <c:smooth val="1"/>
+          <c:extLst>
+            <c:ext xmlns:c16="http://schemas.microsoft.com/office/drawing/2014/chart" uri="{C3380CC4-5D6E-409C-BE32-E72D297353CC}">
+              <c16:uniqueId val="{00000002-18D9-485A-BC3F-4416C997C53F}"/>
+            </c:ext>
+          </c:extLst>
+        </c:ser>
+        <c:dLbls>
+          <c:showLegendKey val="0"/>
+          <c:showVal val="0"/>
+          <c:showCatName val="0"/>
+          <c:showSerName val="0"/>
+          <c:showPercent val="0"/>
+          <c:showBubbleSize val="0"/>
+        </c:dLbls>
+        <c:smooth val="0"/>
+        <c:axId val="97195520"/>
+        <c:axId val="97205088"/>
+      </c:lineChart>
+      <c:catAx>
+        <c:axId val="97195520"/>
+        <c:scaling>
+          <c:orientation val="minMax"/>
+        </c:scaling>
+        <c:delete val="0"/>
+        <c:axPos val="b"/>
+        <c:numFmt formatCode="General" sourceLinked="1"/>
+        <c:majorTickMark val="none"/>
+        <c:minorTickMark val="none"/>
+        <c:tickLblPos val="nextTo"/>
+        <c:spPr>
+          <a:noFill/>
+          <a:ln w="3175" cap="flat" cmpd="sng" algn="ctr">
+            <a:solidFill>
+              <a:schemeClr val="bg2"/>
+            </a:solidFill>
+            <a:round/>
+          </a:ln>
+          <a:effectLst/>
+        </c:spPr>
+        <c:txPr>
+          <a:bodyPr rot="-60000000" spcFirstLastPara="1" vertOverflow="ellipsis" vert="horz" wrap="square" anchor="ctr" anchorCtr="1"/>
+          <a:lstStyle/>
+          <a:p>
+            <a:pPr>
+              <a:defRPr sz="700" b="0" i="0" u="none" strike="noStrike" kern="1200" baseline="0">
+                <a:solidFill>
+                  <a:schemeClr val="bg2">
+                    <a:lumMod val="75000"/>
+                  </a:schemeClr>
+                </a:solidFill>
+                <a:latin typeface="Raleway" pitchFamily="2" charset="0"/>
+                <a:ea typeface="+mn-ea"/>
+                <a:cs typeface="+mn-cs"/>
+              </a:defRPr>
+            </a:pPr>
+            <a:endParaRPr lang="en-US"/>
+          </a:p>
+        </c:txPr>
+        <c:crossAx val="97205088"/>
+        <c:crosses val="autoZero"/>
+        <c:auto val="1"/>
+        <c:lblAlgn val="ctr"/>
+        <c:lblOffset val="100"/>
+        <c:noMultiLvlLbl val="0"/>
+      </c:catAx>
+      <c:valAx>
+        <c:axId val="97205088"/>
+        <c:scaling>
+          <c:orientation val="minMax"/>
+          <c:max val="0.45"/>
+          <c:min val="0.2"/>
+        </c:scaling>
+        <c:delete val="0"/>
+        <c:axPos val="l"/>
+        <c:numFmt formatCode="0%" sourceLinked="0"/>
+        <c:majorTickMark val="none"/>
+        <c:minorTickMark val="none"/>
+        <c:tickLblPos val="nextTo"/>
+        <c:spPr>
+          <a:noFill/>
+          <a:ln>
+            <a:noFill/>
+          </a:ln>
+          <a:effectLst/>
+        </c:spPr>
+        <c:txPr>
+          <a:bodyPr rot="-60000000" spcFirstLastPara="1" vertOverflow="ellipsis" vert="horz" wrap="square" anchor="ctr" anchorCtr="1"/>
+          <a:lstStyle/>
+          <a:p>
+            <a:pPr>
+              <a:defRPr sz="700" b="0" i="0" u="none" strike="noStrike" kern="1200" baseline="0">
+                <a:solidFill>
+                  <a:schemeClr val="bg2">
+                    <a:lumMod val="90000"/>
+                  </a:schemeClr>
+                </a:solidFill>
+                <a:latin typeface="Raleway" pitchFamily="2" charset="0"/>
+                <a:ea typeface="+mn-ea"/>
+                <a:cs typeface="+mn-cs"/>
+              </a:defRPr>
+            </a:pPr>
+            <a:endParaRPr lang="en-US"/>
+          </a:p>
+        </c:txPr>
+        <c:crossAx val="97195520"/>
+        <c:crosses val="autoZero"/>
+        <c:crossBetween val="between"/>
+      </c:valAx>
+      <c:spPr>
+        <a:noFill/>
+        <a:ln>
+          <a:noFill/>
+        </a:ln>
+        <a:effectLst/>
+      </c:spPr>
+    </c:plotArea>
+    <c:plotVisOnly val="1"/>
+    <c:dispBlanksAs val="gap"/>
+    <c:extLst>
+      <c:ext xmlns:c16r3="http://schemas.microsoft.com/office/drawing/2017/03/chart" uri="{56B9EC1D-385E-4148-901F-78D8002777C0}">
+        <c16r3:dataDisplayOptions16>
+          <c16r3:dispNaAsBlank val="1"/>
+        </c16r3:dataDisplayOptions16>
+      </c:ext>
+    </c:extLst>
+    <c:showDLblsOverMax val="0"/>
+  </c:chart>
+  <c:spPr>
+    <a:noFill/>
+    <a:ln>
+      <a:noFill/>
+    </a:ln>
+    <a:effectLst/>
+  </c:spPr>
+  <c:txPr>
+    <a:bodyPr/>
+    <a:lstStyle/>
+    <a:p>
+      <a:pPr>
+        <a:defRPr/>
+      </a:pPr>
+      <a:endParaRPr lang="en-US"/>
+    </a:p>
+  </c:txPr>
+  <c:externalData r:id="rId3">
+    <c:autoUpdate val="0"/>
+  </c:externalData>
+</c:chartSpace>
+</file>
+
+<file path=ppt/charts/chart8.xml><?xml version="1.0" encoding="utf-8"?>
+<c:chartSpace xmlns:c="http://schemas.openxmlformats.org/drawingml/2006/chart" xmlns:a="http://schemas.openxmlformats.org/drawingml/2006/main" xmlns:r="http://schemas.openxmlformats.org/officeDocument/2006/relationships" xmlns:c16r2="http://schemas.microsoft.com/office/drawing/2015/06/chart">
+  <c:date1904 val="0"/>
+  <c:lang val="en-US"/>
+  <c:roundedCorners val="0"/>
+  <mc:AlternateContent xmlns:mc="http://schemas.openxmlformats.org/markup-compatibility/2006">
+    <mc:Choice xmlns:c14="http://schemas.microsoft.com/office/drawing/2007/8/2/chart" Requires="c14">
+      <c14:style val="102"/>
+    </mc:Choice>
+    <mc:Fallback>
+      <c:style val="2"/>
+    </mc:Fallback>
+  </mc:AlternateContent>
+  <c:chart>
+    <c:autoTitleDeleted val="1"/>
+    <c:plotArea>
+      <c:layout/>
       <c:doughnutChart>
         <c:varyColors val="1"/>
         <c:ser>
@@ -16083,6 +16580,11 @@
               </a:ln>
               <a:effectLst/>
             </c:spPr>
+            <c:extLst>
+              <c:ext xmlns:c16="http://schemas.microsoft.com/office/drawing/2014/chart" uri="{C3380CC4-5D6E-409C-BE32-E72D297353CC}">
+                <c16:uniqueId val="{00000001-B006-4887-B0E8-F0498CC8568B}"/>
+              </c:ext>
+            </c:extLst>
           </c:dPt>
           <c:dPt>
             <c:idx val="1"/>
@@ -16098,6 +16600,11 @@
               </a:ln>
               <a:effectLst/>
             </c:spPr>
+            <c:extLst>
+              <c:ext xmlns:c16="http://schemas.microsoft.com/office/drawing/2014/chart" uri="{C3380CC4-5D6E-409C-BE32-E72D297353CC}">
+                <c16:uniqueId val="{00000003-B006-4887-B0E8-F0498CC8568B}"/>
+              </c:ext>
+            </c:extLst>
           </c:dPt>
           <c:dPt>
             <c:idx val="2"/>
@@ -16113,6 +16620,11 @@
               </a:ln>
               <a:effectLst/>
             </c:spPr>
+            <c:extLst>
+              <c:ext xmlns:c16="http://schemas.microsoft.com/office/drawing/2014/chart" uri="{C3380CC4-5D6E-409C-BE32-E72D297353CC}">
+                <c16:uniqueId val="{00000005-B006-4887-B0E8-F0498CC8568B}"/>
+              </c:ext>
+            </c:extLst>
           </c:dPt>
           <c:dPt>
             <c:idx val="3"/>
@@ -16322,7 +16834,7 @@
 </c:chartSpace>
 </file>
 
-<file path=ppt/charts/chart8.xml><?xml version="1.0" encoding="utf-8"?>
+<file path=ppt/charts/chart9.xml><?xml version="1.0" encoding="utf-8"?>
 <c:chartSpace xmlns:c="http://schemas.openxmlformats.org/drawingml/2006/chart" xmlns:a="http://schemas.openxmlformats.org/drawingml/2006/main" xmlns:r="http://schemas.openxmlformats.org/officeDocument/2006/relationships" xmlns:c16r2="http://schemas.microsoft.com/office/drawing/2015/06/chart">
   <c:date1904 val="0"/>
   <c:lang val="en-US"/>
@@ -16763,496 +17275,7 @@
         <c:minorTickMark val="none"/>
         <c:tickLblPos val="nextTo"/>
         <c:crossAx val="1103464191"/>
-        <c:auto val="1"/>
-        <c:lblAlgn val="ctr"/>
-        <c:lblOffset val="100"/>
-        <c:noMultiLvlLbl val="0"/>
-      </c:catAx>
-      <c:spPr>
-        <a:noFill/>
-        <a:ln>
-          <a:noFill/>
-        </a:ln>
-        <a:effectLst/>
-      </c:spPr>
-    </c:plotArea>
-    <c:plotVisOnly val="1"/>
-    <c:dispBlanksAs val="gap"/>
-    <c:extLst>
-      <c:ext xmlns:c16r3="http://schemas.microsoft.com/office/drawing/2017/03/chart" uri="{56B9EC1D-385E-4148-901F-78D8002777C0}">
-        <c16r3:dataDisplayOptions16>
-          <c16r3:dispNaAsBlank val="1"/>
-        </c16r3:dataDisplayOptions16>
-      </c:ext>
-    </c:extLst>
-    <c:showDLblsOverMax val="0"/>
-  </c:chart>
-  <c:spPr>
-    <a:noFill/>
-    <a:ln>
-      <a:noFill/>
-    </a:ln>
-    <a:effectLst/>
-  </c:spPr>
-  <c:txPr>
-    <a:bodyPr/>
-    <a:lstStyle/>
-    <a:p>
-      <a:pPr>
-        <a:defRPr/>
-      </a:pPr>
-      <a:endParaRPr lang="en-US"/>
-    </a:p>
-  </c:txPr>
-  <c:externalData r:id="rId3">
-    <c:autoUpdate val="0"/>
-  </c:externalData>
-</c:chartSpace>
-</file>
-
-<file path=ppt/charts/chart9.xml><?xml version="1.0" encoding="utf-8"?>
-<c:chartSpace xmlns:c="http://schemas.openxmlformats.org/drawingml/2006/chart" xmlns:a="http://schemas.openxmlformats.org/drawingml/2006/main" xmlns:r="http://schemas.openxmlformats.org/officeDocument/2006/relationships" xmlns:c16r2="http://schemas.microsoft.com/office/drawing/2015/06/chart">
-  <c:date1904 val="0"/>
-  <c:lang val="en-US"/>
-  <c:roundedCorners val="0"/>
-  <mc:AlternateContent xmlns:mc="http://schemas.openxmlformats.org/markup-compatibility/2006">
-    <mc:Choice xmlns:c14="http://schemas.microsoft.com/office/drawing/2007/8/2/chart" Requires="c14">
-      <c14:style val="102"/>
-    </mc:Choice>
-    <mc:Fallback>
-      <c:style val="2"/>
-    </mc:Fallback>
-  </mc:AlternateContent>
-  <c:chart>
-    <c:autoTitleDeleted val="1"/>
-    <c:plotArea>
-      <c:layout/>
-      <c:barChart>
-        <c:barDir val="col"/>
-        <c:grouping val="clustered"/>
-        <c:varyColors val="0"/>
-        <c:ser>
-          <c:idx val="0"/>
-          <c:order val="0"/>
-          <c:tx>
-            <c:strRef>
-              <c:f>Sheet1!$B$1</c:f>
-              <c:strCache>
-                <c:ptCount val="1"/>
-                <c:pt idx="0">
-                  <c:v>sg&amp;a</c:v>
-                </c:pt>
-              </c:strCache>
-            </c:strRef>
-          </c:tx>
-          <c:spPr>
-            <a:solidFill>
-              <a:srgbClr val="14202E"/>
-            </a:solidFill>
-            <a:ln>
-              <a:noFill/>
-            </a:ln>
-            <a:effectLst/>
-          </c:spPr>
-          <c:invertIfNegative val="0"/>
-          <c:dLbls>
-            <c:spPr>
-              <a:solidFill>
-                <a:schemeClr val="bg1"/>
-              </a:solidFill>
-              <a:ln>
-                <a:noFill/>
-              </a:ln>
-              <a:effectLst/>
-            </c:spPr>
-            <c:txPr>
-              <a:bodyPr rot="0" spcFirstLastPara="1" vertOverflow="ellipsis" vert="horz" wrap="square" lIns="38100" tIns="19050" rIns="38100" bIns="19050" anchor="ctr" anchorCtr="1">
-                <a:spAutoFit/>
-              </a:bodyPr>
-              <a:lstStyle/>
-              <a:p>
-                <a:pPr>
-                  <a:defRPr sz="700" b="0" i="0" u="none" strike="noStrike" kern="1200" baseline="0">
-                    <a:solidFill>
-                      <a:schemeClr val="tx2"/>
-                    </a:solidFill>
-                    <a:latin typeface="Raleway" pitchFamily="2" charset="0"/>
-                    <a:ea typeface="+mn-ea"/>
-                    <a:cs typeface="+mn-cs"/>
-                  </a:defRPr>
-                </a:pPr>
-                <a:endParaRPr lang="en-US"/>
-              </a:p>
-            </c:txPr>
-            <c:showLegendKey val="0"/>
-            <c:showVal val="1"/>
-            <c:showCatName val="0"/>
-            <c:showSerName val="0"/>
-            <c:showPercent val="0"/>
-            <c:showBubbleSize val="0"/>
-            <c:showLeaderLines val="0"/>
-            <c:extLst>
-              <c:ext xmlns:c15="http://schemas.microsoft.com/office/drawing/2012/chart" uri="{CE6537A1-D6FC-4f65-9D91-7224C49458BB}">
-                <c15:showLeaderLines val="1"/>
-                <c15:leaderLines>
-                  <c:spPr>
-                    <a:ln w="9525" cap="flat" cmpd="sng" algn="ctr">
-                      <a:solidFill>
-                        <a:schemeClr val="tx1">
-                          <a:lumMod val="35000"/>
-                          <a:lumOff val="65000"/>
-                        </a:schemeClr>
-                      </a:solidFill>
-                      <a:round/>
-                    </a:ln>
-                    <a:effectLst/>
-                  </c:spPr>
-                </c15:leaderLines>
-              </c:ext>
-            </c:extLst>
-          </c:dLbls>
-          <c:cat>
-            <c:numRef>
-              <c:f>Sheet1!$A$2:$A$8</c:f>
-              <c:numCache>
-                <c:formatCode>General</c:formatCode>
-                <c:ptCount val="7"/>
-                <c:pt idx="0">
-                  <c:v>2017</c:v>
-                </c:pt>
-                <c:pt idx="1">
-                  <c:v>2018</c:v>
-                </c:pt>
-                <c:pt idx="2">
-                  <c:v>2019</c:v>
-                </c:pt>
-                <c:pt idx="3">
-                  <c:v>2020</c:v>
-                </c:pt>
-                <c:pt idx="4">
-                  <c:v>2021</c:v>
-                </c:pt>
-                <c:pt idx="5">
-                  <c:v>2022</c:v>
-                </c:pt>
-                <c:pt idx="6">
-                  <c:v>2023</c:v>
-                </c:pt>
-              </c:numCache>
-            </c:numRef>
-          </c:cat>
-          <c:val>
-            <c:numRef>
-              <c:f>Sheet1!$B$2:$B$8</c:f>
-              <c:numCache>
-                <c:formatCode>_(* #,##0.0_);_(* \(#,##0.0\);_(* "-"??_);_(@_)</c:formatCode>
-                <c:ptCount val="7"/>
-                <c:pt idx="0">
-                  <c:v>2.822298</c:v>
-                </c:pt>
-                <c:pt idx="1">
-                  <c:v>3.3657269999999997</c:v>
-                </c:pt>
-                <c:pt idx="2">
-                  <c:v>4.1249839999999995</c:v>
-                </c:pt>
-                <c:pt idx="3">
-                  <c:v>4.5590000000000002</c:v>
-                </c:pt>
-                <c:pt idx="4">
-                  <c:v>5.4059999999999997</c:v>
-                </c:pt>
-                <c:pt idx="5">
-                  <c:v>6.1870000000000003</c:v>
-                </c:pt>
-                <c:pt idx="6">
-                  <c:v>6.7640000000000002</c:v>
-                </c:pt>
-              </c:numCache>
-            </c:numRef>
-          </c:val>
-          <c:extLst>
-            <c:ext xmlns:c16="http://schemas.microsoft.com/office/drawing/2014/chart" uri="{C3380CC4-5D6E-409C-BE32-E72D297353CC}">
-              <c16:uniqueId val="{00000000-7CF7-4F01-966C-FA835E3C4B50}"/>
-            </c:ext>
-          </c:extLst>
-        </c:ser>
-        <c:dLbls>
-          <c:showLegendKey val="0"/>
-          <c:showVal val="0"/>
-          <c:showCatName val="0"/>
-          <c:showSerName val="0"/>
-          <c:showPercent val="0"/>
-          <c:showBubbleSize val="0"/>
-        </c:dLbls>
-        <c:gapWidth val="219"/>
-        <c:overlap val="-27"/>
-        <c:axId val="97195520"/>
-        <c:axId val="97205088"/>
-      </c:barChart>
-      <c:lineChart>
-        <c:grouping val="standard"/>
-        <c:varyColors val="0"/>
-        <c:ser>
-          <c:idx val="1"/>
-          <c:order val="1"/>
-          <c:tx>
-            <c:strRef>
-              <c:f>Sheet1!$C$1</c:f>
-              <c:strCache>
-                <c:ptCount val="1"/>
-                <c:pt idx="0">
-                  <c:v>sg&amp;a as of sales</c:v>
-                </c:pt>
-              </c:strCache>
-            </c:strRef>
-          </c:tx>
-          <c:spPr>
-            <a:ln w="3175" cap="rnd">
-              <a:solidFill>
-                <a:schemeClr val="bg2">
-                  <a:lumMod val="10000"/>
-                </a:schemeClr>
-              </a:solidFill>
-              <a:round/>
-            </a:ln>
-            <a:effectLst/>
-          </c:spPr>
-          <c:marker>
-            <c:symbol val="circle"/>
-            <c:size val="5"/>
-            <c:spPr>
-              <a:solidFill>
-                <a:schemeClr val="bg1"/>
-              </a:solidFill>
-              <a:ln w="3175">
-                <a:solidFill>
-                  <a:schemeClr val="bg2">
-                    <a:lumMod val="10000"/>
-                  </a:schemeClr>
-                </a:solidFill>
-              </a:ln>
-              <a:effectLst/>
-            </c:spPr>
-          </c:marker>
-          <c:cat>
-            <c:numRef>
-              <c:f>Sheet1!$A$2:$A$8</c:f>
-              <c:numCache>
-                <c:formatCode>General</c:formatCode>
-                <c:ptCount val="7"/>
-                <c:pt idx="0">
-                  <c:v>2017</c:v>
-                </c:pt>
-                <c:pt idx="1">
-                  <c:v>2018</c:v>
-                </c:pt>
-                <c:pt idx="2">
-                  <c:v>2019</c:v>
-                </c:pt>
-                <c:pt idx="3">
-                  <c:v>2020</c:v>
-                </c:pt>
-                <c:pt idx="4">
-                  <c:v>2021</c:v>
-                </c:pt>
-                <c:pt idx="5">
-                  <c:v>2022</c:v>
-                </c:pt>
-                <c:pt idx="6">
-                  <c:v>2023</c:v>
-                </c:pt>
-              </c:numCache>
-            </c:numRef>
-          </c:cat>
-          <c:val>
-            <c:numRef>
-              <c:f>Sheet1!$C$2:$C$8</c:f>
-              <c:numCache>
-                <c:formatCode>0.0%</c:formatCode>
-                <c:ptCount val="7"/>
-                <c:pt idx="0">
-                  <c:v>0.38653647432960736</c:v>
-                </c:pt>
-                <c:pt idx="1">
-                  <c:v>0.37272691231281302</c:v>
-                </c:pt>
-                <c:pt idx="2">
-                  <c:v>0.36924844089276293</c:v>
-                </c:pt>
-                <c:pt idx="3">
-                  <c:v>0.35428971091078643</c:v>
-                </c:pt>
-                <c:pt idx="4">
-                  <c:v>0.34247703515996197</c:v>
-                </c:pt>
-                <c:pt idx="5">
-                  <c:v>0.35141429058275586</c:v>
-                </c:pt>
-                <c:pt idx="6">
-                  <c:v>0.34849811942913084</c:v>
-                </c:pt>
-              </c:numCache>
-            </c:numRef>
-          </c:val>
-          <c:smooth val="0"/>
-          <c:extLst>
-            <c:ext xmlns:c16="http://schemas.microsoft.com/office/drawing/2014/chart" uri="{C3380CC4-5D6E-409C-BE32-E72D297353CC}">
-              <c16:uniqueId val="{00000000-9161-462C-B003-0F721D456522}"/>
-            </c:ext>
-          </c:extLst>
-        </c:ser>
-        <c:dLbls>
-          <c:showLegendKey val="0"/>
-          <c:showVal val="0"/>
-          <c:showCatName val="0"/>
-          <c:showSerName val="0"/>
-          <c:showPercent val="0"/>
-          <c:showBubbleSize val="0"/>
-        </c:dLbls>
-        <c:marker val="1"/>
-        <c:smooth val="0"/>
-        <c:axId val="1470051407"/>
-        <c:axId val="1470043503"/>
-      </c:lineChart>
-      <c:catAx>
-        <c:axId val="97195520"/>
-        <c:scaling>
-          <c:orientation val="minMax"/>
-        </c:scaling>
-        <c:delete val="0"/>
-        <c:axPos val="b"/>
-        <c:numFmt formatCode="General" sourceLinked="1"/>
-        <c:majorTickMark val="none"/>
-        <c:minorTickMark val="none"/>
-        <c:tickLblPos val="nextTo"/>
-        <c:spPr>
-          <a:noFill/>
-          <a:ln w="3175" cap="flat" cmpd="sng" algn="ctr">
-            <a:solidFill>
-              <a:schemeClr val="bg2"/>
-            </a:solidFill>
-            <a:round/>
-          </a:ln>
-          <a:effectLst/>
-        </c:spPr>
-        <c:txPr>
-          <a:bodyPr rot="-60000000" spcFirstLastPara="1" vertOverflow="ellipsis" vert="horz" wrap="square" anchor="ctr" anchorCtr="1"/>
-          <a:lstStyle/>
-          <a:p>
-            <a:pPr>
-              <a:defRPr sz="700" b="0" i="0" u="none" strike="noStrike" kern="1200" baseline="0">
-                <a:solidFill>
-                  <a:schemeClr val="bg2">
-                    <a:lumMod val="75000"/>
-                  </a:schemeClr>
-                </a:solidFill>
-                <a:latin typeface="Raleway" pitchFamily="2" charset="0"/>
-                <a:ea typeface="+mn-ea"/>
-                <a:cs typeface="+mn-cs"/>
-              </a:defRPr>
-            </a:pPr>
-            <a:endParaRPr lang="en-US"/>
-          </a:p>
-        </c:txPr>
-        <c:crossAx val="97205088"/>
         <c:crosses val="autoZero"/>
-        <c:auto val="1"/>
-        <c:lblAlgn val="ctr"/>
-        <c:lblOffset val="100"/>
-        <c:noMultiLvlLbl val="0"/>
-      </c:catAx>
-      <c:valAx>
-        <c:axId val="97205088"/>
-        <c:scaling>
-          <c:orientation val="minMax"/>
-          <c:max val="7"/>
-        </c:scaling>
-        <c:delete val="0"/>
-        <c:axPos val="l"/>
-        <c:numFmt formatCode="_(* #,##0.0_);_(* \(#,##0.0\);_(* &quot;-&quot;??_);_(@_)" sourceLinked="1"/>
-        <c:majorTickMark val="none"/>
-        <c:minorTickMark val="none"/>
-        <c:tickLblPos val="nextTo"/>
-        <c:spPr>
-          <a:noFill/>
-          <a:ln>
-            <a:noFill/>
-          </a:ln>
-          <a:effectLst/>
-        </c:spPr>
-        <c:txPr>
-          <a:bodyPr rot="-60000000" spcFirstLastPara="1" vertOverflow="ellipsis" vert="horz" wrap="square" anchor="ctr" anchorCtr="1"/>
-          <a:lstStyle/>
-          <a:p>
-            <a:pPr>
-              <a:defRPr sz="100" b="0" i="0" u="none" strike="noStrike" kern="1200" baseline="0">
-                <a:noFill/>
-                <a:latin typeface="+mn-lt"/>
-                <a:ea typeface="+mn-ea"/>
-                <a:cs typeface="+mn-cs"/>
-              </a:defRPr>
-            </a:pPr>
-            <a:endParaRPr lang="en-US"/>
-          </a:p>
-        </c:txPr>
-        <c:crossAx val="97195520"/>
-        <c:crosses val="autoZero"/>
-        <c:crossBetween val="between"/>
-      </c:valAx>
-      <c:valAx>
-        <c:axId val="1470043503"/>
-        <c:scaling>
-          <c:orientation val="minMax"/>
-        </c:scaling>
-        <c:delete val="0"/>
-        <c:axPos val="r"/>
-        <c:numFmt formatCode="0%" sourceLinked="0"/>
-        <c:majorTickMark val="out"/>
-        <c:minorTickMark val="none"/>
-        <c:tickLblPos val="nextTo"/>
-        <c:spPr>
-          <a:noFill/>
-          <a:ln>
-            <a:noFill/>
-          </a:ln>
-          <a:effectLst/>
-        </c:spPr>
-        <c:txPr>
-          <a:bodyPr rot="-60000000" spcFirstLastPara="1" vertOverflow="ellipsis" vert="horz" wrap="square" anchor="ctr" anchorCtr="1"/>
-          <a:lstStyle/>
-          <a:p>
-            <a:pPr>
-              <a:defRPr sz="700" b="0" i="0" u="none" strike="noStrike" kern="1200" baseline="0">
-                <a:solidFill>
-                  <a:schemeClr val="bg2">
-                    <a:lumMod val="90000"/>
-                  </a:schemeClr>
-                </a:solidFill>
-                <a:latin typeface="+mn-lt"/>
-                <a:ea typeface="+mn-ea"/>
-                <a:cs typeface="+mn-cs"/>
-              </a:defRPr>
-            </a:pPr>
-            <a:endParaRPr lang="en-US"/>
-          </a:p>
-        </c:txPr>
-        <c:crossAx val="1470051407"/>
-        <c:crosses val="max"/>
-        <c:crossBetween val="between"/>
-      </c:valAx>
-      <c:catAx>
-        <c:axId val="1470051407"/>
-        <c:scaling>
-          <c:orientation val="minMax"/>
-        </c:scaling>
-        <c:delete val="1"/>
-        <c:axPos val="b"/>
-        <c:numFmt formatCode="General" sourceLinked="1"/>
-        <c:majorTickMark val="out"/>
-        <c:minorTickMark val="none"/>
-        <c:tickLblPos val="nextTo"/>
-        <c:crossAx val="1470043503"/>
         <c:auto val="1"/>
         <c:lblAlgn val="ctr"/>
         <c:lblOffset val="100"/>
@@ -23439,6 +23462,509 @@
 </file>
 
 <file path=ppt/charts/style7.xml><?xml version="1.0" encoding="utf-8"?>
+<cs:chartStyle xmlns:cs="http://schemas.microsoft.com/office/drawing/2012/chartStyle" xmlns:a="http://schemas.openxmlformats.org/drawingml/2006/main" id="201">
+  <cs:axisTitle>
+    <cs:lnRef idx="0"/>
+    <cs:fillRef idx="0"/>
+    <cs:effectRef idx="0"/>
+    <cs:fontRef idx="minor">
+      <a:schemeClr val="tx1">
+        <a:lumMod val="65000"/>
+        <a:lumOff val="35000"/>
+      </a:schemeClr>
+    </cs:fontRef>
+    <cs:defRPr sz="1330" kern="1200"/>
+  </cs:axisTitle>
+  <cs:categoryAxis>
+    <cs:lnRef idx="0"/>
+    <cs:fillRef idx="0"/>
+    <cs:effectRef idx="0"/>
+    <cs:fontRef idx="minor">
+      <a:schemeClr val="tx1">
+        <a:lumMod val="65000"/>
+        <a:lumOff val="35000"/>
+      </a:schemeClr>
+    </cs:fontRef>
+    <cs:spPr>
+      <a:ln w="9525" cap="flat" cmpd="sng" algn="ctr">
+        <a:solidFill>
+          <a:schemeClr val="tx1">
+            <a:lumMod val="15000"/>
+            <a:lumOff val="85000"/>
+          </a:schemeClr>
+        </a:solidFill>
+        <a:round/>
+      </a:ln>
+    </cs:spPr>
+    <cs:defRPr sz="1197" kern="1200"/>
+  </cs:categoryAxis>
+  <cs:chartArea mods="allowNoFillOverride allowNoLineOverride">
+    <cs:lnRef idx="0"/>
+    <cs:fillRef idx="0"/>
+    <cs:effectRef idx="0"/>
+    <cs:fontRef idx="minor">
+      <a:schemeClr val="tx1"/>
+    </cs:fontRef>
+    <cs:spPr>
+      <a:solidFill>
+        <a:schemeClr val="bg1"/>
+      </a:solidFill>
+      <a:ln w="9525" cap="flat" cmpd="sng" algn="ctr">
+        <a:solidFill>
+          <a:schemeClr val="tx1">
+            <a:lumMod val="15000"/>
+            <a:lumOff val="85000"/>
+          </a:schemeClr>
+        </a:solidFill>
+        <a:round/>
+      </a:ln>
+    </cs:spPr>
+    <cs:defRPr sz="1330" kern="1200"/>
+  </cs:chartArea>
+  <cs:dataLabel>
+    <cs:lnRef idx="0"/>
+    <cs:fillRef idx="0"/>
+    <cs:effectRef idx="0"/>
+    <cs:fontRef idx="minor">
+      <a:schemeClr val="tx1">
+        <a:lumMod val="75000"/>
+        <a:lumOff val="25000"/>
+      </a:schemeClr>
+    </cs:fontRef>
+    <cs:defRPr sz="1197" kern="1200"/>
+  </cs:dataLabel>
+  <cs:dataLabelCallout>
+    <cs:lnRef idx="0"/>
+    <cs:fillRef idx="0"/>
+    <cs:effectRef idx="0"/>
+    <cs:fontRef idx="minor">
+      <a:schemeClr val="dk1">
+        <a:lumMod val="65000"/>
+        <a:lumOff val="35000"/>
+      </a:schemeClr>
+    </cs:fontRef>
+    <cs:spPr>
+      <a:solidFill>
+        <a:schemeClr val="lt1"/>
+      </a:solidFill>
+      <a:ln>
+        <a:solidFill>
+          <a:schemeClr val="dk1">
+            <a:lumMod val="25000"/>
+            <a:lumOff val="75000"/>
+          </a:schemeClr>
+        </a:solidFill>
+      </a:ln>
+    </cs:spPr>
+    <cs:defRPr sz="1197" kern="1200"/>
+    <cs:bodyPr rot="0" spcFirstLastPara="1" vertOverflow="clip" horzOverflow="clip" vert="horz" wrap="square" lIns="36576" tIns="18288" rIns="36576" bIns="18288" anchor="ctr" anchorCtr="1">
+      <a:spAutoFit/>
+    </cs:bodyPr>
+  </cs:dataLabelCallout>
+  <cs:dataPoint>
+    <cs:lnRef idx="0"/>
+    <cs:fillRef idx="1">
+      <cs:styleClr val="auto"/>
+    </cs:fillRef>
+    <cs:effectRef idx="0"/>
+    <cs:fontRef idx="minor">
+      <a:schemeClr val="tx1"/>
+    </cs:fontRef>
+  </cs:dataPoint>
+  <cs:dataPoint3D>
+    <cs:lnRef idx="0"/>
+    <cs:fillRef idx="1">
+      <cs:styleClr val="auto"/>
+    </cs:fillRef>
+    <cs:effectRef idx="0"/>
+    <cs:fontRef idx="minor">
+      <a:schemeClr val="tx1"/>
+    </cs:fontRef>
+  </cs:dataPoint3D>
+  <cs:dataPointLine>
+    <cs:lnRef idx="0">
+      <cs:styleClr val="auto"/>
+    </cs:lnRef>
+    <cs:fillRef idx="1"/>
+    <cs:effectRef idx="0"/>
+    <cs:fontRef idx="minor">
+      <a:schemeClr val="tx1"/>
+    </cs:fontRef>
+    <cs:spPr>
+      <a:ln w="28575" cap="rnd">
+        <a:solidFill>
+          <a:schemeClr val="phClr"/>
+        </a:solidFill>
+        <a:round/>
+      </a:ln>
+    </cs:spPr>
+  </cs:dataPointLine>
+  <cs:dataPointMarker>
+    <cs:lnRef idx="0">
+      <cs:styleClr val="auto"/>
+    </cs:lnRef>
+    <cs:fillRef idx="1">
+      <cs:styleClr val="auto"/>
+    </cs:fillRef>
+    <cs:effectRef idx="0"/>
+    <cs:fontRef idx="minor">
+      <a:schemeClr val="tx1"/>
+    </cs:fontRef>
+    <cs:spPr>
+      <a:ln w="9525">
+        <a:solidFill>
+          <a:schemeClr val="phClr"/>
+        </a:solidFill>
+      </a:ln>
+    </cs:spPr>
+  </cs:dataPointMarker>
+  <cs:dataPointMarkerLayout symbol="circle" size="5"/>
+  <cs:dataPointWireframe>
+    <cs:lnRef idx="0">
+      <cs:styleClr val="auto"/>
+    </cs:lnRef>
+    <cs:fillRef idx="1"/>
+    <cs:effectRef idx="0"/>
+    <cs:fontRef idx="minor">
+      <a:schemeClr val="tx1"/>
+    </cs:fontRef>
+    <cs:spPr>
+      <a:ln w="9525" cap="rnd">
+        <a:solidFill>
+          <a:schemeClr val="phClr"/>
+        </a:solidFill>
+        <a:round/>
+      </a:ln>
+    </cs:spPr>
+  </cs:dataPointWireframe>
+  <cs:dataTable>
+    <cs:lnRef idx="0"/>
+    <cs:fillRef idx="0"/>
+    <cs:effectRef idx="0"/>
+    <cs:fontRef idx="minor">
+      <a:schemeClr val="tx1">
+        <a:lumMod val="65000"/>
+        <a:lumOff val="35000"/>
+      </a:schemeClr>
+    </cs:fontRef>
+    <cs:spPr>
+      <a:noFill/>
+      <a:ln w="9525" cap="flat" cmpd="sng" algn="ctr">
+        <a:solidFill>
+          <a:schemeClr val="tx1">
+            <a:lumMod val="15000"/>
+            <a:lumOff val="85000"/>
+          </a:schemeClr>
+        </a:solidFill>
+        <a:round/>
+      </a:ln>
+    </cs:spPr>
+    <cs:defRPr sz="1197" kern="1200"/>
+  </cs:dataTable>
+  <cs:downBar>
+    <cs:lnRef idx="0"/>
+    <cs:fillRef idx="0"/>
+    <cs:effectRef idx="0"/>
+    <cs:fontRef idx="minor">
+      <a:schemeClr val="dk1"/>
+    </cs:fontRef>
+    <cs:spPr>
+      <a:solidFill>
+        <a:schemeClr val="dk1">
+          <a:lumMod val="65000"/>
+          <a:lumOff val="35000"/>
+        </a:schemeClr>
+      </a:solidFill>
+      <a:ln w="9525">
+        <a:solidFill>
+          <a:schemeClr val="tx1">
+            <a:lumMod val="65000"/>
+            <a:lumOff val="35000"/>
+          </a:schemeClr>
+        </a:solidFill>
+      </a:ln>
+    </cs:spPr>
+  </cs:downBar>
+  <cs:dropLine>
+    <cs:lnRef idx="0"/>
+    <cs:fillRef idx="0"/>
+    <cs:effectRef idx="0"/>
+    <cs:fontRef idx="minor">
+      <a:schemeClr val="tx1"/>
+    </cs:fontRef>
+    <cs:spPr>
+      <a:ln w="9525" cap="flat" cmpd="sng" algn="ctr">
+        <a:solidFill>
+          <a:schemeClr val="tx1">
+            <a:lumMod val="35000"/>
+            <a:lumOff val="65000"/>
+          </a:schemeClr>
+        </a:solidFill>
+        <a:round/>
+      </a:ln>
+    </cs:spPr>
+  </cs:dropLine>
+  <cs:errorBar>
+    <cs:lnRef idx="0"/>
+    <cs:fillRef idx="0"/>
+    <cs:effectRef idx="0"/>
+    <cs:fontRef idx="minor">
+      <a:schemeClr val="tx1"/>
+    </cs:fontRef>
+    <cs:spPr>
+      <a:ln w="9525" cap="flat" cmpd="sng" algn="ctr">
+        <a:solidFill>
+          <a:schemeClr val="tx1">
+            <a:lumMod val="65000"/>
+            <a:lumOff val="35000"/>
+          </a:schemeClr>
+        </a:solidFill>
+        <a:round/>
+      </a:ln>
+    </cs:spPr>
+  </cs:errorBar>
+  <cs:floor>
+    <cs:lnRef idx="0"/>
+    <cs:fillRef idx="0"/>
+    <cs:effectRef idx="0"/>
+    <cs:fontRef idx="minor">
+      <a:schemeClr val="tx1"/>
+    </cs:fontRef>
+    <cs:spPr>
+      <a:noFill/>
+      <a:ln>
+        <a:noFill/>
+      </a:ln>
+    </cs:spPr>
+  </cs:floor>
+  <cs:gridlineMajor>
+    <cs:lnRef idx="0"/>
+    <cs:fillRef idx="0"/>
+    <cs:effectRef idx="0"/>
+    <cs:fontRef idx="minor">
+      <a:schemeClr val="tx1"/>
+    </cs:fontRef>
+    <cs:spPr>
+      <a:ln w="9525" cap="flat" cmpd="sng" algn="ctr">
+        <a:solidFill>
+          <a:schemeClr val="tx1">
+            <a:lumMod val="15000"/>
+            <a:lumOff val="85000"/>
+          </a:schemeClr>
+        </a:solidFill>
+        <a:round/>
+      </a:ln>
+    </cs:spPr>
+  </cs:gridlineMajor>
+  <cs:gridlineMinor>
+    <cs:lnRef idx="0"/>
+    <cs:fillRef idx="0"/>
+    <cs:effectRef idx="0"/>
+    <cs:fontRef idx="minor">
+      <a:schemeClr val="tx1"/>
+    </cs:fontRef>
+    <cs:spPr>
+      <a:ln w="9525" cap="flat" cmpd="sng" algn="ctr">
+        <a:solidFill>
+          <a:schemeClr val="tx1">
+            <a:lumMod val="5000"/>
+            <a:lumOff val="95000"/>
+          </a:schemeClr>
+        </a:solidFill>
+        <a:round/>
+      </a:ln>
+    </cs:spPr>
+  </cs:gridlineMinor>
+  <cs:hiLoLine>
+    <cs:lnRef idx="0"/>
+    <cs:fillRef idx="0"/>
+    <cs:effectRef idx="0"/>
+    <cs:fontRef idx="minor">
+      <a:schemeClr val="tx1"/>
+    </cs:fontRef>
+    <cs:spPr>
+      <a:ln w="9525" cap="flat" cmpd="sng" algn="ctr">
+        <a:solidFill>
+          <a:schemeClr val="tx1">
+            <a:lumMod val="75000"/>
+            <a:lumOff val="25000"/>
+          </a:schemeClr>
+        </a:solidFill>
+        <a:round/>
+      </a:ln>
+    </cs:spPr>
+  </cs:hiLoLine>
+  <cs:leaderLine>
+    <cs:lnRef idx="0"/>
+    <cs:fillRef idx="0"/>
+    <cs:effectRef idx="0"/>
+    <cs:fontRef idx="minor">
+      <a:schemeClr val="tx1"/>
+    </cs:fontRef>
+    <cs:spPr>
+      <a:ln w="9525" cap="flat" cmpd="sng" algn="ctr">
+        <a:solidFill>
+          <a:schemeClr val="tx1">
+            <a:lumMod val="35000"/>
+            <a:lumOff val="65000"/>
+          </a:schemeClr>
+        </a:solidFill>
+        <a:round/>
+      </a:ln>
+    </cs:spPr>
+  </cs:leaderLine>
+  <cs:legend>
+    <cs:lnRef idx="0"/>
+    <cs:fillRef idx="0"/>
+    <cs:effectRef idx="0"/>
+    <cs:fontRef idx="minor">
+      <a:schemeClr val="tx1">
+        <a:lumMod val="65000"/>
+        <a:lumOff val="35000"/>
+      </a:schemeClr>
+    </cs:fontRef>
+    <cs:defRPr sz="1197" kern="1200"/>
+  </cs:legend>
+  <cs:plotArea mods="allowNoFillOverride allowNoLineOverride">
+    <cs:lnRef idx="0"/>
+    <cs:fillRef idx="0"/>
+    <cs:effectRef idx="0"/>
+    <cs:fontRef idx="minor">
+      <a:schemeClr val="tx1"/>
+    </cs:fontRef>
+  </cs:plotArea>
+  <cs:plotArea3D mods="allowNoFillOverride allowNoLineOverride">
+    <cs:lnRef idx="0"/>
+    <cs:fillRef idx="0"/>
+    <cs:effectRef idx="0"/>
+    <cs:fontRef idx="minor">
+      <a:schemeClr val="tx1"/>
+    </cs:fontRef>
+  </cs:plotArea3D>
+  <cs:seriesAxis>
+    <cs:lnRef idx="0"/>
+    <cs:fillRef idx="0"/>
+    <cs:effectRef idx="0"/>
+    <cs:fontRef idx="minor">
+      <a:schemeClr val="tx1">
+        <a:lumMod val="65000"/>
+        <a:lumOff val="35000"/>
+      </a:schemeClr>
+    </cs:fontRef>
+    <cs:defRPr sz="1197" kern="1200"/>
+  </cs:seriesAxis>
+  <cs:seriesLine>
+    <cs:lnRef idx="0"/>
+    <cs:fillRef idx="0"/>
+    <cs:effectRef idx="0"/>
+    <cs:fontRef idx="minor">
+      <a:schemeClr val="tx1"/>
+    </cs:fontRef>
+    <cs:spPr>
+      <a:ln w="9525" cap="flat" cmpd="sng" algn="ctr">
+        <a:solidFill>
+          <a:schemeClr val="tx1">
+            <a:lumMod val="35000"/>
+            <a:lumOff val="65000"/>
+          </a:schemeClr>
+        </a:solidFill>
+        <a:round/>
+      </a:ln>
+    </cs:spPr>
+  </cs:seriesLine>
+  <cs:title>
+    <cs:lnRef idx="0"/>
+    <cs:fillRef idx="0"/>
+    <cs:effectRef idx="0"/>
+    <cs:fontRef idx="minor">
+      <a:schemeClr val="tx1">
+        <a:lumMod val="65000"/>
+        <a:lumOff val="35000"/>
+      </a:schemeClr>
+    </cs:fontRef>
+    <cs:defRPr sz="1862" b="0" kern="1200" spc="0" baseline="0"/>
+  </cs:title>
+  <cs:trendline>
+    <cs:lnRef idx="0">
+      <cs:styleClr val="auto"/>
+    </cs:lnRef>
+    <cs:fillRef idx="0"/>
+    <cs:effectRef idx="0"/>
+    <cs:fontRef idx="minor">
+      <a:schemeClr val="tx1"/>
+    </cs:fontRef>
+    <cs:spPr>
+      <a:ln w="19050" cap="rnd">
+        <a:solidFill>
+          <a:schemeClr val="phClr"/>
+        </a:solidFill>
+        <a:prstDash val="sysDot"/>
+      </a:ln>
+    </cs:spPr>
+  </cs:trendline>
+  <cs:trendlineLabel>
+    <cs:lnRef idx="0"/>
+    <cs:fillRef idx="0"/>
+    <cs:effectRef idx="0"/>
+    <cs:fontRef idx="minor">
+      <a:schemeClr val="tx1">
+        <a:lumMod val="65000"/>
+        <a:lumOff val="35000"/>
+      </a:schemeClr>
+    </cs:fontRef>
+    <cs:defRPr sz="1197" kern="1200"/>
+  </cs:trendlineLabel>
+  <cs:upBar>
+    <cs:lnRef idx="0"/>
+    <cs:fillRef idx="0"/>
+    <cs:effectRef idx="0"/>
+    <cs:fontRef idx="minor">
+      <a:schemeClr val="dk1"/>
+    </cs:fontRef>
+    <cs:spPr>
+      <a:solidFill>
+        <a:schemeClr val="lt1"/>
+      </a:solidFill>
+      <a:ln w="9525">
+        <a:solidFill>
+          <a:schemeClr val="tx1">
+            <a:lumMod val="15000"/>
+            <a:lumOff val="85000"/>
+          </a:schemeClr>
+        </a:solidFill>
+      </a:ln>
+    </cs:spPr>
+  </cs:upBar>
+  <cs:valueAxis>
+    <cs:lnRef idx="0"/>
+    <cs:fillRef idx="0"/>
+    <cs:effectRef idx="0"/>
+    <cs:fontRef idx="minor">
+      <a:schemeClr val="tx1">
+        <a:lumMod val="65000"/>
+        <a:lumOff val="35000"/>
+      </a:schemeClr>
+    </cs:fontRef>
+    <cs:defRPr sz="1197" kern="1200"/>
+  </cs:valueAxis>
+  <cs:wall>
+    <cs:lnRef idx="0"/>
+    <cs:fillRef idx="0"/>
+    <cs:effectRef idx="0"/>
+    <cs:fontRef idx="minor">
+      <a:schemeClr val="tx1"/>
+    </cs:fontRef>
+    <cs:spPr>
+      <a:noFill/>
+      <a:ln>
+        <a:noFill/>
+      </a:ln>
+    </cs:spPr>
+  </cs:wall>
+</cs:chartStyle>
+</file>
+
+<file path=ppt/charts/style8.xml><?xml version="1.0" encoding="utf-8"?>
 <cs:chartStyle xmlns:cs="http://schemas.microsoft.com/office/drawing/2012/chartStyle" xmlns:a="http://schemas.openxmlformats.org/drawingml/2006/main" id="251">
   <cs:axisTitle>
     <cs:lnRef idx="0"/>
@@ -23925,509 +24451,6 @@
           </a:schemeClr>
         </a:solidFill>
         <a:round/>
-      </a:ln>
-    </cs:spPr>
-  </cs:upBar>
-  <cs:valueAxis>
-    <cs:lnRef idx="0"/>
-    <cs:fillRef idx="0"/>
-    <cs:effectRef idx="0"/>
-    <cs:fontRef idx="minor">
-      <a:schemeClr val="tx1">
-        <a:lumMod val="65000"/>
-        <a:lumOff val="35000"/>
-      </a:schemeClr>
-    </cs:fontRef>
-    <cs:defRPr sz="1197" kern="1200"/>
-  </cs:valueAxis>
-  <cs:wall>
-    <cs:lnRef idx="0"/>
-    <cs:fillRef idx="0"/>
-    <cs:effectRef idx="0"/>
-    <cs:fontRef idx="minor">
-      <a:schemeClr val="tx1"/>
-    </cs:fontRef>
-    <cs:spPr>
-      <a:noFill/>
-      <a:ln>
-        <a:noFill/>
-      </a:ln>
-    </cs:spPr>
-  </cs:wall>
-</cs:chartStyle>
-</file>
-
-<file path=ppt/charts/style8.xml><?xml version="1.0" encoding="utf-8"?>
-<cs:chartStyle xmlns:cs="http://schemas.microsoft.com/office/drawing/2012/chartStyle" xmlns:a="http://schemas.openxmlformats.org/drawingml/2006/main" id="201">
-  <cs:axisTitle>
-    <cs:lnRef idx="0"/>
-    <cs:fillRef idx="0"/>
-    <cs:effectRef idx="0"/>
-    <cs:fontRef idx="minor">
-      <a:schemeClr val="tx1">
-        <a:lumMod val="65000"/>
-        <a:lumOff val="35000"/>
-      </a:schemeClr>
-    </cs:fontRef>
-    <cs:defRPr sz="1330" kern="1200"/>
-  </cs:axisTitle>
-  <cs:categoryAxis>
-    <cs:lnRef idx="0"/>
-    <cs:fillRef idx="0"/>
-    <cs:effectRef idx="0"/>
-    <cs:fontRef idx="minor">
-      <a:schemeClr val="tx1">
-        <a:lumMod val="65000"/>
-        <a:lumOff val="35000"/>
-      </a:schemeClr>
-    </cs:fontRef>
-    <cs:spPr>
-      <a:ln w="9525" cap="flat" cmpd="sng" algn="ctr">
-        <a:solidFill>
-          <a:schemeClr val="tx1">
-            <a:lumMod val="15000"/>
-            <a:lumOff val="85000"/>
-          </a:schemeClr>
-        </a:solidFill>
-        <a:round/>
-      </a:ln>
-    </cs:spPr>
-    <cs:defRPr sz="1197" kern="1200"/>
-  </cs:categoryAxis>
-  <cs:chartArea mods="allowNoFillOverride allowNoLineOverride">
-    <cs:lnRef idx="0"/>
-    <cs:fillRef idx="0"/>
-    <cs:effectRef idx="0"/>
-    <cs:fontRef idx="minor">
-      <a:schemeClr val="tx1"/>
-    </cs:fontRef>
-    <cs:spPr>
-      <a:solidFill>
-        <a:schemeClr val="bg1"/>
-      </a:solidFill>
-      <a:ln w="9525" cap="flat" cmpd="sng" algn="ctr">
-        <a:solidFill>
-          <a:schemeClr val="tx1">
-            <a:lumMod val="15000"/>
-            <a:lumOff val="85000"/>
-          </a:schemeClr>
-        </a:solidFill>
-        <a:round/>
-      </a:ln>
-    </cs:spPr>
-    <cs:defRPr sz="1330" kern="1200"/>
-  </cs:chartArea>
-  <cs:dataLabel>
-    <cs:lnRef idx="0"/>
-    <cs:fillRef idx="0"/>
-    <cs:effectRef idx="0"/>
-    <cs:fontRef idx="minor">
-      <a:schemeClr val="tx1">
-        <a:lumMod val="75000"/>
-        <a:lumOff val="25000"/>
-      </a:schemeClr>
-    </cs:fontRef>
-    <cs:defRPr sz="1197" kern="1200"/>
-  </cs:dataLabel>
-  <cs:dataLabelCallout>
-    <cs:lnRef idx="0"/>
-    <cs:fillRef idx="0"/>
-    <cs:effectRef idx="0"/>
-    <cs:fontRef idx="minor">
-      <a:schemeClr val="dk1">
-        <a:lumMod val="65000"/>
-        <a:lumOff val="35000"/>
-      </a:schemeClr>
-    </cs:fontRef>
-    <cs:spPr>
-      <a:solidFill>
-        <a:schemeClr val="lt1"/>
-      </a:solidFill>
-      <a:ln>
-        <a:solidFill>
-          <a:schemeClr val="dk1">
-            <a:lumMod val="25000"/>
-            <a:lumOff val="75000"/>
-          </a:schemeClr>
-        </a:solidFill>
-      </a:ln>
-    </cs:spPr>
-    <cs:defRPr sz="1197" kern="1200"/>
-    <cs:bodyPr rot="0" spcFirstLastPara="1" vertOverflow="clip" horzOverflow="clip" vert="horz" wrap="square" lIns="36576" tIns="18288" rIns="36576" bIns="18288" anchor="ctr" anchorCtr="1">
-      <a:spAutoFit/>
-    </cs:bodyPr>
-  </cs:dataLabelCallout>
-  <cs:dataPoint>
-    <cs:lnRef idx="0"/>
-    <cs:fillRef idx="1">
-      <cs:styleClr val="auto"/>
-    </cs:fillRef>
-    <cs:effectRef idx="0"/>
-    <cs:fontRef idx="minor">
-      <a:schemeClr val="tx1"/>
-    </cs:fontRef>
-  </cs:dataPoint>
-  <cs:dataPoint3D>
-    <cs:lnRef idx="0"/>
-    <cs:fillRef idx="1">
-      <cs:styleClr val="auto"/>
-    </cs:fillRef>
-    <cs:effectRef idx="0"/>
-    <cs:fontRef idx="minor">
-      <a:schemeClr val="tx1"/>
-    </cs:fontRef>
-  </cs:dataPoint3D>
-  <cs:dataPointLine>
-    <cs:lnRef idx="0">
-      <cs:styleClr val="auto"/>
-    </cs:lnRef>
-    <cs:fillRef idx="1"/>
-    <cs:effectRef idx="0"/>
-    <cs:fontRef idx="minor">
-      <a:schemeClr val="tx1"/>
-    </cs:fontRef>
-    <cs:spPr>
-      <a:ln w="28575" cap="rnd">
-        <a:solidFill>
-          <a:schemeClr val="phClr"/>
-        </a:solidFill>
-        <a:round/>
-      </a:ln>
-    </cs:spPr>
-  </cs:dataPointLine>
-  <cs:dataPointMarker>
-    <cs:lnRef idx="0">
-      <cs:styleClr val="auto"/>
-    </cs:lnRef>
-    <cs:fillRef idx="1">
-      <cs:styleClr val="auto"/>
-    </cs:fillRef>
-    <cs:effectRef idx="0"/>
-    <cs:fontRef idx="minor">
-      <a:schemeClr val="tx1"/>
-    </cs:fontRef>
-    <cs:spPr>
-      <a:ln w="9525">
-        <a:solidFill>
-          <a:schemeClr val="phClr"/>
-        </a:solidFill>
-      </a:ln>
-    </cs:spPr>
-  </cs:dataPointMarker>
-  <cs:dataPointMarkerLayout symbol="circle" size="5"/>
-  <cs:dataPointWireframe>
-    <cs:lnRef idx="0">
-      <cs:styleClr val="auto"/>
-    </cs:lnRef>
-    <cs:fillRef idx="1"/>
-    <cs:effectRef idx="0"/>
-    <cs:fontRef idx="minor">
-      <a:schemeClr val="tx1"/>
-    </cs:fontRef>
-    <cs:spPr>
-      <a:ln w="9525" cap="rnd">
-        <a:solidFill>
-          <a:schemeClr val="phClr"/>
-        </a:solidFill>
-        <a:round/>
-      </a:ln>
-    </cs:spPr>
-  </cs:dataPointWireframe>
-  <cs:dataTable>
-    <cs:lnRef idx="0"/>
-    <cs:fillRef idx="0"/>
-    <cs:effectRef idx="0"/>
-    <cs:fontRef idx="minor">
-      <a:schemeClr val="tx1">
-        <a:lumMod val="65000"/>
-        <a:lumOff val="35000"/>
-      </a:schemeClr>
-    </cs:fontRef>
-    <cs:spPr>
-      <a:noFill/>
-      <a:ln w="9525" cap="flat" cmpd="sng" algn="ctr">
-        <a:solidFill>
-          <a:schemeClr val="tx1">
-            <a:lumMod val="15000"/>
-            <a:lumOff val="85000"/>
-          </a:schemeClr>
-        </a:solidFill>
-        <a:round/>
-      </a:ln>
-    </cs:spPr>
-    <cs:defRPr sz="1197" kern="1200"/>
-  </cs:dataTable>
-  <cs:downBar>
-    <cs:lnRef idx="0"/>
-    <cs:fillRef idx="0"/>
-    <cs:effectRef idx="0"/>
-    <cs:fontRef idx="minor">
-      <a:schemeClr val="dk1"/>
-    </cs:fontRef>
-    <cs:spPr>
-      <a:solidFill>
-        <a:schemeClr val="dk1">
-          <a:lumMod val="65000"/>
-          <a:lumOff val="35000"/>
-        </a:schemeClr>
-      </a:solidFill>
-      <a:ln w="9525">
-        <a:solidFill>
-          <a:schemeClr val="tx1">
-            <a:lumMod val="65000"/>
-            <a:lumOff val="35000"/>
-          </a:schemeClr>
-        </a:solidFill>
-      </a:ln>
-    </cs:spPr>
-  </cs:downBar>
-  <cs:dropLine>
-    <cs:lnRef idx="0"/>
-    <cs:fillRef idx="0"/>
-    <cs:effectRef idx="0"/>
-    <cs:fontRef idx="minor">
-      <a:schemeClr val="tx1"/>
-    </cs:fontRef>
-    <cs:spPr>
-      <a:ln w="9525" cap="flat" cmpd="sng" algn="ctr">
-        <a:solidFill>
-          <a:schemeClr val="tx1">
-            <a:lumMod val="35000"/>
-            <a:lumOff val="65000"/>
-          </a:schemeClr>
-        </a:solidFill>
-        <a:round/>
-      </a:ln>
-    </cs:spPr>
-  </cs:dropLine>
-  <cs:errorBar>
-    <cs:lnRef idx="0"/>
-    <cs:fillRef idx="0"/>
-    <cs:effectRef idx="0"/>
-    <cs:fontRef idx="minor">
-      <a:schemeClr val="tx1"/>
-    </cs:fontRef>
-    <cs:spPr>
-      <a:ln w="9525" cap="flat" cmpd="sng" algn="ctr">
-        <a:solidFill>
-          <a:schemeClr val="tx1">
-            <a:lumMod val="65000"/>
-            <a:lumOff val="35000"/>
-          </a:schemeClr>
-        </a:solidFill>
-        <a:round/>
-      </a:ln>
-    </cs:spPr>
-  </cs:errorBar>
-  <cs:floor>
-    <cs:lnRef idx="0"/>
-    <cs:fillRef idx="0"/>
-    <cs:effectRef idx="0"/>
-    <cs:fontRef idx="minor">
-      <a:schemeClr val="tx1"/>
-    </cs:fontRef>
-    <cs:spPr>
-      <a:noFill/>
-      <a:ln>
-        <a:noFill/>
-      </a:ln>
-    </cs:spPr>
-  </cs:floor>
-  <cs:gridlineMajor>
-    <cs:lnRef idx="0"/>
-    <cs:fillRef idx="0"/>
-    <cs:effectRef idx="0"/>
-    <cs:fontRef idx="minor">
-      <a:schemeClr val="tx1"/>
-    </cs:fontRef>
-    <cs:spPr>
-      <a:ln w="9525" cap="flat" cmpd="sng" algn="ctr">
-        <a:solidFill>
-          <a:schemeClr val="tx1">
-            <a:lumMod val="15000"/>
-            <a:lumOff val="85000"/>
-          </a:schemeClr>
-        </a:solidFill>
-        <a:round/>
-      </a:ln>
-    </cs:spPr>
-  </cs:gridlineMajor>
-  <cs:gridlineMinor>
-    <cs:lnRef idx="0"/>
-    <cs:fillRef idx="0"/>
-    <cs:effectRef idx="0"/>
-    <cs:fontRef idx="minor">
-      <a:schemeClr val="tx1"/>
-    </cs:fontRef>
-    <cs:spPr>
-      <a:ln w="9525" cap="flat" cmpd="sng" algn="ctr">
-        <a:solidFill>
-          <a:schemeClr val="tx1">
-            <a:lumMod val="5000"/>
-            <a:lumOff val="95000"/>
-          </a:schemeClr>
-        </a:solidFill>
-        <a:round/>
-      </a:ln>
-    </cs:spPr>
-  </cs:gridlineMinor>
-  <cs:hiLoLine>
-    <cs:lnRef idx="0"/>
-    <cs:fillRef idx="0"/>
-    <cs:effectRef idx="0"/>
-    <cs:fontRef idx="minor">
-      <a:schemeClr val="tx1"/>
-    </cs:fontRef>
-    <cs:spPr>
-      <a:ln w="9525" cap="flat" cmpd="sng" algn="ctr">
-        <a:solidFill>
-          <a:schemeClr val="tx1">
-            <a:lumMod val="75000"/>
-            <a:lumOff val="25000"/>
-          </a:schemeClr>
-        </a:solidFill>
-        <a:round/>
-      </a:ln>
-    </cs:spPr>
-  </cs:hiLoLine>
-  <cs:leaderLine>
-    <cs:lnRef idx="0"/>
-    <cs:fillRef idx="0"/>
-    <cs:effectRef idx="0"/>
-    <cs:fontRef idx="minor">
-      <a:schemeClr val="tx1"/>
-    </cs:fontRef>
-    <cs:spPr>
-      <a:ln w="9525" cap="flat" cmpd="sng" algn="ctr">
-        <a:solidFill>
-          <a:schemeClr val="tx1">
-            <a:lumMod val="35000"/>
-            <a:lumOff val="65000"/>
-          </a:schemeClr>
-        </a:solidFill>
-        <a:round/>
-      </a:ln>
-    </cs:spPr>
-  </cs:leaderLine>
-  <cs:legend>
-    <cs:lnRef idx="0"/>
-    <cs:fillRef idx="0"/>
-    <cs:effectRef idx="0"/>
-    <cs:fontRef idx="minor">
-      <a:schemeClr val="tx1">
-        <a:lumMod val="65000"/>
-        <a:lumOff val="35000"/>
-      </a:schemeClr>
-    </cs:fontRef>
-    <cs:defRPr sz="1197" kern="1200"/>
-  </cs:legend>
-  <cs:plotArea mods="allowNoFillOverride allowNoLineOverride">
-    <cs:lnRef idx="0"/>
-    <cs:fillRef idx="0"/>
-    <cs:effectRef idx="0"/>
-    <cs:fontRef idx="minor">
-      <a:schemeClr val="tx1"/>
-    </cs:fontRef>
-  </cs:plotArea>
-  <cs:plotArea3D mods="allowNoFillOverride allowNoLineOverride">
-    <cs:lnRef idx="0"/>
-    <cs:fillRef idx="0"/>
-    <cs:effectRef idx="0"/>
-    <cs:fontRef idx="minor">
-      <a:schemeClr val="tx1"/>
-    </cs:fontRef>
-  </cs:plotArea3D>
-  <cs:seriesAxis>
-    <cs:lnRef idx="0"/>
-    <cs:fillRef idx="0"/>
-    <cs:effectRef idx="0"/>
-    <cs:fontRef idx="minor">
-      <a:schemeClr val="tx1">
-        <a:lumMod val="65000"/>
-        <a:lumOff val="35000"/>
-      </a:schemeClr>
-    </cs:fontRef>
-    <cs:defRPr sz="1197" kern="1200"/>
-  </cs:seriesAxis>
-  <cs:seriesLine>
-    <cs:lnRef idx="0"/>
-    <cs:fillRef idx="0"/>
-    <cs:effectRef idx="0"/>
-    <cs:fontRef idx="minor">
-      <a:schemeClr val="tx1"/>
-    </cs:fontRef>
-    <cs:spPr>
-      <a:ln w="9525" cap="flat" cmpd="sng" algn="ctr">
-        <a:solidFill>
-          <a:schemeClr val="tx1">
-            <a:lumMod val="35000"/>
-            <a:lumOff val="65000"/>
-          </a:schemeClr>
-        </a:solidFill>
-        <a:round/>
-      </a:ln>
-    </cs:spPr>
-  </cs:seriesLine>
-  <cs:title>
-    <cs:lnRef idx="0"/>
-    <cs:fillRef idx="0"/>
-    <cs:effectRef idx="0"/>
-    <cs:fontRef idx="minor">
-      <a:schemeClr val="tx1">
-        <a:lumMod val="65000"/>
-        <a:lumOff val="35000"/>
-      </a:schemeClr>
-    </cs:fontRef>
-    <cs:defRPr sz="1862" b="0" kern="1200" spc="0" baseline="0"/>
-  </cs:title>
-  <cs:trendline>
-    <cs:lnRef idx="0">
-      <cs:styleClr val="auto"/>
-    </cs:lnRef>
-    <cs:fillRef idx="0"/>
-    <cs:effectRef idx="0"/>
-    <cs:fontRef idx="minor">
-      <a:schemeClr val="tx1"/>
-    </cs:fontRef>
-    <cs:spPr>
-      <a:ln w="19050" cap="rnd">
-        <a:solidFill>
-          <a:schemeClr val="phClr"/>
-        </a:solidFill>
-        <a:prstDash val="sysDot"/>
-      </a:ln>
-    </cs:spPr>
-  </cs:trendline>
-  <cs:trendlineLabel>
-    <cs:lnRef idx="0"/>
-    <cs:fillRef idx="0"/>
-    <cs:effectRef idx="0"/>
-    <cs:fontRef idx="minor">
-      <a:schemeClr val="tx1">
-        <a:lumMod val="65000"/>
-        <a:lumOff val="35000"/>
-      </a:schemeClr>
-    </cs:fontRef>
-    <cs:defRPr sz="1197" kern="1200"/>
-  </cs:trendlineLabel>
-  <cs:upBar>
-    <cs:lnRef idx="0"/>
-    <cs:fillRef idx="0"/>
-    <cs:effectRef idx="0"/>
-    <cs:fontRef idx="minor">
-      <a:schemeClr val="dk1"/>
-    </cs:fontRef>
-    <cs:spPr>
-      <a:solidFill>
-        <a:schemeClr val="lt1"/>
-      </a:solidFill>
-      <a:ln w="9525">
-        <a:solidFill>
-          <a:schemeClr val="tx1">
-            <a:lumMod val="15000"/>
-            <a:lumOff val="85000"/>
-          </a:schemeClr>
-        </a:solidFill>
       </a:ln>
     </cs:spPr>
   </cs:upBar>
@@ -25059,7 +25082,7 @@
           <a:p>
             <a:fld id="{068DC4DE-8AA2-4F4C-8538-2AAFBC26E925}" type="datetimeFigureOut">
               <a:rPr lang="en-US" smtClean="0"/>
-              <a:t>25.08.2024</a:t>
+              <a:t>30.09.2024</a:t>
             </a:fld>
             <a:endParaRPr lang="en-US"/>
           </a:p>
@@ -25365,7 +25388,7 @@
           <a:p>
             <a:fld id="{E85636DE-6ACF-4BDB-A4D6-3D15C7F77F13}" type="datetime1">
               <a:rPr lang="en-US" smtClean="0"/>
-              <a:t>25.08.2024</a:t>
+              <a:t>30.09.2024</a:t>
             </a:fld>
             <a:endParaRPr lang="en-US"/>
           </a:p>
@@ -25680,7 +25703,7 @@
           <a:p>
             <a:fld id="{E85636DE-6ACF-4BDB-A4D6-3D15C7F77F13}" type="datetime1">
               <a:rPr lang="en-US" smtClean="0"/>
-              <a:t>25.08.2024</a:t>
+              <a:t>30.09.2024</a:t>
             </a:fld>
             <a:endParaRPr lang="en-US"/>
           </a:p>
@@ -26155,7 +26178,7 @@
           <a:p>
             <a:fld id="{E85636DE-6ACF-4BDB-A4D6-3D15C7F77F13}" type="datetime1">
               <a:rPr lang="en-US" smtClean="0"/>
-              <a:t>25.08.2024</a:t>
+              <a:t>30.09.2024</a:t>
             </a:fld>
             <a:endParaRPr lang="en-US"/>
           </a:p>
@@ -26475,7 +26498,7 @@
           <a:p>
             <a:fld id="{5048E7B5-C24C-4677-B2AF-751EA428BD97}" type="datetime1">
               <a:rPr lang="en-US" smtClean="0"/>
-              <a:t>25.08.2024</a:t>
+              <a:t>30.09.2024</a:t>
             </a:fld>
             <a:endParaRPr lang="en-US"/>
           </a:p>
@@ -28007,7 +28030,7 @@
           <a:p>
             <a:fld id="{4F3B2AA9-B974-4D27-BDD0-3837928ACC25}" type="datetime1">
               <a:rPr lang="en-US" smtClean="0"/>
-              <a:t>25.08.2024</a:t>
+              <a:t>30.09.2024</a:t>
             </a:fld>
             <a:endParaRPr lang="en-US" dirty="0"/>
           </a:p>
@@ -28568,7 +28591,7 @@
           <a:p>
             <a:fld id="{E85636DE-6ACF-4BDB-A4D6-3D15C7F77F13}" type="datetime1">
               <a:rPr lang="en-US" smtClean="0"/>
-              <a:t>25.08.2024</a:t>
+              <a:t>30.09.2024</a:t>
             </a:fld>
             <a:endParaRPr lang="en-US"/>
           </a:p>
@@ -30209,7 +30232,7 @@
           <p:nvPr>
             <p:extLst>
               <p:ext uri="{D42A27DB-BD31-4B8C-83A1-F6EECF244321}">
-                <p14:modId xmlns:p14="http://schemas.microsoft.com/office/powerpoint/2010/main" val="1514334866"/>
+                <p14:modId xmlns:p14="http://schemas.microsoft.com/office/powerpoint/2010/main" val="1901990838"/>
               </p:ext>
             </p:extLst>
           </p:nvPr>
@@ -31756,7 +31779,7 @@
             <a:fld id="{E85636DE-6ACF-4BDB-A4D6-3D15C7F77F13}" type="datetime1">
               <a:rPr lang="en-US" smtClean="0"/>
               <a:pPr/>
-              <a:t>25.08.2024</a:t>
+              <a:t>30.09.2024</a:t>
             </a:fld>
             <a:endParaRPr lang="en-US"/>
           </a:p>
@@ -31970,7 +31993,7 @@
           <p:nvPr>
             <p:extLst>
               <p:ext uri="{D42A27DB-BD31-4B8C-83A1-F6EECF244321}">
-                <p14:modId xmlns:p14="http://schemas.microsoft.com/office/powerpoint/2010/main" val="1027126105"/>
+                <p14:modId xmlns:p14="http://schemas.microsoft.com/office/powerpoint/2010/main" val="3142393823"/>
               </p:ext>
             </p:extLst>
           </p:nvPr>
@@ -31987,115 +32010,6 @@
       </p:graphicFrame>
       <p:grpSp>
         <p:nvGrpSpPr>
-          <p:cNvPr id="13" name="Group 12">
-            <a:extLst>
-              <a:ext uri="{FF2B5EF4-FFF2-40B4-BE49-F238E27FC236}">
-                <a16:creationId xmlns:a16="http://schemas.microsoft.com/office/drawing/2014/main" id="{A6F01AB3-7301-49E6-B053-D054D351E11F}"/>
-              </a:ext>
-            </a:extLst>
-          </p:cNvPr>
-          <p:cNvGrpSpPr/>
-          <p:nvPr/>
-        </p:nvGrpSpPr>
-        <p:grpSpPr>
-          <a:xfrm>
-            <a:off x="256319" y="1313622"/>
-            <a:ext cx="4152129" cy="288000"/>
-            <a:chOff x="250825" y="1239838"/>
-            <a:chExt cx="2160000" cy="288000"/>
-          </a:xfrm>
-        </p:grpSpPr>
-        <p:sp>
-          <p:nvSpPr>
-            <p:cNvPr id="14" name="TextBox 13">
-              <a:extLst>
-                <a:ext uri="{FF2B5EF4-FFF2-40B4-BE49-F238E27FC236}">
-                  <a16:creationId xmlns:a16="http://schemas.microsoft.com/office/drawing/2014/main" id="{A7BA75DC-EC76-4100-95BF-7C5E91BFBE88}"/>
-                </a:ext>
-              </a:extLst>
-            </p:cNvPr>
-            <p:cNvSpPr txBox="1"/>
-            <p:nvPr/>
-          </p:nvSpPr>
-          <p:spPr>
-            <a:xfrm>
-              <a:off x="250825" y="1239838"/>
-              <a:ext cx="2160000" cy="288000"/>
-            </a:xfrm>
-            <a:prstGeom prst="rect">
-              <a:avLst/>
-            </a:prstGeom>
-            <a:noFill/>
-          </p:spPr>
-          <p:txBody>
-            <a:bodyPr wrap="square" rtlCol="0">
-              <a:noAutofit/>
-            </a:bodyPr>
-            <a:lstStyle/>
-            <a:p>
-              <a:pPr>
-                <a:buClr>
-                  <a:schemeClr val="accent4"/>
-                </a:buClr>
-              </a:pPr>
-              <a:r>
-                <a:rPr lang="en-GB" sz="1100" dirty="0">
-                  <a:latin typeface="Raleway" pitchFamily="2" charset="0"/>
-                </a:rPr>
-                <a:t>Share price development</a:t>
-              </a:r>
-              <a:endParaRPr lang="en-US" sz="1100" i="1" baseline="-25000" dirty="0">
-                <a:latin typeface="Raleway" pitchFamily="2" charset="0"/>
-              </a:endParaRPr>
-            </a:p>
-          </p:txBody>
-        </p:sp>
-        <p:cxnSp>
-          <p:nvCxnSpPr>
-            <p:cNvPr id="15" name="Straight Connector 14">
-              <a:extLst>
-                <a:ext uri="{FF2B5EF4-FFF2-40B4-BE49-F238E27FC236}">
-                  <a16:creationId xmlns:a16="http://schemas.microsoft.com/office/drawing/2014/main" id="{CFB518BB-D87A-49E7-BFB3-45963BAD190D}"/>
-                </a:ext>
-              </a:extLst>
-            </p:cNvPr>
-            <p:cNvCxnSpPr>
-              <a:cxnSpLocks/>
-            </p:cNvCxnSpPr>
-            <p:nvPr/>
-          </p:nvCxnSpPr>
-          <p:spPr>
-            <a:xfrm>
-              <a:off x="250825" y="1527838"/>
-              <a:ext cx="2160000" cy="0"/>
-            </a:xfrm>
-            <a:prstGeom prst="line">
-              <a:avLst/>
-            </a:prstGeom>
-            <a:ln w="3175">
-              <a:solidFill>
-                <a:schemeClr val="tx1"/>
-              </a:solidFill>
-            </a:ln>
-          </p:spPr>
-          <p:style>
-            <a:lnRef idx="1">
-              <a:schemeClr val="accent1"/>
-            </a:lnRef>
-            <a:fillRef idx="0">
-              <a:schemeClr val="accent1"/>
-            </a:fillRef>
-            <a:effectRef idx="0">
-              <a:schemeClr val="accent1"/>
-            </a:effectRef>
-            <a:fontRef idx="minor">
-              <a:schemeClr val="tx1"/>
-            </a:fontRef>
-          </p:style>
-        </p:cxnSp>
-      </p:grpSp>
-      <p:grpSp>
-        <p:nvGrpSpPr>
           <p:cNvPr id="17" name="Group 16">
             <a:extLst>
               <a:ext uri="{FF2B5EF4-FFF2-40B4-BE49-F238E27FC236}">
@@ -32108,7 +32022,7 @@
         </p:nvGrpSpPr>
         <p:grpSpPr>
           <a:xfrm>
-            <a:off x="4567679" y="1313622"/>
+            <a:off x="4567679" y="1277008"/>
             <a:ext cx="2160000" cy="288000"/>
             <a:chOff x="250825" y="1239838"/>
             <a:chExt cx="2160000" cy="288000"/>
@@ -33913,6 +33827,128 @@
           </p:style>
         </p:cxnSp>
       </p:grpSp>
+      <p:grpSp>
+        <p:nvGrpSpPr>
+          <p:cNvPr id="28" name="Group 27">
+            <a:extLst>
+              <a:ext uri="{FF2B5EF4-FFF2-40B4-BE49-F238E27FC236}">
+                <a16:creationId xmlns:a16="http://schemas.microsoft.com/office/drawing/2014/main" id="{7AC94D04-CEF7-400B-97CC-51659C7BDCB6}"/>
+              </a:ext>
+            </a:extLst>
+          </p:cNvPr>
+          <p:cNvGrpSpPr/>
+          <p:nvPr/>
+        </p:nvGrpSpPr>
+        <p:grpSpPr>
+          <a:xfrm>
+            <a:off x="247679" y="1172932"/>
+            <a:ext cx="2880000" cy="392076"/>
+            <a:chOff x="247679" y="1172932"/>
+            <a:chExt cx="2880000" cy="392076"/>
+          </a:xfrm>
+        </p:grpSpPr>
+        <p:sp>
+          <p:nvSpPr>
+            <p:cNvPr id="29" name="TextBox 28">
+              <a:extLst>
+                <a:ext uri="{FF2B5EF4-FFF2-40B4-BE49-F238E27FC236}">
+                  <a16:creationId xmlns:a16="http://schemas.microsoft.com/office/drawing/2014/main" id="{E1BF500C-2267-4786-9283-950DEAA929E7}"/>
+                </a:ext>
+              </a:extLst>
+            </p:cNvPr>
+            <p:cNvSpPr txBox="1"/>
+            <p:nvPr/>
+          </p:nvSpPr>
+          <p:spPr>
+            <a:xfrm>
+              <a:off x="247679" y="1172932"/>
+              <a:ext cx="2880000" cy="288000"/>
+            </a:xfrm>
+            <a:prstGeom prst="rect">
+              <a:avLst/>
+            </a:prstGeom>
+            <a:noFill/>
+          </p:spPr>
+          <p:txBody>
+            <a:bodyPr wrap="square" rtlCol="0">
+              <a:noAutofit/>
+            </a:bodyPr>
+            <a:lstStyle/>
+            <a:p>
+              <a:pPr>
+                <a:buClr>
+                  <a:schemeClr val="accent4"/>
+                </a:buClr>
+              </a:pPr>
+              <a:r>
+                <a:rPr lang="en-GB" sz="1100" dirty="0">
+                  <a:latin typeface="Raleway" pitchFamily="2" charset="0"/>
+                </a:rPr>
+                <a:t>Share price development</a:t>
+              </a:r>
+            </a:p>
+            <a:p>
+              <a:pPr>
+                <a:buClr>
+                  <a:schemeClr val="accent4"/>
+                </a:buClr>
+              </a:pPr>
+              <a:r>
+                <a:rPr lang="en-GB" sz="900" i="1" baseline="-25000" dirty="0">
+                  <a:latin typeface="Raleway" pitchFamily="2" charset="0"/>
+                </a:rPr>
+                <a:t>USD</a:t>
+              </a:r>
+              <a:endParaRPr lang="en-US" sz="900" i="1" baseline="-25000" dirty="0">
+                <a:latin typeface="Raleway" pitchFamily="2" charset="0"/>
+              </a:endParaRPr>
+            </a:p>
+          </p:txBody>
+        </p:sp>
+        <p:cxnSp>
+          <p:nvCxnSpPr>
+            <p:cNvPr id="33" name="Straight Connector 32">
+              <a:extLst>
+                <a:ext uri="{FF2B5EF4-FFF2-40B4-BE49-F238E27FC236}">
+                  <a16:creationId xmlns:a16="http://schemas.microsoft.com/office/drawing/2014/main" id="{23C7243A-994A-4D4F-B80A-29E31CC13D7A}"/>
+                </a:ext>
+              </a:extLst>
+            </p:cNvPr>
+            <p:cNvCxnSpPr>
+              <a:cxnSpLocks/>
+            </p:cNvCxnSpPr>
+            <p:nvPr/>
+          </p:nvCxnSpPr>
+          <p:spPr>
+            <a:xfrm>
+              <a:off x="247679" y="1565008"/>
+              <a:ext cx="2880000" cy="0"/>
+            </a:xfrm>
+            <a:prstGeom prst="line">
+              <a:avLst/>
+            </a:prstGeom>
+            <a:ln w="3175">
+              <a:solidFill>
+                <a:schemeClr val="tx1"/>
+              </a:solidFill>
+            </a:ln>
+          </p:spPr>
+          <p:style>
+            <a:lnRef idx="1">
+              <a:schemeClr val="accent1"/>
+            </a:lnRef>
+            <a:fillRef idx="0">
+              <a:schemeClr val="accent1"/>
+            </a:fillRef>
+            <a:effectRef idx="0">
+              <a:schemeClr val="accent1"/>
+            </a:effectRef>
+            <a:fontRef idx="minor">
+              <a:schemeClr val="tx1"/>
+            </a:fontRef>
+          </p:style>
+        </p:cxnSp>
+      </p:grpSp>
     </p:spTree>
     <p:extLst>
       <p:ext uri="{BB962C8B-B14F-4D97-AF65-F5344CB8AC3E}">
@@ -33972,7 +34008,7 @@
             <a:fld id="{E85636DE-6ACF-4BDB-A4D6-3D15C7F77F13}" type="datetime1">
               <a:rPr lang="en-US" smtClean="0"/>
               <a:pPr/>
-              <a:t>25.08.2024</a:t>
+              <a:t>30.09.2024</a:t>
             </a:fld>
             <a:endParaRPr lang="en-US"/>
           </a:p>
@@ -34246,7 +34282,7 @@
           <p:nvPr>
             <p:extLst>
               <p:ext uri="{D42A27DB-BD31-4B8C-83A1-F6EECF244321}">
-                <p14:modId xmlns:p14="http://schemas.microsoft.com/office/powerpoint/2010/main" val="604187619"/>
+                <p14:modId xmlns:p14="http://schemas.microsoft.com/office/powerpoint/2010/main" val="3871174287"/>
               </p:ext>
             </p:extLst>
           </p:nvPr>
@@ -35281,7 +35317,7 @@
           <p:nvPr>
             <p:extLst>
               <p:ext uri="{D42A27DB-BD31-4B8C-83A1-F6EECF244321}">
-                <p14:modId xmlns:p14="http://schemas.microsoft.com/office/powerpoint/2010/main" val="4263331"/>
+                <p14:modId xmlns:p14="http://schemas.microsoft.com/office/powerpoint/2010/main" val="1994073893"/>
               </p:ext>
             </p:extLst>
           </p:nvPr>
@@ -36661,11 +36697,11 @@
                 <a:avLst/>
               </a:prstGeom>
               <a:solidFill>
-                <a:srgbClr val="88A9C4"/>
+                <a:srgbClr val="0ABAB5"/>
               </a:solidFill>
               <a:ln w="6350">
                 <a:solidFill>
-                  <a:srgbClr val="88A9C4"/>
+                  <a:srgbClr val="0ABAB5"/>
                 </a:solidFill>
                 <a:prstDash val="solid"/>
               </a:ln>
@@ -37123,7 +37159,7 @@
             <a:fld id="{E85636DE-6ACF-4BDB-A4D6-3D15C7F77F13}" type="datetime1">
               <a:rPr lang="en-US" smtClean="0"/>
               <a:pPr/>
-              <a:t>25.08.2024</a:t>
+              <a:t>30.09.2024</a:t>
             </a:fld>
             <a:endParaRPr lang="en-US"/>
           </a:p>
@@ -37397,7 +37433,7 @@
           <p:nvPr>
             <p:extLst>
               <p:ext uri="{D42A27DB-BD31-4B8C-83A1-F6EECF244321}">
-                <p14:modId xmlns:p14="http://schemas.microsoft.com/office/powerpoint/2010/main" val="3061843426"/>
+                <p14:modId xmlns:p14="http://schemas.microsoft.com/office/powerpoint/2010/main" val="3507891396"/>
               </p:ext>
             </p:extLst>
           </p:nvPr>
@@ -38989,6 +39025,975 @@
       </p:grpSpPr>
       <p:sp>
         <p:nvSpPr>
+          <p:cNvPr id="2" name="Date Placeholder 1">
+            <a:extLst>
+              <a:ext uri="{FF2B5EF4-FFF2-40B4-BE49-F238E27FC236}">
+                <a16:creationId xmlns:a16="http://schemas.microsoft.com/office/drawing/2014/main" id="{3A9CF878-0B5E-47F0-92E6-10FEDAF4D305}"/>
+              </a:ext>
+            </a:extLst>
+          </p:cNvPr>
+          <p:cNvSpPr>
+            <a:spLocks noGrp="1"/>
+          </p:cNvSpPr>
+          <p:nvPr>
+            <p:ph type="dt" sz="half" idx="10"/>
+          </p:nvPr>
+        </p:nvSpPr>
+        <p:spPr/>
+        <p:txBody>
+          <a:bodyPr/>
+          <a:lstStyle/>
+          <a:p>
+            <a:fld id="{E85636DE-6ACF-4BDB-A4D6-3D15C7F77F13}" type="datetime1">
+              <a:rPr lang="en-US" smtClean="0"/>
+              <a:pPr/>
+              <a:t>30.09.2024</a:t>
+            </a:fld>
+            <a:endParaRPr lang="en-US"/>
+          </a:p>
+        </p:txBody>
+      </p:sp>
+      <p:sp>
+        <p:nvSpPr>
+          <p:cNvPr id="3" name="Footer Placeholder 2">
+            <a:extLst>
+              <a:ext uri="{FF2B5EF4-FFF2-40B4-BE49-F238E27FC236}">
+                <a16:creationId xmlns:a16="http://schemas.microsoft.com/office/drawing/2014/main" id="{FA45D7AC-BA2F-43E0-909A-9ACF738A1E84}"/>
+              </a:ext>
+            </a:extLst>
+          </p:cNvPr>
+          <p:cNvSpPr>
+            <a:spLocks noGrp="1"/>
+          </p:cNvSpPr>
+          <p:nvPr>
+            <p:ph type="ftr" sz="quarter" idx="11"/>
+          </p:nvPr>
+        </p:nvSpPr>
+        <p:spPr/>
+        <p:txBody>
+          <a:bodyPr/>
+          <a:lstStyle/>
+          <a:p>
+            <a:r>
+              <a:rPr lang="en-US"/>
+              <a:t>Aleksei Shvetsov</a:t>
+            </a:r>
+          </a:p>
+        </p:txBody>
+      </p:sp>
+      <p:sp>
+        <p:nvSpPr>
+          <p:cNvPr id="4" name="Slide Number Placeholder 3">
+            <a:extLst>
+              <a:ext uri="{FF2B5EF4-FFF2-40B4-BE49-F238E27FC236}">
+                <a16:creationId xmlns:a16="http://schemas.microsoft.com/office/drawing/2014/main" id="{8A5A1AF7-5556-4C55-9F49-EE926A1BA5A1}"/>
+              </a:ext>
+            </a:extLst>
+          </p:cNvPr>
+          <p:cNvSpPr>
+            <a:spLocks noGrp="1"/>
+          </p:cNvSpPr>
+          <p:nvPr>
+            <p:ph type="sldNum" sz="quarter" idx="12"/>
+          </p:nvPr>
+        </p:nvSpPr>
+        <p:spPr/>
+        <p:txBody>
+          <a:bodyPr/>
+          <a:lstStyle/>
+          <a:p>
+            <a:fld id="{5CFE2FC4-82A9-4537-BFBD-B15ACB0E3BE3}" type="slidenum">
+              <a:rPr lang="en-US" smtClean="0"/>
+              <a:pPr/>
+              <a:t>5</a:t>
+            </a:fld>
+            <a:endParaRPr lang="en-US" dirty="0"/>
+          </a:p>
+        </p:txBody>
+      </p:sp>
+      <p:sp>
+        <p:nvSpPr>
+          <p:cNvPr id="5" name="Text Placeholder 4">
+            <a:extLst>
+              <a:ext uri="{FF2B5EF4-FFF2-40B4-BE49-F238E27FC236}">
+                <a16:creationId xmlns:a16="http://schemas.microsoft.com/office/drawing/2014/main" id="{921AFF0B-300F-4518-A88E-DA07C4E91309}"/>
+              </a:ext>
+            </a:extLst>
+          </p:cNvPr>
+          <p:cNvSpPr>
+            <a:spLocks noGrp="1"/>
+          </p:cNvSpPr>
+          <p:nvPr>
+            <p:ph type="body" sz="quarter" idx="13"/>
+          </p:nvPr>
+        </p:nvSpPr>
+        <p:spPr/>
+        <p:txBody>
+          <a:bodyPr/>
+          <a:lstStyle/>
+          <a:p>
+            <a:r>
+              <a:rPr lang="en-GB" dirty="0"/>
+              <a:t>Adobe Systems</a:t>
+            </a:r>
+            <a:endParaRPr lang="en-US" dirty="0"/>
+          </a:p>
+        </p:txBody>
+      </p:sp>
+      <p:sp>
+        <p:nvSpPr>
+          <p:cNvPr id="6" name="Text Placeholder 5">
+            <a:extLst>
+              <a:ext uri="{FF2B5EF4-FFF2-40B4-BE49-F238E27FC236}">
+                <a16:creationId xmlns:a16="http://schemas.microsoft.com/office/drawing/2014/main" id="{0C97992E-FA0B-4B8F-8883-8D3C1A79F800}"/>
+              </a:ext>
+            </a:extLst>
+          </p:cNvPr>
+          <p:cNvSpPr>
+            <a:spLocks noGrp="1"/>
+          </p:cNvSpPr>
+          <p:nvPr>
+            <p:ph type="body" sz="quarter" idx="14"/>
+          </p:nvPr>
+        </p:nvSpPr>
+        <p:spPr/>
+        <p:txBody>
+          <a:bodyPr/>
+          <a:lstStyle/>
+          <a:p>
+            <a:r>
+              <a:rPr lang="en-GB" dirty="0"/>
+              <a:t>Sources: FMP, Chat GPT</a:t>
+            </a:r>
+            <a:endParaRPr lang="en-US" dirty="0"/>
+          </a:p>
+        </p:txBody>
+      </p:sp>
+      <p:sp>
+        <p:nvSpPr>
+          <p:cNvPr id="7" name="Text Placeholder 6">
+            <a:extLst>
+              <a:ext uri="{FF2B5EF4-FFF2-40B4-BE49-F238E27FC236}">
+                <a16:creationId xmlns:a16="http://schemas.microsoft.com/office/drawing/2014/main" id="{90B4C66D-18D4-44E7-9403-66FCAFCFEE5B}"/>
+              </a:ext>
+            </a:extLst>
+          </p:cNvPr>
+          <p:cNvSpPr>
+            <a:spLocks noGrp="1"/>
+          </p:cNvSpPr>
+          <p:nvPr>
+            <p:ph type="body" sz="quarter" idx="15"/>
+          </p:nvPr>
+        </p:nvSpPr>
+        <p:spPr/>
+        <p:txBody>
+          <a:bodyPr/>
+          <a:lstStyle/>
+          <a:p>
+            <a:endParaRPr lang="en-US"/>
+          </a:p>
+        </p:txBody>
+      </p:sp>
+      <p:sp>
+        <p:nvSpPr>
+          <p:cNvPr id="8" name="Title 7">
+            <a:extLst>
+              <a:ext uri="{FF2B5EF4-FFF2-40B4-BE49-F238E27FC236}">
+                <a16:creationId xmlns:a16="http://schemas.microsoft.com/office/drawing/2014/main" id="{767F19EF-3E98-4911-A9AB-0275C3E3181C}"/>
+              </a:ext>
+            </a:extLst>
+          </p:cNvPr>
+          <p:cNvSpPr>
+            <a:spLocks noGrp="1"/>
+          </p:cNvSpPr>
+          <p:nvPr>
+            <p:ph type="title"/>
+          </p:nvPr>
+        </p:nvSpPr>
+        <p:spPr/>
+        <p:txBody>
+          <a:bodyPr/>
+          <a:lstStyle/>
+          <a:p>
+            <a:r>
+              <a:rPr lang="en-GB" dirty="0"/>
+              <a:t>Profitability</a:t>
+            </a:r>
+          </a:p>
+        </p:txBody>
+      </p:sp>
+      <p:grpSp>
+        <p:nvGrpSpPr>
+          <p:cNvPr id="35" name="Group 34">
+            <a:extLst>
+              <a:ext uri="{FF2B5EF4-FFF2-40B4-BE49-F238E27FC236}">
+                <a16:creationId xmlns:a16="http://schemas.microsoft.com/office/drawing/2014/main" id="{EC50C629-35F6-4E7F-8C58-0DCC7EDB4320}"/>
+              </a:ext>
+            </a:extLst>
+          </p:cNvPr>
+          <p:cNvGrpSpPr/>
+          <p:nvPr/>
+        </p:nvGrpSpPr>
+        <p:grpSpPr>
+          <a:xfrm>
+            <a:off x="247679" y="1172932"/>
+            <a:ext cx="3312000" cy="392076"/>
+            <a:chOff x="247679" y="1172932"/>
+            <a:chExt cx="3312000" cy="392076"/>
+          </a:xfrm>
+        </p:grpSpPr>
+        <p:sp>
+          <p:nvSpPr>
+            <p:cNvPr id="13" name="TextBox 12">
+              <a:extLst>
+                <a:ext uri="{FF2B5EF4-FFF2-40B4-BE49-F238E27FC236}">
+                  <a16:creationId xmlns:a16="http://schemas.microsoft.com/office/drawing/2014/main" id="{F61BFAC9-4322-492F-BDAF-1F1693FCD944}"/>
+                </a:ext>
+              </a:extLst>
+            </p:cNvPr>
+            <p:cNvSpPr txBox="1"/>
+            <p:nvPr/>
+          </p:nvSpPr>
+          <p:spPr>
+            <a:xfrm>
+              <a:off x="247679" y="1172932"/>
+              <a:ext cx="3312000" cy="288000"/>
+            </a:xfrm>
+            <a:prstGeom prst="rect">
+              <a:avLst/>
+            </a:prstGeom>
+            <a:noFill/>
+          </p:spPr>
+          <p:txBody>
+            <a:bodyPr wrap="square" rtlCol="0">
+              <a:noAutofit/>
+            </a:bodyPr>
+            <a:lstStyle/>
+            <a:p>
+              <a:pPr>
+                <a:buClr>
+                  <a:schemeClr val="accent4"/>
+                </a:buClr>
+              </a:pPr>
+              <a:r>
+                <a:rPr lang="en-GB" sz="1100" dirty="0">
+                  <a:latin typeface="Raleway" pitchFamily="2" charset="0"/>
+                </a:rPr>
+                <a:t>Profitability margins</a:t>
+              </a:r>
+            </a:p>
+            <a:p>
+              <a:pPr>
+                <a:buClr>
+                  <a:schemeClr val="accent4"/>
+                </a:buClr>
+              </a:pPr>
+              <a:r>
+                <a:rPr lang="en-GB" sz="900" i="1" baseline="-25000" dirty="0">
+                  <a:latin typeface="Raleway" pitchFamily="2" charset="0"/>
+                </a:rPr>
+                <a:t>(%</a:t>
+              </a:r>
+              <a:r>
+                <a:rPr lang="en-US" sz="900" i="1" baseline="-25000" dirty="0">
+                  <a:latin typeface="Raleway" pitchFamily="2" charset="0"/>
+                </a:rPr>
+                <a:t>)</a:t>
+              </a:r>
+            </a:p>
+          </p:txBody>
+        </p:sp>
+        <p:cxnSp>
+          <p:nvCxnSpPr>
+            <p:cNvPr id="14" name="Straight Connector 13">
+              <a:extLst>
+                <a:ext uri="{FF2B5EF4-FFF2-40B4-BE49-F238E27FC236}">
+                  <a16:creationId xmlns:a16="http://schemas.microsoft.com/office/drawing/2014/main" id="{96F328A4-707D-4D30-85A0-BD6082083806}"/>
+                </a:ext>
+              </a:extLst>
+            </p:cNvPr>
+            <p:cNvCxnSpPr>
+              <a:cxnSpLocks/>
+            </p:cNvCxnSpPr>
+            <p:nvPr/>
+          </p:nvCxnSpPr>
+          <p:spPr>
+            <a:xfrm>
+              <a:off x="247679" y="1565008"/>
+              <a:ext cx="2880000" cy="0"/>
+            </a:xfrm>
+            <a:prstGeom prst="line">
+              <a:avLst/>
+            </a:prstGeom>
+            <a:ln w="3175">
+              <a:solidFill>
+                <a:schemeClr val="tx1"/>
+              </a:solidFill>
+            </a:ln>
+          </p:spPr>
+          <p:style>
+            <a:lnRef idx="1">
+              <a:schemeClr val="accent1"/>
+            </a:lnRef>
+            <a:fillRef idx="0">
+              <a:schemeClr val="accent1"/>
+            </a:fillRef>
+            <a:effectRef idx="0">
+              <a:schemeClr val="accent1"/>
+            </a:effectRef>
+            <a:fontRef idx="minor">
+              <a:schemeClr val="tx1"/>
+            </a:fontRef>
+          </p:style>
+        </p:cxnSp>
+      </p:grpSp>
+      <p:graphicFrame>
+        <p:nvGraphicFramePr>
+          <p:cNvPr id="90" name="Chart 89">
+            <a:extLst>
+              <a:ext uri="{FF2B5EF4-FFF2-40B4-BE49-F238E27FC236}">
+                <a16:creationId xmlns:a16="http://schemas.microsoft.com/office/drawing/2014/main" id="{0BDDC4A2-ADE8-4B29-8A51-D4A760B80BF7}"/>
+              </a:ext>
+            </a:extLst>
+          </p:cNvPr>
+          <p:cNvGraphicFramePr/>
+          <p:nvPr>
+            <p:extLst>
+              <p:ext uri="{D42A27DB-BD31-4B8C-83A1-F6EECF244321}">
+                <p14:modId xmlns:p14="http://schemas.microsoft.com/office/powerpoint/2010/main" val="2927265479"/>
+              </p:ext>
+            </p:extLst>
+          </p:nvPr>
+        </p:nvGraphicFramePr>
+        <p:xfrm>
+          <a:off x="247679" y="1719219"/>
+          <a:ext cx="5684770" cy="2403005"/>
+        </p:xfrm>
+        <a:graphic>
+          <a:graphicData uri="http://schemas.openxmlformats.org/drawingml/2006/chart">
+            <c:chart xmlns:c="http://schemas.openxmlformats.org/drawingml/2006/chart" xmlns:r="http://schemas.openxmlformats.org/officeDocument/2006/relationships" r:id="rId2"/>
+          </a:graphicData>
+        </a:graphic>
+      </p:graphicFrame>
+      <p:grpSp>
+        <p:nvGrpSpPr>
+          <p:cNvPr id="109" name="Group 108">
+            <a:extLst>
+              <a:ext uri="{FF2B5EF4-FFF2-40B4-BE49-F238E27FC236}">
+                <a16:creationId xmlns:a16="http://schemas.microsoft.com/office/drawing/2014/main" id="{0CFB0369-F18A-40EF-A859-E0BF481AEB87}"/>
+              </a:ext>
+            </a:extLst>
+          </p:cNvPr>
+          <p:cNvGrpSpPr/>
+          <p:nvPr/>
+        </p:nvGrpSpPr>
+        <p:grpSpPr>
+          <a:xfrm>
+            <a:off x="3541421" y="1752027"/>
+            <a:ext cx="764739" cy="142537"/>
+            <a:chOff x="7991991" y="2899689"/>
+            <a:chExt cx="764739" cy="142537"/>
+          </a:xfrm>
+        </p:grpSpPr>
+        <p:sp>
+          <p:nvSpPr>
+            <p:cNvPr id="94" name="TextBox 93">
+              <a:extLst>
+                <a:ext uri="{FF2B5EF4-FFF2-40B4-BE49-F238E27FC236}">
+                  <a16:creationId xmlns:a16="http://schemas.microsoft.com/office/drawing/2014/main" id="{6605D3F4-CF9D-4E82-8D8D-606B61527882}"/>
+                </a:ext>
+              </a:extLst>
+            </p:cNvPr>
+            <p:cNvSpPr txBox="1"/>
+            <p:nvPr/>
+          </p:nvSpPr>
+          <p:spPr>
+            <a:xfrm>
+              <a:off x="7991991" y="2899689"/>
+              <a:ext cx="504000" cy="142537"/>
+            </a:xfrm>
+            <a:prstGeom prst="rect">
+              <a:avLst/>
+            </a:prstGeom>
+            <a:noFill/>
+          </p:spPr>
+          <p:txBody>
+            <a:bodyPr wrap="square" lIns="0" tIns="0" rIns="0" bIns="0" rtlCol="0" anchor="ctr">
+              <a:noAutofit/>
+            </a:bodyPr>
+            <a:lstStyle/>
+            <a:p>
+              <a:pPr algn="r">
+                <a:buClr>
+                  <a:schemeClr val="accent4"/>
+                </a:buClr>
+              </a:pPr>
+              <a:r>
+                <a:rPr lang="en-GB" sz="700" i="1" dirty="0">
+                  <a:solidFill>
+                    <a:schemeClr val="bg2">
+                      <a:lumMod val="90000"/>
+                    </a:schemeClr>
+                  </a:solidFill>
+                  <a:latin typeface="Raleway" pitchFamily="2" charset="0"/>
+                </a:rPr>
+                <a:t>EBITDA</a:t>
+              </a:r>
+              <a:endParaRPr lang="en-US" sz="700" i="1" dirty="0">
+                <a:solidFill>
+                  <a:schemeClr val="bg2">
+                    <a:lumMod val="90000"/>
+                  </a:schemeClr>
+                </a:solidFill>
+                <a:latin typeface="Raleway" pitchFamily="2" charset="0"/>
+              </a:endParaRPr>
+            </a:p>
+          </p:txBody>
+        </p:sp>
+        <p:cxnSp>
+          <p:nvCxnSpPr>
+            <p:cNvPr id="96" name="Straight Connector 95">
+              <a:extLst>
+                <a:ext uri="{FF2B5EF4-FFF2-40B4-BE49-F238E27FC236}">
+                  <a16:creationId xmlns:a16="http://schemas.microsoft.com/office/drawing/2014/main" id="{9DC7DF38-42D2-47A4-8F7C-1F8916928091}"/>
+                </a:ext>
+              </a:extLst>
+            </p:cNvPr>
+            <p:cNvCxnSpPr>
+              <a:cxnSpLocks/>
+            </p:cNvCxnSpPr>
+            <p:nvPr/>
+          </p:nvCxnSpPr>
+          <p:spPr>
+            <a:xfrm>
+              <a:off x="8536230" y="2970958"/>
+              <a:ext cx="220500" cy="0"/>
+            </a:xfrm>
+            <a:prstGeom prst="line">
+              <a:avLst/>
+            </a:prstGeom>
+            <a:ln>
+              <a:solidFill>
+                <a:srgbClr val="14202E"/>
+              </a:solidFill>
+            </a:ln>
+          </p:spPr>
+          <p:style>
+            <a:lnRef idx="1">
+              <a:schemeClr val="accent1"/>
+            </a:lnRef>
+            <a:fillRef idx="0">
+              <a:schemeClr val="accent1"/>
+            </a:fillRef>
+            <a:effectRef idx="0">
+              <a:schemeClr val="accent1"/>
+            </a:effectRef>
+            <a:fontRef idx="minor">
+              <a:schemeClr val="tx1"/>
+            </a:fontRef>
+          </p:style>
+        </p:cxnSp>
+      </p:grpSp>
+      <p:grpSp>
+        <p:nvGrpSpPr>
+          <p:cNvPr id="108" name="Group 107">
+            <a:extLst>
+              <a:ext uri="{FF2B5EF4-FFF2-40B4-BE49-F238E27FC236}">
+                <a16:creationId xmlns:a16="http://schemas.microsoft.com/office/drawing/2014/main" id="{23FAA291-E0E8-41D9-A8A3-F0B9320E7825}"/>
+              </a:ext>
+            </a:extLst>
+          </p:cNvPr>
+          <p:cNvGrpSpPr/>
+          <p:nvPr/>
+        </p:nvGrpSpPr>
+        <p:grpSpPr>
+          <a:xfrm>
+            <a:off x="2583292" y="1891290"/>
+            <a:ext cx="772914" cy="142537"/>
+            <a:chOff x="7132455" y="3027667"/>
+            <a:chExt cx="772914" cy="142537"/>
+          </a:xfrm>
+        </p:grpSpPr>
+        <p:sp>
+          <p:nvSpPr>
+            <p:cNvPr id="99" name="TextBox 98">
+              <a:extLst>
+                <a:ext uri="{FF2B5EF4-FFF2-40B4-BE49-F238E27FC236}">
+                  <a16:creationId xmlns:a16="http://schemas.microsoft.com/office/drawing/2014/main" id="{8B325C5D-E063-4E76-957D-61EA398B9529}"/>
+                </a:ext>
+              </a:extLst>
+            </p:cNvPr>
+            <p:cNvSpPr txBox="1"/>
+            <p:nvPr/>
+          </p:nvSpPr>
+          <p:spPr>
+            <a:xfrm>
+              <a:off x="7132455" y="3027667"/>
+              <a:ext cx="468000" cy="142537"/>
+            </a:xfrm>
+            <a:prstGeom prst="rect">
+              <a:avLst/>
+            </a:prstGeom>
+            <a:noFill/>
+          </p:spPr>
+          <p:txBody>
+            <a:bodyPr wrap="square" lIns="0" tIns="0" rIns="0" bIns="0" rtlCol="0" anchor="ctr">
+              <a:noAutofit/>
+            </a:bodyPr>
+            <a:lstStyle/>
+            <a:p>
+              <a:pPr algn="r">
+                <a:buClr>
+                  <a:schemeClr val="accent4"/>
+                </a:buClr>
+              </a:pPr>
+              <a:r>
+                <a:rPr lang="en-GB" sz="700" i="1" dirty="0">
+                  <a:solidFill>
+                    <a:schemeClr val="bg2">
+                      <a:lumMod val="90000"/>
+                    </a:schemeClr>
+                  </a:solidFill>
+                  <a:latin typeface="Raleway" pitchFamily="2" charset="0"/>
+                </a:rPr>
+                <a:t>EBIT</a:t>
+              </a:r>
+              <a:endParaRPr lang="en-US" sz="700" i="1" dirty="0">
+                <a:solidFill>
+                  <a:schemeClr val="bg2">
+                    <a:lumMod val="90000"/>
+                  </a:schemeClr>
+                </a:solidFill>
+                <a:latin typeface="Raleway" pitchFamily="2" charset="0"/>
+              </a:endParaRPr>
+            </a:p>
+          </p:txBody>
+        </p:sp>
+        <p:cxnSp>
+          <p:nvCxnSpPr>
+            <p:cNvPr id="100" name="Straight Connector 99">
+              <a:extLst>
+                <a:ext uri="{FF2B5EF4-FFF2-40B4-BE49-F238E27FC236}">
+                  <a16:creationId xmlns:a16="http://schemas.microsoft.com/office/drawing/2014/main" id="{219EE817-8542-449E-B8E4-A0BDB7C3A9E5}"/>
+                </a:ext>
+              </a:extLst>
+            </p:cNvPr>
+            <p:cNvCxnSpPr>
+              <a:cxnSpLocks/>
+            </p:cNvCxnSpPr>
+            <p:nvPr/>
+          </p:nvCxnSpPr>
+          <p:spPr>
+            <a:xfrm>
+              <a:off x="7653369" y="3098936"/>
+              <a:ext cx="252000" cy="0"/>
+            </a:xfrm>
+            <a:prstGeom prst="line">
+              <a:avLst/>
+            </a:prstGeom>
+            <a:ln>
+              <a:solidFill>
+                <a:srgbClr val="56382D"/>
+              </a:solidFill>
+            </a:ln>
+          </p:spPr>
+          <p:style>
+            <a:lnRef idx="1">
+              <a:schemeClr val="accent1"/>
+            </a:lnRef>
+            <a:fillRef idx="0">
+              <a:schemeClr val="accent1"/>
+            </a:fillRef>
+            <a:effectRef idx="0">
+              <a:schemeClr val="accent1"/>
+            </a:effectRef>
+            <a:fontRef idx="minor">
+              <a:schemeClr val="tx1"/>
+            </a:fontRef>
+          </p:style>
+        </p:cxnSp>
+      </p:grpSp>
+      <p:grpSp>
+        <p:nvGrpSpPr>
+          <p:cNvPr id="110" name="Group 109">
+            <a:extLst>
+              <a:ext uri="{FF2B5EF4-FFF2-40B4-BE49-F238E27FC236}">
+                <a16:creationId xmlns:a16="http://schemas.microsoft.com/office/drawing/2014/main" id="{6A2346B8-60EC-41D1-94E7-4AC68D1467F5}"/>
+              </a:ext>
+            </a:extLst>
+          </p:cNvPr>
+          <p:cNvGrpSpPr/>
+          <p:nvPr/>
+        </p:nvGrpSpPr>
+        <p:grpSpPr>
+          <a:xfrm>
+            <a:off x="3541421" y="1891290"/>
+            <a:ext cx="764739" cy="142537"/>
+            <a:chOff x="7991991" y="3038952"/>
+            <a:chExt cx="764739" cy="142537"/>
+          </a:xfrm>
+        </p:grpSpPr>
+        <p:sp>
+          <p:nvSpPr>
+            <p:cNvPr id="102" name="TextBox 101">
+              <a:extLst>
+                <a:ext uri="{FF2B5EF4-FFF2-40B4-BE49-F238E27FC236}">
+                  <a16:creationId xmlns:a16="http://schemas.microsoft.com/office/drawing/2014/main" id="{F9445727-867D-4FD2-814F-F8E83B657F14}"/>
+                </a:ext>
+              </a:extLst>
+            </p:cNvPr>
+            <p:cNvSpPr txBox="1"/>
+            <p:nvPr/>
+          </p:nvSpPr>
+          <p:spPr>
+            <a:xfrm>
+              <a:off x="7991991" y="3038952"/>
+              <a:ext cx="504000" cy="142537"/>
+            </a:xfrm>
+            <a:prstGeom prst="rect">
+              <a:avLst/>
+            </a:prstGeom>
+            <a:noFill/>
+          </p:spPr>
+          <p:txBody>
+            <a:bodyPr wrap="square" lIns="0" tIns="0" rIns="0" bIns="0" rtlCol="0" anchor="ctr">
+              <a:noAutofit/>
+            </a:bodyPr>
+            <a:lstStyle/>
+            <a:p>
+              <a:pPr algn="r">
+                <a:buClr>
+                  <a:schemeClr val="accent4"/>
+                </a:buClr>
+              </a:pPr>
+              <a:r>
+                <a:rPr lang="en-GB" sz="700" i="1" dirty="0">
+                  <a:solidFill>
+                    <a:schemeClr val="bg2">
+                      <a:lumMod val="90000"/>
+                    </a:schemeClr>
+                  </a:solidFill>
+                  <a:latin typeface="Raleway" pitchFamily="2" charset="0"/>
+                </a:rPr>
+                <a:t>Net income</a:t>
+              </a:r>
+              <a:endParaRPr lang="en-US" sz="700" i="1" dirty="0">
+                <a:solidFill>
+                  <a:schemeClr val="bg2">
+                    <a:lumMod val="90000"/>
+                  </a:schemeClr>
+                </a:solidFill>
+                <a:latin typeface="Raleway" pitchFamily="2" charset="0"/>
+              </a:endParaRPr>
+            </a:p>
+          </p:txBody>
+        </p:sp>
+        <p:cxnSp>
+          <p:nvCxnSpPr>
+            <p:cNvPr id="103" name="Straight Connector 102">
+              <a:extLst>
+                <a:ext uri="{FF2B5EF4-FFF2-40B4-BE49-F238E27FC236}">
+                  <a16:creationId xmlns:a16="http://schemas.microsoft.com/office/drawing/2014/main" id="{667AD30A-820D-4AC9-9E02-DAA7BF2E4E6B}"/>
+                </a:ext>
+              </a:extLst>
+            </p:cNvPr>
+            <p:cNvCxnSpPr>
+              <a:cxnSpLocks/>
+            </p:cNvCxnSpPr>
+            <p:nvPr/>
+          </p:nvCxnSpPr>
+          <p:spPr>
+            <a:xfrm>
+              <a:off x="8536230" y="3110221"/>
+              <a:ext cx="220500" cy="0"/>
+            </a:xfrm>
+            <a:prstGeom prst="line">
+              <a:avLst/>
+            </a:prstGeom>
+            <a:ln>
+              <a:solidFill>
+                <a:srgbClr val="0ABAB5"/>
+              </a:solidFill>
+            </a:ln>
+          </p:spPr>
+          <p:style>
+            <a:lnRef idx="1">
+              <a:schemeClr val="accent1"/>
+            </a:lnRef>
+            <a:fillRef idx="0">
+              <a:schemeClr val="accent1"/>
+            </a:fillRef>
+            <a:effectRef idx="0">
+              <a:schemeClr val="accent1"/>
+            </a:effectRef>
+            <a:fontRef idx="minor">
+              <a:schemeClr val="tx1"/>
+            </a:fontRef>
+          </p:style>
+        </p:cxnSp>
+      </p:grpSp>
+      <p:grpSp>
+        <p:nvGrpSpPr>
+          <p:cNvPr id="107" name="Group 106">
+            <a:extLst>
+              <a:ext uri="{FF2B5EF4-FFF2-40B4-BE49-F238E27FC236}">
+                <a16:creationId xmlns:a16="http://schemas.microsoft.com/office/drawing/2014/main" id="{447AEAFC-6940-4FDB-9014-F3F621EF0ADA}"/>
+              </a:ext>
+            </a:extLst>
+          </p:cNvPr>
+          <p:cNvGrpSpPr/>
+          <p:nvPr/>
+        </p:nvGrpSpPr>
+        <p:grpSpPr>
+          <a:xfrm>
+            <a:off x="2583292" y="1752027"/>
+            <a:ext cx="772914" cy="142537"/>
+            <a:chOff x="7132455" y="2899688"/>
+            <a:chExt cx="772914" cy="142537"/>
+          </a:xfrm>
+        </p:grpSpPr>
+        <p:sp>
+          <p:nvSpPr>
+            <p:cNvPr id="105" name="TextBox 104">
+              <a:extLst>
+                <a:ext uri="{FF2B5EF4-FFF2-40B4-BE49-F238E27FC236}">
+                  <a16:creationId xmlns:a16="http://schemas.microsoft.com/office/drawing/2014/main" id="{4558DD64-8F70-4DAC-ADF2-C0375204840F}"/>
+                </a:ext>
+              </a:extLst>
+            </p:cNvPr>
+            <p:cNvSpPr txBox="1"/>
+            <p:nvPr/>
+          </p:nvSpPr>
+          <p:spPr>
+            <a:xfrm>
+              <a:off x="7132455" y="2899688"/>
+              <a:ext cx="468000" cy="142537"/>
+            </a:xfrm>
+            <a:prstGeom prst="rect">
+              <a:avLst/>
+            </a:prstGeom>
+            <a:noFill/>
+          </p:spPr>
+          <p:txBody>
+            <a:bodyPr wrap="square" lIns="0" tIns="0" rIns="0" bIns="0" rtlCol="0" anchor="ctr">
+              <a:noAutofit/>
+            </a:bodyPr>
+            <a:lstStyle/>
+            <a:p>
+              <a:pPr algn="r">
+                <a:buClr>
+                  <a:schemeClr val="accent4"/>
+                </a:buClr>
+              </a:pPr>
+              <a:r>
+                <a:rPr lang="en-GB" sz="700" i="1" dirty="0">
+                  <a:solidFill>
+                    <a:schemeClr val="bg2">
+                      <a:lumMod val="90000"/>
+                    </a:schemeClr>
+                  </a:solidFill>
+                  <a:latin typeface="Raleway" pitchFamily="2" charset="0"/>
+                </a:rPr>
+                <a:t>Gross profit</a:t>
+              </a:r>
+              <a:endParaRPr lang="en-US" sz="700" i="1" dirty="0">
+                <a:solidFill>
+                  <a:schemeClr val="bg2">
+                    <a:lumMod val="90000"/>
+                  </a:schemeClr>
+                </a:solidFill>
+                <a:latin typeface="Raleway" pitchFamily="2" charset="0"/>
+              </a:endParaRPr>
+            </a:p>
+          </p:txBody>
+        </p:sp>
+        <p:cxnSp>
+          <p:nvCxnSpPr>
+            <p:cNvPr id="106" name="Straight Connector 105">
+              <a:extLst>
+                <a:ext uri="{FF2B5EF4-FFF2-40B4-BE49-F238E27FC236}">
+                  <a16:creationId xmlns:a16="http://schemas.microsoft.com/office/drawing/2014/main" id="{09240527-BA18-439F-92ED-7D657024A97A}"/>
+                </a:ext>
+              </a:extLst>
+            </p:cNvPr>
+            <p:cNvCxnSpPr>
+              <a:cxnSpLocks/>
+            </p:cNvCxnSpPr>
+            <p:nvPr/>
+          </p:nvCxnSpPr>
+          <p:spPr>
+            <a:xfrm>
+              <a:off x="7653369" y="2980721"/>
+              <a:ext cx="252000" cy="0"/>
+            </a:xfrm>
+            <a:prstGeom prst="line">
+              <a:avLst/>
+            </a:prstGeom>
+            <a:ln>
+              <a:solidFill>
+                <a:srgbClr val="14202E"/>
+              </a:solidFill>
+            </a:ln>
+          </p:spPr>
+          <p:style>
+            <a:lnRef idx="1">
+              <a:schemeClr val="accent1"/>
+            </a:lnRef>
+            <a:fillRef idx="0">
+              <a:schemeClr val="accent1"/>
+            </a:fillRef>
+            <a:effectRef idx="0">
+              <a:schemeClr val="accent1"/>
+            </a:effectRef>
+            <a:fontRef idx="minor">
+              <a:schemeClr val="tx1"/>
+            </a:fontRef>
+          </p:style>
+        </p:cxnSp>
+      </p:grpSp>
+      <p:sp>
+        <p:nvSpPr>
+          <p:cNvPr id="48" name="Rectangle 47">
+            <a:extLst>
+              <a:ext uri="{FF2B5EF4-FFF2-40B4-BE49-F238E27FC236}">
+                <a16:creationId xmlns:a16="http://schemas.microsoft.com/office/drawing/2014/main" id="{FC109E36-8260-4C84-B06A-BA1435959FB5}"/>
+              </a:ext>
+            </a:extLst>
+          </p:cNvPr>
+          <p:cNvSpPr/>
+          <p:nvPr/>
+        </p:nvSpPr>
+        <p:spPr>
+          <a:xfrm>
+            <a:off x="6214946" y="1360449"/>
+            <a:ext cx="2170771" cy="401444"/>
+          </a:xfrm>
+          <a:prstGeom prst="rect">
+            <a:avLst/>
+          </a:prstGeom>
+          <a:solidFill>
+            <a:schemeClr val="bg1"/>
+          </a:solidFill>
+        </p:spPr>
+        <p:style>
+          <a:lnRef idx="2">
+            <a:schemeClr val="accent1">
+              <a:shade val="50000"/>
+            </a:schemeClr>
+          </a:lnRef>
+          <a:fillRef idx="1">
+            <a:schemeClr val="accent1"/>
+          </a:fillRef>
+          <a:effectRef idx="0">
+            <a:schemeClr val="accent1"/>
+          </a:effectRef>
+          <a:fontRef idx="minor">
+            <a:schemeClr val="lt1"/>
+          </a:fontRef>
+        </p:style>
+        <p:txBody>
+          <a:bodyPr rtlCol="0" anchor="ctr"/>
+          <a:lstStyle/>
+          <a:p>
+            <a:pPr algn="ctr"/>
+            <a:r>
+              <a:rPr lang="en-GB" dirty="0">
+                <a:solidFill>
+                  <a:schemeClr val="tx1"/>
+                </a:solidFill>
+              </a:rPr>
+              <a:t>Key observations</a:t>
+            </a:r>
+            <a:endParaRPr lang="en-US" dirty="0">
+              <a:solidFill>
+                <a:schemeClr val="tx1"/>
+              </a:solidFill>
+            </a:endParaRPr>
+          </a:p>
+        </p:txBody>
+      </p:sp>
+      <p:sp>
+        <p:nvSpPr>
+          <p:cNvPr id="49" name="TextBox 48">
+            <a:extLst>
+              <a:ext uri="{FF2B5EF4-FFF2-40B4-BE49-F238E27FC236}">
+                <a16:creationId xmlns:a16="http://schemas.microsoft.com/office/drawing/2014/main" id="{6EE7161C-0164-4D0C-B5E5-609406DF852A}"/>
+              </a:ext>
+            </a:extLst>
+          </p:cNvPr>
+          <p:cNvSpPr txBox="1"/>
+          <p:nvPr/>
+        </p:nvSpPr>
+        <p:spPr>
+          <a:xfrm>
+            <a:off x="6399518" y="1761893"/>
+            <a:ext cx="2493708" cy="2375246"/>
+          </a:xfrm>
+          <a:prstGeom prst="rect">
+            <a:avLst/>
+          </a:prstGeom>
+          <a:noFill/>
+        </p:spPr>
+        <p:txBody>
+          <a:bodyPr wrap="square" lIns="180000" rtlCol="0" anchor="ctr">
+            <a:noAutofit/>
+          </a:bodyPr>
+          <a:lstStyle/>
+          <a:p>
+            <a:pPr marL="171450" indent="-171450">
+              <a:spcAft>
+                <a:spcPts val="600"/>
+              </a:spcAft>
+              <a:buClr>
+                <a:schemeClr val="accent4"/>
+              </a:buClr>
+              <a:buFont typeface="Wingdings" panose="05000000000000000000" pitchFamily="2" charset="2"/>
+              <a:buChar char="§"/>
+            </a:pPr>
+            <a:r>
+              <a:rPr lang="en-US" sz="900" b="1" dirty="0">
+                <a:solidFill>
+                  <a:schemeClr val="bg1"/>
+                </a:solidFill>
+                <a:latin typeface="Raleway" pitchFamily="2" charset="0"/>
+              </a:rPr>
+              <a:t>[]</a:t>
+            </a:r>
+          </a:p>
+        </p:txBody>
+      </p:sp>
+    </p:spTree>
+    <p:extLst>
+      <p:ext uri="{BB962C8B-B14F-4D97-AF65-F5344CB8AC3E}">
+        <p14:creationId xmlns:p14="http://schemas.microsoft.com/office/powerpoint/2010/main" val="2794488117"/>
+      </p:ext>
+    </p:extLst>
+  </p:cSld>
+  <p:clrMapOvr>
+    <a:masterClrMapping/>
+  </p:clrMapOvr>
+</p:sld>
+</file>
+
+<file path=ppt/slides/slide6.xml><?xml version="1.0" encoding="utf-8"?>
+<p:sld xmlns:a="http://schemas.openxmlformats.org/drawingml/2006/main" xmlns:r="http://schemas.openxmlformats.org/officeDocument/2006/relationships" xmlns:p="http://schemas.openxmlformats.org/presentationml/2006/main">
+  <p:cSld>
+    <p:spTree>
+      <p:nvGrpSpPr>
+        <p:cNvPr id="1" name=""/>
+        <p:cNvGrpSpPr/>
+        <p:nvPr/>
+      </p:nvGrpSpPr>
+      <p:grpSpPr>
+        <a:xfrm>
+          <a:off x="0" y="0"/>
+          <a:ext cx="0" cy="0"/>
+          <a:chOff x="0" y="0"/>
+          <a:chExt cx="0" cy="0"/>
+        </a:xfrm>
+      </p:grpSpPr>
+      <p:sp>
+        <p:nvSpPr>
           <p:cNvPr id="19" name="Rectangle 18">
             <a:extLst>
               <a:ext uri="{FF2B5EF4-FFF2-40B4-BE49-F238E27FC236}">
@@ -39065,7 +40070,7 @@
             <a:fld id="{E85636DE-6ACF-4BDB-A4D6-3D15C7F77F13}" type="datetime1">
               <a:rPr lang="en-US" smtClean="0"/>
               <a:pPr/>
-              <a:t>25.08.2024</a:t>
+              <a:t>30.09.2024</a:t>
             </a:fld>
             <a:endParaRPr lang="en-US"/>
           </a:p>
@@ -39123,7 +40128,7 @@
             <a:fld id="{5CFE2FC4-82A9-4537-BFBD-B15ACB0E3BE3}" type="slidenum">
               <a:rPr lang="en-US" smtClean="0"/>
               <a:pPr/>
-              <a:t>5</a:t>
+              <a:t>6</a:t>
             </a:fld>
             <a:endParaRPr lang="en-US" dirty="0"/>
           </a:p>
@@ -39375,7 +40380,7 @@
           <p:nvPr>
             <p:extLst>
               <p:ext uri="{D42A27DB-BD31-4B8C-83A1-F6EECF244321}">
-                <p14:modId xmlns:p14="http://schemas.microsoft.com/office/powerpoint/2010/main" val="869703227"/>
+                <p14:modId xmlns:p14="http://schemas.microsoft.com/office/powerpoint/2010/main" val="3131827634"/>
               </p:ext>
             </p:extLst>
           </p:nvPr>
@@ -39825,7 +40830,7 @@
           <p:nvPr>
             <p:extLst>
               <p:ext uri="{D42A27DB-BD31-4B8C-83A1-F6EECF244321}">
-                <p14:modId xmlns:p14="http://schemas.microsoft.com/office/powerpoint/2010/main" val="1527539478"/>
+                <p14:modId xmlns:p14="http://schemas.microsoft.com/office/powerpoint/2010/main" val="522880205"/>
               </p:ext>
             </p:extLst>
           </p:nvPr>
@@ -39853,7 +40858,7 @@
           <p:nvPr>
             <p:extLst>
               <p:ext uri="{D42A27DB-BD31-4B8C-83A1-F6EECF244321}">
-                <p14:modId xmlns:p14="http://schemas.microsoft.com/office/powerpoint/2010/main" val="3135099928"/>
+                <p14:modId xmlns:p14="http://schemas.microsoft.com/office/powerpoint/2010/main" val="1209507960"/>
               </p:ext>
             </p:extLst>
           </p:nvPr>
@@ -39881,7 +40886,7 @@
           <p:nvPr>
             <p:extLst>
               <p:ext uri="{D42A27DB-BD31-4B8C-83A1-F6EECF244321}">
-                <p14:modId xmlns:p14="http://schemas.microsoft.com/office/powerpoint/2010/main" val="4045087574"/>
+                <p14:modId xmlns:p14="http://schemas.microsoft.com/office/powerpoint/2010/main" val="1652888252"/>
               </p:ext>
             </p:extLst>
           </p:nvPr>
@@ -40206,7 +41211,7 @@
           <p:nvPr>
             <p:extLst>
               <p:ext uri="{D42A27DB-BD31-4B8C-83A1-F6EECF244321}">
-                <p14:modId xmlns:p14="http://schemas.microsoft.com/office/powerpoint/2010/main" val="935274729"/>
+                <p14:modId xmlns:p14="http://schemas.microsoft.com/office/powerpoint/2010/main" val="2099171766"/>
               </p:ext>
             </p:extLst>
           </p:nvPr>
@@ -40225,975 +41230,6 @@
     <p:extLst>
       <p:ext uri="{BB962C8B-B14F-4D97-AF65-F5344CB8AC3E}">
         <p14:creationId xmlns:p14="http://schemas.microsoft.com/office/powerpoint/2010/main" val="2364469697"/>
-      </p:ext>
-    </p:extLst>
-  </p:cSld>
-  <p:clrMapOvr>
-    <a:masterClrMapping/>
-  </p:clrMapOvr>
-</p:sld>
-</file>
-
-<file path=ppt/slides/slide6.xml><?xml version="1.0" encoding="utf-8"?>
-<p:sld xmlns:a="http://schemas.openxmlformats.org/drawingml/2006/main" xmlns:r="http://schemas.openxmlformats.org/officeDocument/2006/relationships" xmlns:p="http://schemas.openxmlformats.org/presentationml/2006/main">
-  <p:cSld>
-    <p:spTree>
-      <p:nvGrpSpPr>
-        <p:cNvPr id="1" name=""/>
-        <p:cNvGrpSpPr/>
-        <p:nvPr/>
-      </p:nvGrpSpPr>
-      <p:grpSpPr>
-        <a:xfrm>
-          <a:off x="0" y="0"/>
-          <a:ext cx="0" cy="0"/>
-          <a:chOff x="0" y="0"/>
-          <a:chExt cx="0" cy="0"/>
-        </a:xfrm>
-      </p:grpSpPr>
-      <p:sp>
-        <p:nvSpPr>
-          <p:cNvPr id="2" name="Date Placeholder 1">
-            <a:extLst>
-              <a:ext uri="{FF2B5EF4-FFF2-40B4-BE49-F238E27FC236}">
-                <a16:creationId xmlns:a16="http://schemas.microsoft.com/office/drawing/2014/main" id="{3A9CF878-0B5E-47F0-92E6-10FEDAF4D305}"/>
-              </a:ext>
-            </a:extLst>
-          </p:cNvPr>
-          <p:cNvSpPr>
-            <a:spLocks noGrp="1"/>
-          </p:cNvSpPr>
-          <p:nvPr>
-            <p:ph type="dt" sz="half" idx="10"/>
-          </p:nvPr>
-        </p:nvSpPr>
-        <p:spPr/>
-        <p:txBody>
-          <a:bodyPr/>
-          <a:lstStyle/>
-          <a:p>
-            <a:fld id="{E85636DE-6ACF-4BDB-A4D6-3D15C7F77F13}" type="datetime1">
-              <a:rPr lang="en-US" smtClean="0"/>
-              <a:pPr/>
-              <a:t>25.08.2024</a:t>
-            </a:fld>
-            <a:endParaRPr lang="en-US"/>
-          </a:p>
-        </p:txBody>
-      </p:sp>
-      <p:sp>
-        <p:nvSpPr>
-          <p:cNvPr id="3" name="Footer Placeholder 2">
-            <a:extLst>
-              <a:ext uri="{FF2B5EF4-FFF2-40B4-BE49-F238E27FC236}">
-                <a16:creationId xmlns:a16="http://schemas.microsoft.com/office/drawing/2014/main" id="{FA45D7AC-BA2F-43E0-909A-9ACF738A1E84}"/>
-              </a:ext>
-            </a:extLst>
-          </p:cNvPr>
-          <p:cNvSpPr>
-            <a:spLocks noGrp="1"/>
-          </p:cNvSpPr>
-          <p:nvPr>
-            <p:ph type="ftr" sz="quarter" idx="11"/>
-          </p:nvPr>
-        </p:nvSpPr>
-        <p:spPr/>
-        <p:txBody>
-          <a:bodyPr/>
-          <a:lstStyle/>
-          <a:p>
-            <a:r>
-              <a:rPr lang="en-US"/>
-              <a:t>Aleksei Shvetsov</a:t>
-            </a:r>
-          </a:p>
-        </p:txBody>
-      </p:sp>
-      <p:sp>
-        <p:nvSpPr>
-          <p:cNvPr id="4" name="Slide Number Placeholder 3">
-            <a:extLst>
-              <a:ext uri="{FF2B5EF4-FFF2-40B4-BE49-F238E27FC236}">
-                <a16:creationId xmlns:a16="http://schemas.microsoft.com/office/drawing/2014/main" id="{8A5A1AF7-5556-4C55-9F49-EE926A1BA5A1}"/>
-              </a:ext>
-            </a:extLst>
-          </p:cNvPr>
-          <p:cNvSpPr>
-            <a:spLocks noGrp="1"/>
-          </p:cNvSpPr>
-          <p:nvPr>
-            <p:ph type="sldNum" sz="quarter" idx="12"/>
-          </p:nvPr>
-        </p:nvSpPr>
-        <p:spPr/>
-        <p:txBody>
-          <a:bodyPr/>
-          <a:lstStyle/>
-          <a:p>
-            <a:fld id="{5CFE2FC4-82A9-4537-BFBD-B15ACB0E3BE3}" type="slidenum">
-              <a:rPr lang="en-US" smtClean="0"/>
-              <a:pPr/>
-              <a:t>6</a:t>
-            </a:fld>
-            <a:endParaRPr lang="en-US" dirty="0"/>
-          </a:p>
-        </p:txBody>
-      </p:sp>
-      <p:sp>
-        <p:nvSpPr>
-          <p:cNvPr id="5" name="Text Placeholder 4">
-            <a:extLst>
-              <a:ext uri="{FF2B5EF4-FFF2-40B4-BE49-F238E27FC236}">
-                <a16:creationId xmlns:a16="http://schemas.microsoft.com/office/drawing/2014/main" id="{921AFF0B-300F-4518-A88E-DA07C4E91309}"/>
-              </a:ext>
-            </a:extLst>
-          </p:cNvPr>
-          <p:cNvSpPr>
-            <a:spLocks noGrp="1"/>
-          </p:cNvSpPr>
-          <p:nvPr>
-            <p:ph type="body" sz="quarter" idx="13"/>
-          </p:nvPr>
-        </p:nvSpPr>
-        <p:spPr/>
-        <p:txBody>
-          <a:bodyPr/>
-          <a:lstStyle/>
-          <a:p>
-            <a:r>
-              <a:rPr lang="en-GB" dirty="0"/>
-              <a:t>Adobe Systems</a:t>
-            </a:r>
-            <a:endParaRPr lang="en-US" dirty="0"/>
-          </a:p>
-        </p:txBody>
-      </p:sp>
-      <p:sp>
-        <p:nvSpPr>
-          <p:cNvPr id="6" name="Text Placeholder 5">
-            <a:extLst>
-              <a:ext uri="{FF2B5EF4-FFF2-40B4-BE49-F238E27FC236}">
-                <a16:creationId xmlns:a16="http://schemas.microsoft.com/office/drawing/2014/main" id="{0C97992E-FA0B-4B8F-8883-8D3C1A79F800}"/>
-              </a:ext>
-            </a:extLst>
-          </p:cNvPr>
-          <p:cNvSpPr>
-            <a:spLocks noGrp="1"/>
-          </p:cNvSpPr>
-          <p:nvPr>
-            <p:ph type="body" sz="quarter" idx="14"/>
-          </p:nvPr>
-        </p:nvSpPr>
-        <p:spPr/>
-        <p:txBody>
-          <a:bodyPr/>
-          <a:lstStyle/>
-          <a:p>
-            <a:r>
-              <a:rPr lang="en-GB" dirty="0"/>
-              <a:t>Sources: FMP, Chat GPT</a:t>
-            </a:r>
-            <a:endParaRPr lang="en-US" dirty="0"/>
-          </a:p>
-        </p:txBody>
-      </p:sp>
-      <p:sp>
-        <p:nvSpPr>
-          <p:cNvPr id="7" name="Text Placeholder 6">
-            <a:extLst>
-              <a:ext uri="{FF2B5EF4-FFF2-40B4-BE49-F238E27FC236}">
-                <a16:creationId xmlns:a16="http://schemas.microsoft.com/office/drawing/2014/main" id="{90B4C66D-18D4-44E7-9403-66FCAFCFEE5B}"/>
-              </a:ext>
-            </a:extLst>
-          </p:cNvPr>
-          <p:cNvSpPr>
-            <a:spLocks noGrp="1"/>
-          </p:cNvSpPr>
-          <p:nvPr>
-            <p:ph type="body" sz="quarter" idx="15"/>
-          </p:nvPr>
-        </p:nvSpPr>
-        <p:spPr/>
-        <p:txBody>
-          <a:bodyPr/>
-          <a:lstStyle/>
-          <a:p>
-            <a:endParaRPr lang="en-US"/>
-          </a:p>
-        </p:txBody>
-      </p:sp>
-      <p:sp>
-        <p:nvSpPr>
-          <p:cNvPr id="8" name="Title 7">
-            <a:extLst>
-              <a:ext uri="{FF2B5EF4-FFF2-40B4-BE49-F238E27FC236}">
-                <a16:creationId xmlns:a16="http://schemas.microsoft.com/office/drawing/2014/main" id="{767F19EF-3E98-4911-A9AB-0275C3E3181C}"/>
-              </a:ext>
-            </a:extLst>
-          </p:cNvPr>
-          <p:cNvSpPr>
-            <a:spLocks noGrp="1"/>
-          </p:cNvSpPr>
-          <p:nvPr>
-            <p:ph type="title"/>
-          </p:nvPr>
-        </p:nvSpPr>
-        <p:spPr/>
-        <p:txBody>
-          <a:bodyPr/>
-          <a:lstStyle/>
-          <a:p>
-            <a:r>
-              <a:rPr lang="en-GB" dirty="0"/>
-              <a:t>Operational efficiency</a:t>
-            </a:r>
-          </a:p>
-        </p:txBody>
-      </p:sp>
-      <p:grpSp>
-        <p:nvGrpSpPr>
-          <p:cNvPr id="35" name="Group 34">
-            <a:extLst>
-              <a:ext uri="{FF2B5EF4-FFF2-40B4-BE49-F238E27FC236}">
-                <a16:creationId xmlns:a16="http://schemas.microsoft.com/office/drawing/2014/main" id="{EC50C629-35F6-4E7F-8C58-0DCC7EDB4320}"/>
-              </a:ext>
-            </a:extLst>
-          </p:cNvPr>
-          <p:cNvGrpSpPr/>
-          <p:nvPr/>
-        </p:nvGrpSpPr>
-        <p:grpSpPr>
-          <a:xfrm>
-            <a:off x="247679" y="1172932"/>
-            <a:ext cx="3312000" cy="392076"/>
-            <a:chOff x="247679" y="1172932"/>
-            <a:chExt cx="3312000" cy="392076"/>
-          </a:xfrm>
-        </p:grpSpPr>
-        <p:sp>
-          <p:nvSpPr>
-            <p:cNvPr id="13" name="TextBox 12">
-              <a:extLst>
-                <a:ext uri="{FF2B5EF4-FFF2-40B4-BE49-F238E27FC236}">
-                  <a16:creationId xmlns:a16="http://schemas.microsoft.com/office/drawing/2014/main" id="{F61BFAC9-4322-492F-BDAF-1F1693FCD944}"/>
-                </a:ext>
-              </a:extLst>
-            </p:cNvPr>
-            <p:cNvSpPr txBox="1"/>
-            <p:nvPr/>
-          </p:nvSpPr>
-          <p:spPr>
-            <a:xfrm>
-              <a:off x="247679" y="1172932"/>
-              <a:ext cx="3312000" cy="288000"/>
-            </a:xfrm>
-            <a:prstGeom prst="rect">
-              <a:avLst/>
-            </a:prstGeom>
-            <a:noFill/>
-          </p:spPr>
-          <p:txBody>
-            <a:bodyPr wrap="square" rtlCol="0">
-              <a:noAutofit/>
-            </a:bodyPr>
-            <a:lstStyle/>
-            <a:p>
-              <a:pPr>
-                <a:buClr>
-                  <a:schemeClr val="accent4"/>
-                </a:buClr>
-              </a:pPr>
-              <a:r>
-                <a:rPr lang="en-GB" sz="1100" dirty="0">
-                  <a:latin typeface="Raleway" pitchFamily="2" charset="0"/>
-                </a:rPr>
-                <a:t>Profitability margins</a:t>
-              </a:r>
-            </a:p>
-            <a:p>
-              <a:pPr>
-                <a:buClr>
-                  <a:schemeClr val="accent4"/>
-                </a:buClr>
-              </a:pPr>
-              <a:r>
-                <a:rPr lang="en-GB" sz="900" i="1" baseline="-25000" dirty="0">
-                  <a:latin typeface="Raleway" pitchFamily="2" charset="0"/>
-                </a:rPr>
-                <a:t>(%</a:t>
-              </a:r>
-              <a:r>
-                <a:rPr lang="en-US" sz="900" i="1" baseline="-25000" dirty="0">
-                  <a:latin typeface="Raleway" pitchFamily="2" charset="0"/>
-                </a:rPr>
-                <a:t>)</a:t>
-              </a:r>
-            </a:p>
-          </p:txBody>
-        </p:sp>
-        <p:cxnSp>
-          <p:nvCxnSpPr>
-            <p:cNvPr id="14" name="Straight Connector 13">
-              <a:extLst>
-                <a:ext uri="{FF2B5EF4-FFF2-40B4-BE49-F238E27FC236}">
-                  <a16:creationId xmlns:a16="http://schemas.microsoft.com/office/drawing/2014/main" id="{96F328A4-707D-4D30-85A0-BD6082083806}"/>
-                </a:ext>
-              </a:extLst>
-            </p:cNvPr>
-            <p:cNvCxnSpPr>
-              <a:cxnSpLocks/>
-            </p:cNvCxnSpPr>
-            <p:nvPr/>
-          </p:nvCxnSpPr>
-          <p:spPr>
-            <a:xfrm>
-              <a:off x="247679" y="1565008"/>
-              <a:ext cx="2880000" cy="0"/>
-            </a:xfrm>
-            <a:prstGeom prst="line">
-              <a:avLst/>
-            </a:prstGeom>
-            <a:ln w="3175">
-              <a:solidFill>
-                <a:schemeClr val="tx1"/>
-              </a:solidFill>
-            </a:ln>
-          </p:spPr>
-          <p:style>
-            <a:lnRef idx="1">
-              <a:schemeClr val="accent1"/>
-            </a:lnRef>
-            <a:fillRef idx="0">
-              <a:schemeClr val="accent1"/>
-            </a:fillRef>
-            <a:effectRef idx="0">
-              <a:schemeClr val="accent1"/>
-            </a:effectRef>
-            <a:fontRef idx="minor">
-              <a:schemeClr val="tx1"/>
-            </a:fontRef>
-          </p:style>
-        </p:cxnSp>
-      </p:grpSp>
-      <p:graphicFrame>
-        <p:nvGraphicFramePr>
-          <p:cNvPr id="90" name="Chart 89">
-            <a:extLst>
-              <a:ext uri="{FF2B5EF4-FFF2-40B4-BE49-F238E27FC236}">
-                <a16:creationId xmlns:a16="http://schemas.microsoft.com/office/drawing/2014/main" id="{0BDDC4A2-ADE8-4B29-8A51-D4A760B80BF7}"/>
-              </a:ext>
-            </a:extLst>
-          </p:cNvPr>
-          <p:cNvGraphicFramePr/>
-          <p:nvPr>
-            <p:extLst>
-              <p:ext uri="{D42A27DB-BD31-4B8C-83A1-F6EECF244321}">
-                <p14:modId xmlns:p14="http://schemas.microsoft.com/office/powerpoint/2010/main" val="2961029519"/>
-              </p:ext>
-            </p:extLst>
-          </p:nvPr>
-        </p:nvGraphicFramePr>
-        <p:xfrm>
-          <a:off x="247679" y="1719219"/>
-          <a:ext cx="5684770" cy="2403005"/>
-        </p:xfrm>
-        <a:graphic>
-          <a:graphicData uri="http://schemas.openxmlformats.org/drawingml/2006/chart">
-            <c:chart xmlns:c="http://schemas.openxmlformats.org/drawingml/2006/chart" xmlns:r="http://schemas.openxmlformats.org/officeDocument/2006/relationships" r:id="rId2"/>
-          </a:graphicData>
-        </a:graphic>
-      </p:graphicFrame>
-      <p:grpSp>
-        <p:nvGrpSpPr>
-          <p:cNvPr id="109" name="Group 108">
-            <a:extLst>
-              <a:ext uri="{FF2B5EF4-FFF2-40B4-BE49-F238E27FC236}">
-                <a16:creationId xmlns:a16="http://schemas.microsoft.com/office/drawing/2014/main" id="{0CFB0369-F18A-40EF-A859-E0BF481AEB87}"/>
-              </a:ext>
-            </a:extLst>
-          </p:cNvPr>
-          <p:cNvGrpSpPr/>
-          <p:nvPr/>
-        </p:nvGrpSpPr>
-        <p:grpSpPr>
-          <a:xfrm>
-            <a:off x="3370438" y="1752027"/>
-            <a:ext cx="764739" cy="142537"/>
-            <a:chOff x="7991991" y="2899689"/>
-            <a:chExt cx="764739" cy="142537"/>
-          </a:xfrm>
-        </p:grpSpPr>
-        <p:sp>
-          <p:nvSpPr>
-            <p:cNvPr id="94" name="TextBox 93">
-              <a:extLst>
-                <a:ext uri="{FF2B5EF4-FFF2-40B4-BE49-F238E27FC236}">
-                  <a16:creationId xmlns:a16="http://schemas.microsoft.com/office/drawing/2014/main" id="{6605D3F4-CF9D-4E82-8D8D-606B61527882}"/>
-                </a:ext>
-              </a:extLst>
-            </p:cNvPr>
-            <p:cNvSpPr txBox="1"/>
-            <p:nvPr/>
-          </p:nvSpPr>
-          <p:spPr>
-            <a:xfrm>
-              <a:off x="7991991" y="2899689"/>
-              <a:ext cx="504000" cy="142537"/>
-            </a:xfrm>
-            <a:prstGeom prst="rect">
-              <a:avLst/>
-            </a:prstGeom>
-            <a:noFill/>
-          </p:spPr>
-          <p:txBody>
-            <a:bodyPr wrap="square" lIns="0" tIns="0" rIns="0" bIns="0" rtlCol="0" anchor="ctr">
-              <a:noAutofit/>
-            </a:bodyPr>
-            <a:lstStyle/>
-            <a:p>
-              <a:pPr algn="r">
-                <a:buClr>
-                  <a:schemeClr val="accent4"/>
-                </a:buClr>
-              </a:pPr>
-              <a:r>
-                <a:rPr lang="en-GB" sz="700" i="1" dirty="0">
-                  <a:solidFill>
-                    <a:schemeClr val="bg2">
-                      <a:lumMod val="90000"/>
-                    </a:schemeClr>
-                  </a:solidFill>
-                  <a:latin typeface="Raleway" pitchFamily="2" charset="0"/>
-                </a:rPr>
-                <a:t>EBITDA</a:t>
-              </a:r>
-              <a:endParaRPr lang="en-US" sz="700" i="1" dirty="0">
-                <a:solidFill>
-                  <a:schemeClr val="bg2">
-                    <a:lumMod val="90000"/>
-                  </a:schemeClr>
-                </a:solidFill>
-                <a:latin typeface="Raleway" pitchFamily="2" charset="0"/>
-              </a:endParaRPr>
-            </a:p>
-          </p:txBody>
-        </p:sp>
-        <p:cxnSp>
-          <p:nvCxnSpPr>
-            <p:cNvPr id="96" name="Straight Connector 95">
-              <a:extLst>
-                <a:ext uri="{FF2B5EF4-FFF2-40B4-BE49-F238E27FC236}">
-                  <a16:creationId xmlns:a16="http://schemas.microsoft.com/office/drawing/2014/main" id="{9DC7DF38-42D2-47A4-8F7C-1F8916928091}"/>
-                </a:ext>
-              </a:extLst>
-            </p:cNvPr>
-            <p:cNvCxnSpPr>
-              <a:cxnSpLocks/>
-            </p:cNvCxnSpPr>
-            <p:nvPr/>
-          </p:nvCxnSpPr>
-          <p:spPr>
-            <a:xfrm>
-              <a:off x="8536230" y="2970958"/>
-              <a:ext cx="220500" cy="0"/>
-            </a:xfrm>
-            <a:prstGeom prst="line">
-              <a:avLst/>
-            </a:prstGeom>
-            <a:ln>
-              <a:solidFill>
-                <a:srgbClr val="14202E"/>
-              </a:solidFill>
-            </a:ln>
-          </p:spPr>
-          <p:style>
-            <a:lnRef idx="1">
-              <a:schemeClr val="accent1"/>
-            </a:lnRef>
-            <a:fillRef idx="0">
-              <a:schemeClr val="accent1"/>
-            </a:fillRef>
-            <a:effectRef idx="0">
-              <a:schemeClr val="accent1"/>
-            </a:effectRef>
-            <a:fontRef idx="minor">
-              <a:schemeClr val="tx1"/>
-            </a:fontRef>
-          </p:style>
-        </p:cxnSp>
-      </p:grpSp>
-      <p:grpSp>
-        <p:nvGrpSpPr>
-          <p:cNvPr id="108" name="Group 107">
-            <a:extLst>
-              <a:ext uri="{FF2B5EF4-FFF2-40B4-BE49-F238E27FC236}">
-                <a16:creationId xmlns:a16="http://schemas.microsoft.com/office/drawing/2014/main" id="{23FAA291-E0E8-41D9-A8A3-F0B9320E7825}"/>
-              </a:ext>
-            </a:extLst>
-          </p:cNvPr>
-          <p:cNvGrpSpPr/>
-          <p:nvPr/>
-        </p:nvGrpSpPr>
-        <p:grpSpPr>
-          <a:xfrm>
-            <a:off x="2583292" y="1891290"/>
-            <a:ext cx="772914" cy="142537"/>
-            <a:chOff x="7132455" y="3027667"/>
-            <a:chExt cx="772914" cy="142537"/>
-          </a:xfrm>
-        </p:grpSpPr>
-        <p:sp>
-          <p:nvSpPr>
-            <p:cNvPr id="99" name="TextBox 98">
-              <a:extLst>
-                <a:ext uri="{FF2B5EF4-FFF2-40B4-BE49-F238E27FC236}">
-                  <a16:creationId xmlns:a16="http://schemas.microsoft.com/office/drawing/2014/main" id="{8B325C5D-E063-4E76-957D-61EA398B9529}"/>
-                </a:ext>
-              </a:extLst>
-            </p:cNvPr>
-            <p:cNvSpPr txBox="1"/>
-            <p:nvPr/>
-          </p:nvSpPr>
-          <p:spPr>
-            <a:xfrm>
-              <a:off x="7132455" y="3027667"/>
-              <a:ext cx="468000" cy="142537"/>
-            </a:xfrm>
-            <a:prstGeom prst="rect">
-              <a:avLst/>
-            </a:prstGeom>
-            <a:noFill/>
-          </p:spPr>
-          <p:txBody>
-            <a:bodyPr wrap="square" lIns="0" tIns="0" rIns="0" bIns="0" rtlCol="0" anchor="ctr">
-              <a:noAutofit/>
-            </a:bodyPr>
-            <a:lstStyle/>
-            <a:p>
-              <a:pPr algn="r">
-                <a:buClr>
-                  <a:schemeClr val="accent4"/>
-                </a:buClr>
-              </a:pPr>
-              <a:r>
-                <a:rPr lang="en-GB" sz="700" i="1" dirty="0">
-                  <a:solidFill>
-                    <a:schemeClr val="bg2">
-                      <a:lumMod val="90000"/>
-                    </a:schemeClr>
-                  </a:solidFill>
-                  <a:latin typeface="Raleway" pitchFamily="2" charset="0"/>
-                </a:rPr>
-                <a:t>EBIT</a:t>
-              </a:r>
-              <a:endParaRPr lang="en-US" sz="700" i="1" dirty="0">
-                <a:solidFill>
-                  <a:schemeClr val="bg2">
-                    <a:lumMod val="90000"/>
-                  </a:schemeClr>
-                </a:solidFill>
-                <a:latin typeface="Raleway" pitchFamily="2" charset="0"/>
-              </a:endParaRPr>
-            </a:p>
-          </p:txBody>
-        </p:sp>
-        <p:cxnSp>
-          <p:nvCxnSpPr>
-            <p:cNvPr id="100" name="Straight Connector 99">
-              <a:extLst>
-                <a:ext uri="{FF2B5EF4-FFF2-40B4-BE49-F238E27FC236}">
-                  <a16:creationId xmlns:a16="http://schemas.microsoft.com/office/drawing/2014/main" id="{219EE817-8542-449E-B8E4-A0BDB7C3A9E5}"/>
-                </a:ext>
-              </a:extLst>
-            </p:cNvPr>
-            <p:cNvCxnSpPr>
-              <a:cxnSpLocks/>
-            </p:cNvCxnSpPr>
-            <p:nvPr/>
-          </p:nvCxnSpPr>
-          <p:spPr>
-            <a:xfrm>
-              <a:off x="7653369" y="3098936"/>
-              <a:ext cx="252000" cy="0"/>
-            </a:xfrm>
-            <a:prstGeom prst="line">
-              <a:avLst/>
-            </a:prstGeom>
-            <a:ln>
-              <a:solidFill>
-                <a:srgbClr val="14202E"/>
-              </a:solidFill>
-            </a:ln>
-          </p:spPr>
-          <p:style>
-            <a:lnRef idx="1">
-              <a:schemeClr val="accent1"/>
-            </a:lnRef>
-            <a:fillRef idx="0">
-              <a:schemeClr val="accent1"/>
-            </a:fillRef>
-            <a:effectRef idx="0">
-              <a:schemeClr val="accent1"/>
-            </a:effectRef>
-            <a:fontRef idx="minor">
-              <a:schemeClr val="tx1"/>
-            </a:fontRef>
-          </p:style>
-        </p:cxnSp>
-      </p:grpSp>
-      <p:grpSp>
-        <p:nvGrpSpPr>
-          <p:cNvPr id="110" name="Group 109">
-            <a:extLst>
-              <a:ext uri="{FF2B5EF4-FFF2-40B4-BE49-F238E27FC236}">
-                <a16:creationId xmlns:a16="http://schemas.microsoft.com/office/drawing/2014/main" id="{6A2346B8-60EC-41D1-94E7-4AC68D1467F5}"/>
-              </a:ext>
-            </a:extLst>
-          </p:cNvPr>
-          <p:cNvGrpSpPr/>
-          <p:nvPr/>
-        </p:nvGrpSpPr>
-        <p:grpSpPr>
-          <a:xfrm>
-            <a:off x="3370438" y="1891290"/>
-            <a:ext cx="764739" cy="142537"/>
-            <a:chOff x="7991991" y="3038952"/>
-            <a:chExt cx="764739" cy="142537"/>
-          </a:xfrm>
-        </p:grpSpPr>
-        <p:sp>
-          <p:nvSpPr>
-            <p:cNvPr id="102" name="TextBox 101">
-              <a:extLst>
-                <a:ext uri="{FF2B5EF4-FFF2-40B4-BE49-F238E27FC236}">
-                  <a16:creationId xmlns:a16="http://schemas.microsoft.com/office/drawing/2014/main" id="{F9445727-867D-4FD2-814F-F8E83B657F14}"/>
-                </a:ext>
-              </a:extLst>
-            </p:cNvPr>
-            <p:cNvSpPr txBox="1"/>
-            <p:nvPr/>
-          </p:nvSpPr>
-          <p:spPr>
-            <a:xfrm>
-              <a:off x="7991991" y="3038952"/>
-              <a:ext cx="504000" cy="142537"/>
-            </a:xfrm>
-            <a:prstGeom prst="rect">
-              <a:avLst/>
-            </a:prstGeom>
-            <a:noFill/>
-          </p:spPr>
-          <p:txBody>
-            <a:bodyPr wrap="square" lIns="0" tIns="0" rIns="0" bIns="0" rtlCol="0" anchor="ctr">
-              <a:noAutofit/>
-            </a:bodyPr>
-            <a:lstStyle/>
-            <a:p>
-              <a:pPr algn="r">
-                <a:buClr>
-                  <a:schemeClr val="accent4"/>
-                </a:buClr>
-              </a:pPr>
-              <a:r>
-                <a:rPr lang="en-GB" sz="700" i="1" dirty="0">
-                  <a:solidFill>
-                    <a:schemeClr val="bg2">
-                      <a:lumMod val="90000"/>
-                    </a:schemeClr>
-                  </a:solidFill>
-                  <a:latin typeface="Raleway" pitchFamily="2" charset="0"/>
-                </a:rPr>
-                <a:t>Net income</a:t>
-              </a:r>
-              <a:endParaRPr lang="en-US" sz="700" i="1" dirty="0">
-                <a:solidFill>
-                  <a:schemeClr val="bg2">
-                    <a:lumMod val="90000"/>
-                  </a:schemeClr>
-                </a:solidFill>
-                <a:latin typeface="Raleway" pitchFamily="2" charset="0"/>
-              </a:endParaRPr>
-            </a:p>
-          </p:txBody>
-        </p:sp>
-        <p:cxnSp>
-          <p:nvCxnSpPr>
-            <p:cNvPr id="103" name="Straight Connector 102">
-              <a:extLst>
-                <a:ext uri="{FF2B5EF4-FFF2-40B4-BE49-F238E27FC236}">
-                  <a16:creationId xmlns:a16="http://schemas.microsoft.com/office/drawing/2014/main" id="{667AD30A-820D-4AC9-9E02-DAA7BF2E4E6B}"/>
-                </a:ext>
-              </a:extLst>
-            </p:cNvPr>
-            <p:cNvCxnSpPr>
-              <a:cxnSpLocks/>
-            </p:cNvCxnSpPr>
-            <p:nvPr/>
-          </p:nvCxnSpPr>
-          <p:spPr>
-            <a:xfrm>
-              <a:off x="8536230" y="3110221"/>
-              <a:ext cx="220500" cy="0"/>
-            </a:xfrm>
-            <a:prstGeom prst="line">
-              <a:avLst/>
-            </a:prstGeom>
-            <a:ln>
-              <a:solidFill>
-                <a:srgbClr val="14202E"/>
-              </a:solidFill>
-            </a:ln>
-          </p:spPr>
-          <p:style>
-            <a:lnRef idx="1">
-              <a:schemeClr val="accent1"/>
-            </a:lnRef>
-            <a:fillRef idx="0">
-              <a:schemeClr val="accent1"/>
-            </a:fillRef>
-            <a:effectRef idx="0">
-              <a:schemeClr val="accent1"/>
-            </a:effectRef>
-            <a:fontRef idx="minor">
-              <a:schemeClr val="tx1"/>
-            </a:fontRef>
-          </p:style>
-        </p:cxnSp>
-      </p:grpSp>
-      <p:grpSp>
-        <p:nvGrpSpPr>
-          <p:cNvPr id="107" name="Group 106">
-            <a:extLst>
-              <a:ext uri="{FF2B5EF4-FFF2-40B4-BE49-F238E27FC236}">
-                <a16:creationId xmlns:a16="http://schemas.microsoft.com/office/drawing/2014/main" id="{447AEAFC-6940-4FDB-9014-F3F621EF0ADA}"/>
-              </a:ext>
-            </a:extLst>
-          </p:cNvPr>
-          <p:cNvGrpSpPr/>
-          <p:nvPr/>
-        </p:nvGrpSpPr>
-        <p:grpSpPr>
-          <a:xfrm>
-            <a:off x="2583292" y="1752027"/>
-            <a:ext cx="772914" cy="142537"/>
-            <a:chOff x="7132455" y="2899688"/>
-            <a:chExt cx="772914" cy="142537"/>
-          </a:xfrm>
-        </p:grpSpPr>
-        <p:sp>
-          <p:nvSpPr>
-            <p:cNvPr id="105" name="TextBox 104">
-              <a:extLst>
-                <a:ext uri="{FF2B5EF4-FFF2-40B4-BE49-F238E27FC236}">
-                  <a16:creationId xmlns:a16="http://schemas.microsoft.com/office/drawing/2014/main" id="{4558DD64-8F70-4DAC-ADF2-C0375204840F}"/>
-                </a:ext>
-              </a:extLst>
-            </p:cNvPr>
-            <p:cNvSpPr txBox="1"/>
-            <p:nvPr/>
-          </p:nvSpPr>
-          <p:spPr>
-            <a:xfrm>
-              <a:off x="7132455" y="2899688"/>
-              <a:ext cx="468000" cy="142537"/>
-            </a:xfrm>
-            <a:prstGeom prst="rect">
-              <a:avLst/>
-            </a:prstGeom>
-            <a:noFill/>
-          </p:spPr>
-          <p:txBody>
-            <a:bodyPr wrap="square" lIns="0" tIns="0" rIns="0" bIns="0" rtlCol="0" anchor="ctr">
-              <a:noAutofit/>
-            </a:bodyPr>
-            <a:lstStyle/>
-            <a:p>
-              <a:pPr algn="r">
-                <a:buClr>
-                  <a:schemeClr val="accent4"/>
-                </a:buClr>
-              </a:pPr>
-              <a:r>
-                <a:rPr lang="en-GB" sz="700" i="1" dirty="0">
-                  <a:solidFill>
-                    <a:schemeClr val="bg2">
-                      <a:lumMod val="90000"/>
-                    </a:schemeClr>
-                  </a:solidFill>
-                  <a:latin typeface="Raleway" pitchFamily="2" charset="0"/>
-                </a:rPr>
-                <a:t>Gross profit</a:t>
-              </a:r>
-              <a:endParaRPr lang="en-US" sz="700" i="1" dirty="0">
-                <a:solidFill>
-                  <a:schemeClr val="bg2">
-                    <a:lumMod val="90000"/>
-                  </a:schemeClr>
-                </a:solidFill>
-                <a:latin typeface="Raleway" pitchFamily="2" charset="0"/>
-              </a:endParaRPr>
-            </a:p>
-          </p:txBody>
-        </p:sp>
-        <p:cxnSp>
-          <p:nvCxnSpPr>
-            <p:cNvPr id="106" name="Straight Connector 105">
-              <a:extLst>
-                <a:ext uri="{FF2B5EF4-FFF2-40B4-BE49-F238E27FC236}">
-                  <a16:creationId xmlns:a16="http://schemas.microsoft.com/office/drawing/2014/main" id="{09240527-BA18-439F-92ED-7D657024A97A}"/>
-                </a:ext>
-              </a:extLst>
-            </p:cNvPr>
-            <p:cNvCxnSpPr>
-              <a:cxnSpLocks/>
-            </p:cNvCxnSpPr>
-            <p:nvPr/>
-          </p:nvCxnSpPr>
-          <p:spPr>
-            <a:xfrm>
-              <a:off x="7653369" y="2980721"/>
-              <a:ext cx="252000" cy="0"/>
-            </a:xfrm>
-            <a:prstGeom prst="line">
-              <a:avLst/>
-            </a:prstGeom>
-            <a:ln>
-              <a:solidFill>
-                <a:srgbClr val="14202E"/>
-              </a:solidFill>
-            </a:ln>
-          </p:spPr>
-          <p:style>
-            <a:lnRef idx="1">
-              <a:schemeClr val="accent1"/>
-            </a:lnRef>
-            <a:fillRef idx="0">
-              <a:schemeClr val="accent1"/>
-            </a:fillRef>
-            <a:effectRef idx="0">
-              <a:schemeClr val="accent1"/>
-            </a:effectRef>
-            <a:fontRef idx="minor">
-              <a:schemeClr val="tx1"/>
-            </a:fontRef>
-          </p:style>
-        </p:cxnSp>
-      </p:grpSp>
-      <p:sp>
-        <p:nvSpPr>
-          <p:cNvPr id="48" name="Rectangle 47">
-            <a:extLst>
-              <a:ext uri="{FF2B5EF4-FFF2-40B4-BE49-F238E27FC236}">
-                <a16:creationId xmlns:a16="http://schemas.microsoft.com/office/drawing/2014/main" id="{FC109E36-8260-4C84-B06A-BA1435959FB5}"/>
-              </a:ext>
-            </a:extLst>
-          </p:cNvPr>
-          <p:cNvSpPr/>
-          <p:nvPr/>
-        </p:nvSpPr>
-        <p:spPr>
-          <a:xfrm>
-            <a:off x="6214946" y="1360449"/>
-            <a:ext cx="2170771" cy="401444"/>
-          </a:xfrm>
-          <a:prstGeom prst="rect">
-            <a:avLst/>
-          </a:prstGeom>
-          <a:solidFill>
-            <a:schemeClr val="bg1"/>
-          </a:solidFill>
-        </p:spPr>
-        <p:style>
-          <a:lnRef idx="2">
-            <a:schemeClr val="accent1">
-              <a:shade val="50000"/>
-            </a:schemeClr>
-          </a:lnRef>
-          <a:fillRef idx="1">
-            <a:schemeClr val="accent1"/>
-          </a:fillRef>
-          <a:effectRef idx="0">
-            <a:schemeClr val="accent1"/>
-          </a:effectRef>
-          <a:fontRef idx="minor">
-            <a:schemeClr val="lt1"/>
-          </a:fontRef>
-        </p:style>
-        <p:txBody>
-          <a:bodyPr rtlCol="0" anchor="ctr"/>
-          <a:lstStyle/>
-          <a:p>
-            <a:pPr algn="ctr"/>
-            <a:r>
-              <a:rPr lang="en-GB" dirty="0">
-                <a:solidFill>
-                  <a:schemeClr val="tx1"/>
-                </a:solidFill>
-              </a:rPr>
-              <a:t>Key observations</a:t>
-            </a:r>
-            <a:endParaRPr lang="en-US" dirty="0">
-              <a:solidFill>
-                <a:schemeClr val="tx1"/>
-              </a:solidFill>
-            </a:endParaRPr>
-          </a:p>
-        </p:txBody>
-      </p:sp>
-      <p:sp>
-        <p:nvSpPr>
-          <p:cNvPr id="49" name="TextBox 48">
-            <a:extLst>
-              <a:ext uri="{FF2B5EF4-FFF2-40B4-BE49-F238E27FC236}">
-                <a16:creationId xmlns:a16="http://schemas.microsoft.com/office/drawing/2014/main" id="{6EE7161C-0164-4D0C-B5E5-609406DF852A}"/>
-              </a:ext>
-            </a:extLst>
-          </p:cNvPr>
-          <p:cNvSpPr txBox="1"/>
-          <p:nvPr/>
-        </p:nvSpPr>
-        <p:spPr>
-          <a:xfrm>
-            <a:off x="6399518" y="1761893"/>
-            <a:ext cx="2493708" cy="2375246"/>
-          </a:xfrm>
-          <a:prstGeom prst="rect">
-            <a:avLst/>
-          </a:prstGeom>
-          <a:noFill/>
-        </p:spPr>
-        <p:txBody>
-          <a:bodyPr wrap="square" lIns="180000" rtlCol="0" anchor="ctr">
-            <a:noAutofit/>
-          </a:bodyPr>
-          <a:lstStyle/>
-          <a:p>
-            <a:pPr marL="171450" indent="-171450">
-              <a:spcAft>
-                <a:spcPts val="600"/>
-              </a:spcAft>
-              <a:buClr>
-                <a:schemeClr val="accent4"/>
-              </a:buClr>
-              <a:buFont typeface="Wingdings" panose="05000000000000000000" pitchFamily="2" charset="2"/>
-              <a:buChar char="§"/>
-            </a:pPr>
-            <a:r>
-              <a:rPr lang="en-US" sz="900" b="1" dirty="0">
-                <a:solidFill>
-                  <a:schemeClr val="bg1"/>
-                </a:solidFill>
-                <a:latin typeface="Raleway" pitchFamily="2" charset="0"/>
-              </a:rPr>
-              <a:t>[]</a:t>
-            </a:r>
-          </a:p>
-        </p:txBody>
-      </p:sp>
-    </p:spTree>
-    <p:extLst>
-      <p:ext uri="{BB962C8B-B14F-4D97-AF65-F5344CB8AC3E}">
-        <p14:creationId xmlns:p14="http://schemas.microsoft.com/office/powerpoint/2010/main" val="2794488117"/>
       </p:ext>
     </p:extLst>
   </p:cSld>
@@ -41249,7 +41285,7 @@
             <a:fld id="{E85636DE-6ACF-4BDB-A4D6-3D15C7F77F13}" type="datetime1">
               <a:rPr lang="en-US" smtClean="0"/>
               <a:pPr/>
-              <a:t>25.08.2024</a:t>
+              <a:t>30.09.2024</a:t>
             </a:fld>
             <a:endParaRPr lang="en-US"/>
           </a:p>
@@ -41760,7 +41796,7 @@
           <a:p>
             <a:fld id="{E85636DE-6ACF-4BDB-A4D6-3D15C7F77F13}" type="datetime1">
               <a:rPr lang="en-US" smtClean="0"/>
-              <a:t>25.08.2024</a:t>
+              <a:t>30.09.2024</a:t>
             </a:fld>
             <a:endParaRPr lang="en-US"/>
           </a:p>

--- a/Company Profile.pptx
+++ b/Company Profile.pptx
@@ -5,7 +5,7 @@
     <p:sldMasterId id="2147483664" r:id="rId1"/>
   </p:sldMasterIdLst>
   <p:notesMasterIdLst>
-    <p:notesMasterId r:id="rId10"/>
+    <p:notesMasterId r:id="rId11"/>
   </p:notesMasterIdLst>
   <p:sldIdLst>
     <p:sldId id="260" r:id="rId2"/>
@@ -16,6 +16,7 @@
     <p:sldId id="265" r:id="rId7"/>
     <p:sldId id="259" r:id="rId8"/>
     <p:sldId id="263" r:id="rId9"/>
+    <p:sldId id="267" r:id="rId10"/>
   </p:sldIdLst>
   <p:sldSz cx="9144000" cy="5143500" type="screen16x9"/>
   <p:notesSz cx="7010400" cy="9296400"/>
@@ -131,6 +132,7 @@
         <p14:section name="Appendix" id="{FF7B0FB4-4267-4A48-BD10-EA75630500DF}">
           <p14:sldIdLst>
             <p14:sldId id="263"/>
+            <p14:sldId id="267"/>
           </p14:sldIdLst>
         </p14:section>
       </p14:sectionLst>
@@ -25082,7 +25084,7 @@
           <a:p>
             <a:fld id="{068DC4DE-8AA2-4F4C-8538-2AAFBC26E925}" type="datetimeFigureOut">
               <a:rPr lang="en-US" smtClean="0"/>
-              <a:t>30.09.2024</a:t>
+              <a:t>08.01.2025</a:t>
             </a:fld>
             <a:endParaRPr lang="en-US"/>
           </a:p>
@@ -25388,7 +25390,7 @@
           <a:p>
             <a:fld id="{E85636DE-6ACF-4BDB-A4D6-3D15C7F77F13}" type="datetime1">
               <a:rPr lang="en-US" smtClean="0"/>
-              <a:t>30.09.2024</a:t>
+              <a:t>08.01.2025</a:t>
             </a:fld>
             <a:endParaRPr lang="en-US"/>
           </a:p>
@@ -25703,7 +25705,7 @@
           <a:p>
             <a:fld id="{E85636DE-6ACF-4BDB-A4D6-3D15C7F77F13}" type="datetime1">
               <a:rPr lang="en-US" smtClean="0"/>
-              <a:t>30.09.2024</a:t>
+              <a:t>08.01.2025</a:t>
             </a:fld>
             <a:endParaRPr lang="en-US"/>
           </a:p>
@@ -26178,7 +26180,7 @@
           <a:p>
             <a:fld id="{E85636DE-6ACF-4BDB-A4D6-3D15C7F77F13}" type="datetime1">
               <a:rPr lang="en-US" smtClean="0"/>
-              <a:t>30.09.2024</a:t>
+              <a:t>08.01.2025</a:t>
             </a:fld>
             <a:endParaRPr lang="en-US"/>
           </a:p>
@@ -26498,7 +26500,7 @@
           <a:p>
             <a:fld id="{5048E7B5-C24C-4677-B2AF-751EA428BD97}" type="datetime1">
               <a:rPr lang="en-US" smtClean="0"/>
-              <a:t>30.09.2024</a:t>
+              <a:t>08.01.2025</a:t>
             </a:fld>
             <a:endParaRPr lang="en-US"/>
           </a:p>
@@ -28030,7 +28032,7 @@
           <a:p>
             <a:fld id="{4F3B2AA9-B974-4D27-BDD0-3837928ACC25}" type="datetime1">
               <a:rPr lang="en-US" smtClean="0"/>
-              <a:t>30.09.2024</a:t>
+              <a:t>08.01.2025</a:t>
             </a:fld>
             <a:endParaRPr lang="en-US" dirty="0"/>
           </a:p>
@@ -28591,7 +28593,7 @@
           <a:p>
             <a:fld id="{E85636DE-6ACF-4BDB-A4D6-3D15C7F77F13}" type="datetime1">
               <a:rPr lang="en-US" smtClean="0"/>
-              <a:t>30.09.2024</a:t>
+              <a:t>08.01.2025</a:t>
             </a:fld>
             <a:endParaRPr lang="en-US"/>
           </a:p>
@@ -31779,7 +31781,7 @@
             <a:fld id="{E85636DE-6ACF-4BDB-A4D6-3D15C7F77F13}" type="datetime1">
               <a:rPr lang="en-US" smtClean="0"/>
               <a:pPr/>
-              <a:t>30.09.2024</a:t>
+              <a:t>08.01.2025</a:t>
             </a:fld>
             <a:endParaRPr lang="en-US"/>
           </a:p>
@@ -34008,7 +34010,7 @@
             <a:fld id="{E85636DE-6ACF-4BDB-A4D6-3D15C7F77F13}" type="datetime1">
               <a:rPr lang="en-US" smtClean="0"/>
               <a:pPr/>
-              <a:t>30.09.2024</a:t>
+              <a:t>08.01.2025</a:t>
             </a:fld>
             <a:endParaRPr lang="en-US"/>
           </a:p>
@@ -37159,7 +37161,7 @@
             <a:fld id="{E85636DE-6ACF-4BDB-A4D6-3D15C7F77F13}" type="datetime1">
               <a:rPr lang="en-US" smtClean="0"/>
               <a:pPr/>
-              <a:t>30.09.2024</a:t>
+              <a:t>08.01.2025</a:t>
             </a:fld>
             <a:endParaRPr lang="en-US"/>
           </a:p>
@@ -39047,7 +39049,7 @@
             <a:fld id="{E85636DE-6ACF-4BDB-A4D6-3D15C7F77F13}" type="datetime1">
               <a:rPr lang="en-US" smtClean="0"/>
               <a:pPr/>
-              <a:t>30.09.2024</a:t>
+              <a:t>08.01.2025</a:t>
             </a:fld>
             <a:endParaRPr lang="en-US"/>
           </a:p>
@@ -40070,7 +40072,7 @@
             <a:fld id="{E85636DE-6ACF-4BDB-A4D6-3D15C7F77F13}" type="datetime1">
               <a:rPr lang="en-US" smtClean="0"/>
               <a:pPr/>
-              <a:t>30.09.2024</a:t>
+              <a:t>08.01.2025</a:t>
             </a:fld>
             <a:endParaRPr lang="en-US"/>
           </a:p>
@@ -41285,7 +41287,7 @@
             <a:fld id="{E85636DE-6ACF-4BDB-A4D6-3D15C7F77F13}" type="datetime1">
               <a:rPr lang="en-US" smtClean="0"/>
               <a:pPr/>
-              <a:t>30.09.2024</a:t>
+              <a:t>08.01.2025</a:t>
             </a:fld>
             <a:endParaRPr lang="en-US"/>
           </a:p>
@@ -41796,7 +41798,7 @@
           <a:p>
             <a:fld id="{E85636DE-6ACF-4BDB-A4D6-3D15C7F77F13}" type="datetime1">
               <a:rPr lang="en-US" smtClean="0"/>
-              <a:t>30.09.2024</a:t>
+              <a:t>08.01.2025</a:t>
             </a:fld>
             <a:endParaRPr lang="en-US"/>
           </a:p>
@@ -44931,6 +44933,1819 @@
 </p:sld>
 </file>
 
+<file path=ppt/slides/slide9.xml><?xml version="1.0" encoding="utf-8"?>
+<p:sld xmlns:a="http://schemas.openxmlformats.org/drawingml/2006/main" xmlns:r="http://schemas.openxmlformats.org/officeDocument/2006/relationships" xmlns:p="http://schemas.openxmlformats.org/presentationml/2006/main">
+  <p:cSld>
+    <p:spTree>
+      <p:nvGrpSpPr>
+        <p:cNvPr id="1" name=""/>
+        <p:cNvGrpSpPr/>
+        <p:nvPr/>
+      </p:nvGrpSpPr>
+      <p:grpSpPr>
+        <a:xfrm>
+          <a:off x="0" y="0"/>
+          <a:ext cx="0" cy="0"/>
+          <a:chOff x="0" y="0"/>
+          <a:chExt cx="0" cy="0"/>
+        </a:xfrm>
+      </p:grpSpPr>
+      <p:sp>
+        <p:nvSpPr>
+          <p:cNvPr id="2" name="Date Placeholder 1">
+            <a:extLst>
+              <a:ext uri="{FF2B5EF4-FFF2-40B4-BE49-F238E27FC236}">
+                <a16:creationId xmlns:a16="http://schemas.microsoft.com/office/drawing/2014/main" id="{BEDC75F6-54BC-44A2-A9A4-90C4A8930850}"/>
+              </a:ext>
+            </a:extLst>
+          </p:cNvPr>
+          <p:cNvSpPr>
+            <a:spLocks noGrp="1"/>
+          </p:cNvSpPr>
+          <p:nvPr>
+            <p:ph type="dt" sz="half" idx="10"/>
+          </p:nvPr>
+        </p:nvSpPr>
+        <p:spPr/>
+        <p:txBody>
+          <a:bodyPr/>
+          <a:lstStyle/>
+          <a:p>
+            <a:fld id="{E85636DE-6ACF-4BDB-A4D6-3D15C7F77F13}" type="datetime1">
+              <a:rPr lang="en-US" smtClean="0"/>
+              <a:t>08.01.2025</a:t>
+            </a:fld>
+            <a:endParaRPr lang="en-US"/>
+          </a:p>
+        </p:txBody>
+      </p:sp>
+      <p:sp>
+        <p:nvSpPr>
+          <p:cNvPr id="3" name="Footer Placeholder 2">
+            <a:extLst>
+              <a:ext uri="{FF2B5EF4-FFF2-40B4-BE49-F238E27FC236}">
+                <a16:creationId xmlns:a16="http://schemas.microsoft.com/office/drawing/2014/main" id="{87002537-16CA-4CBE-BDA5-ED62441E85B6}"/>
+              </a:ext>
+            </a:extLst>
+          </p:cNvPr>
+          <p:cNvSpPr>
+            <a:spLocks noGrp="1"/>
+          </p:cNvSpPr>
+          <p:nvPr>
+            <p:ph type="ftr" sz="quarter" idx="11"/>
+          </p:nvPr>
+        </p:nvSpPr>
+        <p:spPr/>
+        <p:txBody>
+          <a:bodyPr/>
+          <a:lstStyle/>
+          <a:p>
+            <a:r>
+              <a:rPr lang="en-US"/>
+              <a:t>Aleksei Shvetsov</a:t>
+            </a:r>
+          </a:p>
+        </p:txBody>
+      </p:sp>
+      <p:sp>
+        <p:nvSpPr>
+          <p:cNvPr id="4" name="Slide Number Placeholder 3">
+            <a:extLst>
+              <a:ext uri="{FF2B5EF4-FFF2-40B4-BE49-F238E27FC236}">
+                <a16:creationId xmlns:a16="http://schemas.microsoft.com/office/drawing/2014/main" id="{A3656A08-A086-43DE-977C-813CAFD1A62F}"/>
+              </a:ext>
+            </a:extLst>
+          </p:cNvPr>
+          <p:cNvSpPr>
+            <a:spLocks noGrp="1"/>
+          </p:cNvSpPr>
+          <p:nvPr>
+            <p:ph type="sldNum" sz="quarter" idx="12"/>
+          </p:nvPr>
+        </p:nvSpPr>
+        <p:spPr/>
+        <p:txBody>
+          <a:bodyPr/>
+          <a:lstStyle/>
+          <a:p>
+            <a:fld id="{5CFE2FC4-82A9-4537-BFBD-B15ACB0E3BE3}" type="slidenum">
+              <a:rPr lang="en-US" smtClean="0"/>
+              <a:pPr/>
+              <a:t>9</a:t>
+            </a:fld>
+            <a:endParaRPr lang="en-US" dirty="0"/>
+          </a:p>
+        </p:txBody>
+      </p:sp>
+      <p:sp>
+        <p:nvSpPr>
+          <p:cNvPr id="10" name="Text Placeholder 9">
+            <a:extLst>
+              <a:ext uri="{FF2B5EF4-FFF2-40B4-BE49-F238E27FC236}">
+                <a16:creationId xmlns:a16="http://schemas.microsoft.com/office/drawing/2014/main" id="{BDD42B8F-E929-41D5-A3E5-45D13EA1AC44}"/>
+              </a:ext>
+            </a:extLst>
+          </p:cNvPr>
+          <p:cNvSpPr>
+            <a:spLocks noGrp="1"/>
+          </p:cNvSpPr>
+          <p:nvPr>
+            <p:ph type="body" sz="quarter" idx="13"/>
+          </p:nvPr>
+        </p:nvSpPr>
+        <p:spPr/>
+        <p:txBody>
+          <a:bodyPr/>
+          <a:lstStyle/>
+          <a:p>
+            <a:endParaRPr lang="en-US"/>
+          </a:p>
+        </p:txBody>
+      </p:sp>
+      <p:sp>
+        <p:nvSpPr>
+          <p:cNvPr id="11" name="Text Placeholder 10">
+            <a:extLst>
+              <a:ext uri="{FF2B5EF4-FFF2-40B4-BE49-F238E27FC236}">
+                <a16:creationId xmlns:a16="http://schemas.microsoft.com/office/drawing/2014/main" id="{64770D30-2474-4A9A-B2AC-F62BC911BF68}"/>
+              </a:ext>
+            </a:extLst>
+          </p:cNvPr>
+          <p:cNvSpPr>
+            <a:spLocks noGrp="1"/>
+          </p:cNvSpPr>
+          <p:nvPr>
+            <p:ph type="body" sz="quarter" idx="14"/>
+          </p:nvPr>
+        </p:nvSpPr>
+        <p:spPr/>
+        <p:txBody>
+          <a:bodyPr/>
+          <a:lstStyle/>
+          <a:p>
+            <a:endParaRPr lang="en-US"/>
+          </a:p>
+        </p:txBody>
+      </p:sp>
+      <p:sp>
+        <p:nvSpPr>
+          <p:cNvPr id="12" name="Text Placeholder 11">
+            <a:extLst>
+              <a:ext uri="{FF2B5EF4-FFF2-40B4-BE49-F238E27FC236}">
+                <a16:creationId xmlns:a16="http://schemas.microsoft.com/office/drawing/2014/main" id="{D0699B81-9F1A-489E-BB66-F83428195B5D}"/>
+              </a:ext>
+            </a:extLst>
+          </p:cNvPr>
+          <p:cNvSpPr>
+            <a:spLocks noGrp="1"/>
+          </p:cNvSpPr>
+          <p:nvPr>
+            <p:ph type="body" sz="quarter" idx="15"/>
+          </p:nvPr>
+        </p:nvSpPr>
+        <p:spPr/>
+        <p:txBody>
+          <a:bodyPr/>
+          <a:lstStyle/>
+          <a:p>
+            <a:endParaRPr lang="en-US"/>
+          </a:p>
+        </p:txBody>
+      </p:sp>
+      <p:sp>
+        <p:nvSpPr>
+          <p:cNvPr id="9" name="Title 8">
+            <a:extLst>
+              <a:ext uri="{FF2B5EF4-FFF2-40B4-BE49-F238E27FC236}">
+                <a16:creationId xmlns:a16="http://schemas.microsoft.com/office/drawing/2014/main" id="{F05D7886-759D-48B0-BE3D-B4FB4CE43FA5}"/>
+              </a:ext>
+            </a:extLst>
+          </p:cNvPr>
+          <p:cNvSpPr>
+            <a:spLocks noGrp="1"/>
+          </p:cNvSpPr>
+          <p:nvPr>
+            <p:ph type="title"/>
+          </p:nvPr>
+        </p:nvSpPr>
+        <p:spPr/>
+        <p:txBody>
+          <a:bodyPr/>
+          <a:lstStyle/>
+          <a:p>
+            <a:r>
+              <a:rPr lang="en-GB" dirty="0" err="1"/>
+              <a:t>Architechture</a:t>
+            </a:r>
+            <a:endParaRPr lang="en-GB" dirty="0"/>
+          </a:p>
+        </p:txBody>
+      </p:sp>
+      <p:sp>
+        <p:nvSpPr>
+          <p:cNvPr id="13" name="TextBox 12">
+            <a:extLst>
+              <a:ext uri="{FF2B5EF4-FFF2-40B4-BE49-F238E27FC236}">
+                <a16:creationId xmlns:a16="http://schemas.microsoft.com/office/drawing/2014/main" id="{85B5603B-712A-4A19-96BF-892F12DA5C89}"/>
+              </a:ext>
+            </a:extLst>
+          </p:cNvPr>
+          <p:cNvSpPr txBox="1"/>
+          <p:nvPr/>
+        </p:nvSpPr>
+        <p:spPr>
+          <a:xfrm>
+            <a:off x="250825" y="2499700"/>
+            <a:ext cx="900000" cy="360000"/>
+          </a:xfrm>
+          <a:prstGeom prst="rect">
+            <a:avLst/>
+          </a:prstGeom>
+          <a:noFill/>
+          <a:ln>
+            <a:solidFill>
+              <a:schemeClr val="bg2">
+                <a:lumMod val="90000"/>
+              </a:schemeClr>
+            </a:solidFill>
+          </a:ln>
+        </p:spPr>
+        <p:txBody>
+          <a:bodyPr wrap="square" rtlCol="0" anchor="ctr">
+            <a:noAutofit/>
+          </a:bodyPr>
+          <a:lstStyle/>
+          <a:p>
+            <a:pPr algn="ctr">
+              <a:buClr>
+                <a:schemeClr val="accent4"/>
+              </a:buClr>
+            </a:pPr>
+            <a:r>
+              <a:rPr lang="en-US" sz="900" b="1" dirty="0">
+                <a:latin typeface="Raleway" pitchFamily="2" charset="0"/>
+              </a:rPr>
+              <a:t>[Ticker}</a:t>
+            </a:r>
+          </a:p>
+        </p:txBody>
+      </p:sp>
+      <p:sp>
+        <p:nvSpPr>
+          <p:cNvPr id="14" name="Rectangle: Rounded Corners 13">
+            <a:extLst>
+              <a:ext uri="{FF2B5EF4-FFF2-40B4-BE49-F238E27FC236}">
+                <a16:creationId xmlns:a16="http://schemas.microsoft.com/office/drawing/2014/main" id="{825539F8-F231-4F5A-BACA-AC7579FDC717}"/>
+              </a:ext>
+            </a:extLst>
+          </p:cNvPr>
+          <p:cNvSpPr/>
+          <p:nvPr/>
+        </p:nvSpPr>
+        <p:spPr>
+          <a:xfrm>
+            <a:off x="1322347" y="1305723"/>
+            <a:ext cx="2160000" cy="1224000"/>
+          </a:xfrm>
+          <a:prstGeom prst="roundRect">
+            <a:avLst/>
+          </a:prstGeom>
+          <a:solidFill>
+            <a:schemeClr val="accent1">
+              <a:lumMod val="20000"/>
+              <a:lumOff val="80000"/>
+            </a:schemeClr>
+          </a:solidFill>
+          <a:ln w="6350">
+            <a:solidFill>
+              <a:schemeClr val="bg2">
+                <a:lumMod val="75000"/>
+              </a:schemeClr>
+            </a:solidFill>
+          </a:ln>
+        </p:spPr>
+        <p:style>
+          <a:lnRef idx="2">
+            <a:schemeClr val="accent1">
+              <a:shade val="50000"/>
+            </a:schemeClr>
+          </a:lnRef>
+          <a:fillRef idx="1">
+            <a:schemeClr val="accent1"/>
+          </a:fillRef>
+          <a:effectRef idx="0">
+            <a:schemeClr val="accent1"/>
+          </a:effectRef>
+          <a:fontRef idx="minor">
+            <a:schemeClr val="lt1"/>
+          </a:fontRef>
+        </p:style>
+        <p:txBody>
+          <a:bodyPr rtlCol="0" anchor="ctr"/>
+          <a:lstStyle/>
+          <a:p>
+            <a:r>
+              <a:rPr lang="de-DE" sz="900" b="1" u="sng" dirty="0">
+                <a:solidFill>
+                  <a:schemeClr val="tx1"/>
+                </a:solidFill>
+                <a:latin typeface="Raleway" pitchFamily="2" charset="0"/>
+              </a:rPr>
+              <a:t>FMP </a:t>
+            </a:r>
+            <a:r>
+              <a:rPr lang="de-DE" sz="900" b="1" u="sng" dirty="0" err="1">
+                <a:solidFill>
+                  <a:schemeClr val="tx1"/>
+                </a:solidFill>
+                <a:latin typeface="Raleway" pitchFamily="2" charset="0"/>
+              </a:rPr>
+              <a:t>download</a:t>
+            </a:r>
+            <a:endParaRPr lang="de-DE" sz="900" b="1" u="sng" dirty="0">
+              <a:solidFill>
+                <a:schemeClr val="tx1"/>
+              </a:solidFill>
+              <a:latin typeface="Raleway" pitchFamily="2" charset="0"/>
+            </a:endParaRPr>
+          </a:p>
+          <a:p>
+            <a:pPr marL="171450" indent="-171450">
+              <a:buFont typeface="Arial" panose="020B0604020202020204" pitchFamily="34" charset="0"/>
+              <a:buChar char="•"/>
+            </a:pPr>
+            <a:r>
+              <a:rPr lang="de-DE" sz="900" dirty="0">
+                <a:solidFill>
+                  <a:schemeClr val="tx1"/>
+                </a:solidFill>
+                <a:latin typeface="Raleway" pitchFamily="2" charset="0"/>
+              </a:rPr>
+              <a:t>Static </a:t>
+            </a:r>
+            <a:r>
+              <a:rPr lang="de-DE" sz="900" dirty="0" err="1">
+                <a:solidFill>
+                  <a:schemeClr val="tx1"/>
+                </a:solidFill>
+                <a:latin typeface="Raleway" pitchFamily="2" charset="0"/>
+              </a:rPr>
+              <a:t>data</a:t>
+            </a:r>
+            <a:endParaRPr lang="de-DE" sz="900" dirty="0">
+              <a:solidFill>
+                <a:schemeClr val="tx1"/>
+              </a:solidFill>
+              <a:latin typeface="Raleway" pitchFamily="2" charset="0"/>
+            </a:endParaRPr>
+          </a:p>
+          <a:p>
+            <a:pPr marL="171450" indent="-171450">
+              <a:buFont typeface="Arial" panose="020B0604020202020204" pitchFamily="34" charset="0"/>
+              <a:buChar char="•"/>
+            </a:pPr>
+            <a:r>
+              <a:rPr lang="de-DE" sz="900" dirty="0">
+                <a:solidFill>
+                  <a:schemeClr val="tx1"/>
+                </a:solidFill>
+                <a:latin typeface="Raleway" pitchFamily="2" charset="0"/>
+              </a:rPr>
+              <a:t>Price </a:t>
+            </a:r>
+            <a:r>
+              <a:rPr lang="de-DE" sz="900" dirty="0" err="1">
+                <a:solidFill>
+                  <a:schemeClr val="tx1"/>
+                </a:solidFill>
+                <a:latin typeface="Raleway" pitchFamily="2" charset="0"/>
+              </a:rPr>
+              <a:t>data</a:t>
+            </a:r>
+            <a:endParaRPr lang="de-DE" sz="900" dirty="0">
+              <a:solidFill>
+                <a:schemeClr val="tx1"/>
+              </a:solidFill>
+              <a:latin typeface="Raleway" pitchFamily="2" charset="0"/>
+            </a:endParaRPr>
+          </a:p>
+          <a:p>
+            <a:pPr marL="171450" indent="-171450">
+              <a:buFont typeface="Arial" panose="020B0604020202020204" pitchFamily="34" charset="0"/>
+              <a:buChar char="•"/>
+            </a:pPr>
+            <a:r>
+              <a:rPr lang="de-DE" sz="900" dirty="0">
+                <a:solidFill>
+                  <a:schemeClr val="tx1"/>
+                </a:solidFill>
+                <a:latin typeface="Raleway" pitchFamily="2" charset="0"/>
+              </a:rPr>
+              <a:t>Financial </a:t>
+            </a:r>
+            <a:r>
+              <a:rPr lang="de-DE" sz="900" dirty="0" err="1">
+                <a:solidFill>
+                  <a:schemeClr val="tx1"/>
+                </a:solidFill>
+                <a:latin typeface="Raleway" pitchFamily="2" charset="0"/>
+              </a:rPr>
+              <a:t>statements</a:t>
+            </a:r>
+            <a:endParaRPr lang="de-DE" sz="900" dirty="0">
+              <a:solidFill>
+                <a:schemeClr val="tx1"/>
+              </a:solidFill>
+              <a:latin typeface="Raleway" pitchFamily="2" charset="0"/>
+            </a:endParaRPr>
+          </a:p>
+          <a:p>
+            <a:pPr marL="171450" indent="-171450">
+              <a:buFont typeface="Arial" panose="020B0604020202020204" pitchFamily="34" charset="0"/>
+              <a:buChar char="•"/>
+            </a:pPr>
+            <a:endParaRPr lang="de-DE" sz="900" dirty="0">
+              <a:solidFill>
+                <a:schemeClr val="tx1"/>
+              </a:solidFill>
+              <a:latin typeface="Raleway" pitchFamily="2" charset="0"/>
+            </a:endParaRPr>
+          </a:p>
+          <a:p>
+            <a:r>
+              <a:rPr lang="de-DE" sz="900" dirty="0">
+                <a:solidFill>
+                  <a:schemeClr val="tx1"/>
+                </a:solidFill>
+                <a:latin typeface="Raleway" pitchFamily="2" charset="0"/>
+              </a:rPr>
+              <a:t>Input: </a:t>
+            </a:r>
+            <a:r>
+              <a:rPr lang="de-DE" sz="900" u="sng" dirty="0" err="1">
+                <a:solidFill>
+                  <a:schemeClr val="tx1"/>
+                </a:solidFill>
+                <a:latin typeface="Raleway" pitchFamily="2" charset="0"/>
+              </a:rPr>
+              <a:t>json</a:t>
+            </a:r>
+            <a:r>
+              <a:rPr lang="de-DE" sz="900" dirty="0">
+                <a:solidFill>
+                  <a:schemeClr val="tx1"/>
+                </a:solidFill>
+                <a:latin typeface="Raleway" pitchFamily="2" charset="0"/>
+              </a:rPr>
+              <a:t>. Output: </a:t>
+            </a:r>
+            <a:r>
+              <a:rPr lang="de-DE" sz="900" u="sng" dirty="0" err="1">
+                <a:solidFill>
+                  <a:schemeClr val="tx1"/>
+                </a:solidFill>
+                <a:latin typeface="Raleway" pitchFamily="2" charset="0"/>
+              </a:rPr>
+              <a:t>dataframe</a:t>
+            </a:r>
+            <a:endParaRPr lang="en-US" sz="900" u="sng" dirty="0">
+              <a:solidFill>
+                <a:schemeClr val="tx1"/>
+              </a:solidFill>
+              <a:latin typeface="Raleway" pitchFamily="2" charset="0"/>
+            </a:endParaRPr>
+          </a:p>
+        </p:txBody>
+      </p:sp>
+      <p:sp>
+        <p:nvSpPr>
+          <p:cNvPr id="16" name="Rectangle: Rounded Corners 15">
+            <a:extLst>
+              <a:ext uri="{FF2B5EF4-FFF2-40B4-BE49-F238E27FC236}">
+                <a16:creationId xmlns:a16="http://schemas.microsoft.com/office/drawing/2014/main" id="{908E6932-9EE2-4F8F-ACD4-25F26666FA9E}"/>
+              </a:ext>
+            </a:extLst>
+          </p:cNvPr>
+          <p:cNvSpPr/>
+          <p:nvPr/>
+        </p:nvSpPr>
+        <p:spPr>
+          <a:xfrm>
+            <a:off x="1322347" y="2877509"/>
+            <a:ext cx="2160000" cy="1224000"/>
+          </a:xfrm>
+          <a:prstGeom prst="roundRect">
+            <a:avLst/>
+          </a:prstGeom>
+          <a:solidFill>
+            <a:schemeClr val="accent1">
+              <a:lumMod val="20000"/>
+              <a:lumOff val="80000"/>
+            </a:schemeClr>
+          </a:solidFill>
+          <a:ln w="6350">
+            <a:solidFill>
+              <a:schemeClr val="bg2">
+                <a:lumMod val="75000"/>
+              </a:schemeClr>
+            </a:solidFill>
+          </a:ln>
+        </p:spPr>
+        <p:style>
+          <a:lnRef idx="2">
+            <a:schemeClr val="accent1">
+              <a:shade val="50000"/>
+            </a:schemeClr>
+          </a:lnRef>
+          <a:fillRef idx="1">
+            <a:schemeClr val="accent1"/>
+          </a:fillRef>
+          <a:effectRef idx="0">
+            <a:schemeClr val="accent1"/>
+          </a:effectRef>
+          <a:fontRef idx="minor">
+            <a:schemeClr val="lt1"/>
+          </a:fontRef>
+        </p:style>
+        <p:txBody>
+          <a:bodyPr rtlCol="0" anchor="ctr"/>
+          <a:lstStyle/>
+          <a:p>
+            <a:r>
+              <a:rPr lang="de-DE" sz="900" b="1" u="sng" dirty="0">
+                <a:solidFill>
+                  <a:schemeClr val="tx1"/>
+                </a:solidFill>
+                <a:latin typeface="Raleway" pitchFamily="2" charset="0"/>
+              </a:rPr>
+              <a:t>LLM</a:t>
+            </a:r>
+          </a:p>
+          <a:p>
+            <a:pPr marL="171450" indent="-171450">
+              <a:buFont typeface="Arial" panose="020B0604020202020204" pitchFamily="34" charset="0"/>
+              <a:buChar char="•"/>
+            </a:pPr>
+            <a:r>
+              <a:rPr lang="de-DE" sz="900" dirty="0">
+                <a:solidFill>
+                  <a:schemeClr val="tx1"/>
+                </a:solidFill>
+                <a:latin typeface="Raleway" pitchFamily="2" charset="0"/>
+              </a:rPr>
+              <a:t>Business </a:t>
+            </a:r>
+            <a:r>
+              <a:rPr lang="de-DE" sz="900" dirty="0" err="1">
+                <a:solidFill>
+                  <a:schemeClr val="tx1"/>
+                </a:solidFill>
+                <a:latin typeface="Raleway" pitchFamily="2" charset="0"/>
+              </a:rPr>
+              <a:t>description</a:t>
+            </a:r>
+            <a:endParaRPr lang="de-DE" sz="900" dirty="0">
+              <a:solidFill>
+                <a:schemeClr val="tx1"/>
+              </a:solidFill>
+              <a:latin typeface="Raleway" pitchFamily="2" charset="0"/>
+            </a:endParaRPr>
+          </a:p>
+          <a:p>
+            <a:pPr marL="171450" indent="-171450">
+              <a:buFont typeface="Arial" panose="020B0604020202020204" pitchFamily="34" charset="0"/>
+              <a:buChar char="•"/>
+            </a:pPr>
+            <a:r>
+              <a:rPr lang="de-DE" sz="900" dirty="0" err="1">
+                <a:solidFill>
+                  <a:schemeClr val="tx1"/>
+                </a:solidFill>
+                <a:latin typeface="Raleway" pitchFamily="2" charset="0"/>
+              </a:rPr>
+              <a:t>Recent</a:t>
+            </a:r>
+            <a:r>
+              <a:rPr lang="de-DE" sz="900" dirty="0">
+                <a:solidFill>
+                  <a:schemeClr val="tx1"/>
+                </a:solidFill>
+                <a:latin typeface="Raleway" pitchFamily="2" charset="0"/>
+              </a:rPr>
+              <a:t> </a:t>
+            </a:r>
+            <a:r>
+              <a:rPr lang="de-DE" sz="900" dirty="0" err="1">
+                <a:solidFill>
+                  <a:schemeClr val="tx1"/>
+                </a:solidFill>
+                <a:latin typeface="Raleway" pitchFamily="2" charset="0"/>
+              </a:rPr>
+              <a:t>events</a:t>
+            </a:r>
+            <a:endParaRPr lang="de-DE" sz="900" dirty="0">
+              <a:solidFill>
+                <a:schemeClr val="tx1"/>
+              </a:solidFill>
+              <a:latin typeface="Raleway" pitchFamily="2" charset="0"/>
+            </a:endParaRPr>
+          </a:p>
+          <a:p>
+            <a:pPr marL="171450" indent="-171450">
+              <a:buFont typeface="Arial" panose="020B0604020202020204" pitchFamily="34" charset="0"/>
+              <a:buChar char="•"/>
+            </a:pPr>
+            <a:r>
+              <a:rPr lang="de-DE" sz="900" dirty="0">
+                <a:solidFill>
+                  <a:schemeClr val="tx1"/>
+                </a:solidFill>
+                <a:latin typeface="Raleway" pitchFamily="2" charset="0"/>
+              </a:rPr>
+              <a:t>Peers</a:t>
+            </a:r>
+          </a:p>
+          <a:p>
+            <a:pPr marL="171450" indent="-171450">
+              <a:buFont typeface="Arial" panose="020B0604020202020204" pitchFamily="34" charset="0"/>
+              <a:buChar char="•"/>
+            </a:pPr>
+            <a:r>
+              <a:rPr lang="de-DE" sz="900" dirty="0">
+                <a:solidFill>
+                  <a:schemeClr val="tx1"/>
+                </a:solidFill>
+                <a:latin typeface="Raleway" pitchFamily="2" charset="0"/>
+              </a:rPr>
+              <a:t>Market and </a:t>
+            </a:r>
+            <a:r>
+              <a:rPr lang="de-DE" sz="900" dirty="0" err="1">
+                <a:solidFill>
+                  <a:schemeClr val="tx1"/>
+                </a:solidFill>
+                <a:latin typeface="Raleway" pitchFamily="2" charset="0"/>
+              </a:rPr>
+              <a:t>trends</a:t>
+            </a:r>
+            <a:endParaRPr lang="de-DE" sz="900" dirty="0">
+              <a:solidFill>
+                <a:schemeClr val="tx1"/>
+              </a:solidFill>
+              <a:latin typeface="Raleway" pitchFamily="2" charset="0"/>
+            </a:endParaRPr>
+          </a:p>
+          <a:p>
+            <a:pPr marL="171450" indent="-171450">
+              <a:buFont typeface="Arial" panose="020B0604020202020204" pitchFamily="34" charset="0"/>
+              <a:buChar char="•"/>
+            </a:pPr>
+            <a:endParaRPr lang="de-DE" sz="900" dirty="0">
+              <a:solidFill>
+                <a:schemeClr val="tx1"/>
+              </a:solidFill>
+              <a:latin typeface="Raleway" pitchFamily="2" charset="0"/>
+            </a:endParaRPr>
+          </a:p>
+          <a:p>
+            <a:r>
+              <a:rPr lang="de-DE" sz="900" dirty="0">
+                <a:solidFill>
+                  <a:schemeClr val="tx1"/>
+                </a:solidFill>
+                <a:latin typeface="Raleway" pitchFamily="2" charset="0"/>
+              </a:rPr>
+              <a:t>Input: </a:t>
+            </a:r>
+            <a:r>
+              <a:rPr lang="de-DE" sz="900" u="sng" dirty="0">
+                <a:solidFill>
+                  <a:schemeClr val="tx1"/>
+                </a:solidFill>
+                <a:latin typeface="Raleway" pitchFamily="2" charset="0"/>
+              </a:rPr>
+              <a:t>string</a:t>
+            </a:r>
+            <a:r>
+              <a:rPr lang="de-DE" sz="900" dirty="0">
+                <a:solidFill>
+                  <a:schemeClr val="tx1"/>
+                </a:solidFill>
+                <a:latin typeface="Raleway" pitchFamily="2" charset="0"/>
+              </a:rPr>
+              <a:t>. Output: </a:t>
+            </a:r>
+            <a:r>
+              <a:rPr lang="de-DE" sz="900" u="sng" dirty="0" err="1">
+                <a:solidFill>
+                  <a:schemeClr val="tx1"/>
+                </a:solidFill>
+                <a:latin typeface="Raleway" pitchFamily="2" charset="0"/>
+              </a:rPr>
+              <a:t>string</a:t>
+            </a:r>
+            <a:r>
+              <a:rPr lang="de-DE" sz="900" dirty="0">
+                <a:solidFill>
+                  <a:schemeClr val="tx1"/>
+                </a:solidFill>
+                <a:latin typeface="Raleway" pitchFamily="2" charset="0"/>
+              </a:rPr>
+              <a:t>/</a:t>
+            </a:r>
+            <a:r>
+              <a:rPr lang="de-DE" sz="900" u="sng" dirty="0" err="1">
+                <a:solidFill>
+                  <a:schemeClr val="tx1"/>
+                </a:solidFill>
+                <a:latin typeface="Raleway" pitchFamily="2" charset="0"/>
+              </a:rPr>
+              <a:t>html</a:t>
+            </a:r>
+            <a:endParaRPr lang="en-US" sz="900" u="sng" dirty="0">
+              <a:solidFill>
+                <a:schemeClr val="tx1"/>
+              </a:solidFill>
+              <a:latin typeface="Raleway" pitchFamily="2" charset="0"/>
+            </a:endParaRPr>
+          </a:p>
+        </p:txBody>
+      </p:sp>
+      <p:cxnSp>
+        <p:nvCxnSpPr>
+          <p:cNvPr id="18" name="Straight Arrow Connector 17">
+            <a:extLst>
+              <a:ext uri="{FF2B5EF4-FFF2-40B4-BE49-F238E27FC236}">
+                <a16:creationId xmlns:a16="http://schemas.microsoft.com/office/drawing/2014/main" id="{28000658-D383-4000-8F4C-862445A394EB}"/>
+              </a:ext>
+            </a:extLst>
+          </p:cNvPr>
+          <p:cNvCxnSpPr>
+            <a:cxnSpLocks/>
+            <a:stCxn id="14" idx="3"/>
+            <a:endCxn id="23" idx="1"/>
+          </p:cNvCxnSpPr>
+          <p:nvPr/>
+        </p:nvCxnSpPr>
+        <p:spPr>
+          <a:xfrm>
+            <a:off x="3482347" y="1917723"/>
+            <a:ext cx="304335" cy="785893"/>
+          </a:xfrm>
+          <a:prstGeom prst="straightConnector1">
+            <a:avLst/>
+          </a:prstGeom>
+          <a:ln>
+            <a:tailEnd type="triangle"/>
+          </a:ln>
+        </p:spPr>
+        <p:style>
+          <a:lnRef idx="1">
+            <a:schemeClr val="accent1"/>
+          </a:lnRef>
+          <a:fillRef idx="0">
+            <a:schemeClr val="accent1"/>
+          </a:fillRef>
+          <a:effectRef idx="0">
+            <a:schemeClr val="accent1"/>
+          </a:effectRef>
+          <a:fontRef idx="minor">
+            <a:schemeClr val="tx1"/>
+          </a:fontRef>
+        </p:style>
+      </p:cxnSp>
+      <p:cxnSp>
+        <p:nvCxnSpPr>
+          <p:cNvPr id="19" name="Straight Arrow Connector 18">
+            <a:extLst>
+              <a:ext uri="{FF2B5EF4-FFF2-40B4-BE49-F238E27FC236}">
+                <a16:creationId xmlns:a16="http://schemas.microsoft.com/office/drawing/2014/main" id="{BEE9DA02-0AAA-468D-9AC4-CDB7C088CF1D}"/>
+              </a:ext>
+            </a:extLst>
+          </p:cNvPr>
+          <p:cNvCxnSpPr>
+            <a:cxnSpLocks/>
+            <a:stCxn id="13" idx="2"/>
+            <a:endCxn id="16" idx="1"/>
+          </p:cNvCxnSpPr>
+          <p:nvPr/>
+        </p:nvCxnSpPr>
+        <p:spPr>
+          <a:xfrm>
+            <a:off x="700825" y="2859700"/>
+            <a:ext cx="621522" cy="629809"/>
+          </a:xfrm>
+          <a:prstGeom prst="straightConnector1">
+            <a:avLst/>
+          </a:prstGeom>
+          <a:ln>
+            <a:tailEnd type="triangle"/>
+          </a:ln>
+        </p:spPr>
+        <p:style>
+          <a:lnRef idx="1">
+            <a:schemeClr val="accent1"/>
+          </a:lnRef>
+          <a:fillRef idx="0">
+            <a:schemeClr val="accent1"/>
+          </a:fillRef>
+          <a:effectRef idx="0">
+            <a:schemeClr val="accent1"/>
+          </a:effectRef>
+          <a:fontRef idx="minor">
+            <a:schemeClr val="tx1"/>
+          </a:fontRef>
+        </p:style>
+      </p:cxnSp>
+      <p:sp>
+        <p:nvSpPr>
+          <p:cNvPr id="23" name="Rectangle: Rounded Corners 22">
+            <a:extLst>
+              <a:ext uri="{FF2B5EF4-FFF2-40B4-BE49-F238E27FC236}">
+                <a16:creationId xmlns:a16="http://schemas.microsoft.com/office/drawing/2014/main" id="{4174D502-0A84-42BD-9191-73E2256C1A6E}"/>
+              </a:ext>
+            </a:extLst>
+          </p:cNvPr>
+          <p:cNvSpPr/>
+          <p:nvPr/>
+        </p:nvSpPr>
+        <p:spPr>
+          <a:xfrm>
+            <a:off x="3786682" y="1305723"/>
+            <a:ext cx="1692284" cy="2795786"/>
+          </a:xfrm>
+          <a:prstGeom prst="roundRect">
+            <a:avLst>
+              <a:gd name="adj" fmla="val 6686"/>
+            </a:avLst>
+          </a:prstGeom>
+          <a:solidFill>
+            <a:schemeClr val="accent1">
+              <a:lumMod val="20000"/>
+              <a:lumOff val="80000"/>
+            </a:schemeClr>
+          </a:solidFill>
+          <a:ln w="6350">
+            <a:solidFill>
+              <a:schemeClr val="bg2">
+                <a:lumMod val="75000"/>
+              </a:schemeClr>
+            </a:solidFill>
+            <a:prstDash val="solid"/>
+          </a:ln>
+        </p:spPr>
+        <p:style>
+          <a:lnRef idx="2">
+            <a:schemeClr val="accent1">
+              <a:shade val="50000"/>
+            </a:schemeClr>
+          </a:lnRef>
+          <a:fillRef idx="1">
+            <a:schemeClr val="accent1"/>
+          </a:fillRef>
+          <a:effectRef idx="0">
+            <a:schemeClr val="accent1"/>
+          </a:effectRef>
+          <a:fontRef idx="minor">
+            <a:schemeClr val="lt1"/>
+          </a:fontRef>
+        </p:style>
+        <p:txBody>
+          <a:bodyPr rtlCol="0" anchor="t"/>
+          <a:lstStyle/>
+          <a:p>
+            <a:endParaRPr lang="de-DE" sz="900" b="1" u="sng" dirty="0">
+              <a:solidFill>
+                <a:schemeClr val="tx1"/>
+              </a:solidFill>
+              <a:latin typeface="Raleway" pitchFamily="2" charset="0"/>
+            </a:endParaRPr>
+          </a:p>
+          <a:p>
+            <a:r>
+              <a:rPr lang="de-DE" sz="900" b="1" u="sng" dirty="0">
+                <a:solidFill>
+                  <a:schemeClr val="tx1"/>
+                </a:solidFill>
+                <a:latin typeface="Raleway" pitchFamily="2" charset="0"/>
+              </a:rPr>
+              <a:t>Equity </a:t>
+            </a:r>
+            <a:r>
+              <a:rPr lang="de-DE" sz="900" b="1" u="sng" dirty="0" err="1">
+                <a:solidFill>
+                  <a:schemeClr val="tx1"/>
+                </a:solidFill>
+                <a:latin typeface="Raleway" pitchFamily="2" charset="0"/>
+              </a:rPr>
+              <a:t>class</a:t>
+            </a:r>
+            <a:endParaRPr lang="de-DE" sz="900" b="1" u="sng" dirty="0">
+              <a:solidFill>
+                <a:schemeClr val="tx1"/>
+              </a:solidFill>
+              <a:latin typeface="Raleway" pitchFamily="2" charset="0"/>
+            </a:endParaRPr>
+          </a:p>
+          <a:p>
+            <a:endParaRPr lang="de-DE" sz="900" b="1" u="sng" dirty="0">
+              <a:solidFill>
+                <a:schemeClr val="tx1"/>
+              </a:solidFill>
+              <a:latin typeface="Raleway" pitchFamily="2" charset="0"/>
+            </a:endParaRPr>
+          </a:p>
+          <a:p>
+            <a:pPr marL="171450" indent="-171450">
+              <a:buFont typeface="Arial" panose="020B0604020202020204" pitchFamily="34" charset="0"/>
+              <a:buChar char="•"/>
+            </a:pPr>
+            <a:r>
+              <a:rPr lang="en-GB" sz="900" dirty="0">
+                <a:solidFill>
+                  <a:schemeClr val="tx1"/>
+                </a:solidFill>
+                <a:latin typeface="Raleway" pitchFamily="2" charset="0"/>
+              </a:rPr>
+              <a:t>Collection of all data</a:t>
+            </a:r>
+          </a:p>
+          <a:p>
+            <a:pPr marL="171450" indent="-171450">
+              <a:buFont typeface="Arial" panose="020B0604020202020204" pitchFamily="34" charset="0"/>
+              <a:buChar char="•"/>
+            </a:pPr>
+            <a:r>
+              <a:rPr lang="en-GB" sz="900" dirty="0">
+                <a:solidFill>
+                  <a:schemeClr val="tx1"/>
+                </a:solidFill>
+                <a:latin typeface="Raleway" pitchFamily="2" charset="0"/>
+              </a:rPr>
+              <a:t>Calculated data</a:t>
+            </a:r>
+          </a:p>
+          <a:p>
+            <a:pPr marL="171450" indent="-171450">
+              <a:buFont typeface="Arial" panose="020B0604020202020204" pitchFamily="34" charset="0"/>
+              <a:buChar char="•"/>
+            </a:pPr>
+            <a:endParaRPr lang="en-GB" sz="900" dirty="0">
+              <a:solidFill>
+                <a:schemeClr val="tx1"/>
+              </a:solidFill>
+              <a:latin typeface="Raleway" pitchFamily="2" charset="0"/>
+            </a:endParaRPr>
+          </a:p>
+          <a:p>
+            <a:r>
+              <a:rPr lang="en-GB" sz="900" dirty="0">
+                <a:solidFill>
+                  <a:schemeClr val="tx1"/>
+                </a:solidFill>
+                <a:latin typeface="Raleway" pitchFamily="2" charset="0"/>
+              </a:rPr>
+              <a:t>Methods:</a:t>
+            </a:r>
+          </a:p>
+          <a:p>
+            <a:pPr marL="171450" indent="-171450">
+              <a:buFont typeface="Arial" panose="020B0604020202020204" pitchFamily="34" charset="0"/>
+              <a:buChar char="•"/>
+            </a:pPr>
+            <a:r>
+              <a:rPr lang="en-GB" sz="900" dirty="0">
+                <a:solidFill>
+                  <a:schemeClr val="tx1"/>
+                </a:solidFill>
+                <a:latin typeface="Raleway" pitchFamily="2" charset="0"/>
+              </a:rPr>
+              <a:t>Prepare charts as </a:t>
+            </a:r>
+            <a:r>
+              <a:rPr lang="en-GB" sz="900" u="sng" dirty="0" err="1">
+                <a:solidFill>
+                  <a:schemeClr val="tx1"/>
+                </a:solidFill>
+                <a:latin typeface="Raleway" pitchFamily="2" charset="0"/>
+              </a:rPr>
+              <a:t>png</a:t>
+            </a:r>
+            <a:endParaRPr lang="en-GB" sz="900" u="sng" dirty="0">
+              <a:solidFill>
+                <a:schemeClr val="tx1"/>
+              </a:solidFill>
+              <a:latin typeface="Raleway" pitchFamily="2" charset="0"/>
+            </a:endParaRPr>
+          </a:p>
+          <a:p>
+            <a:pPr marL="171450" indent="-171450">
+              <a:buFont typeface="Arial" panose="020B0604020202020204" pitchFamily="34" charset="0"/>
+              <a:buChar char="•"/>
+            </a:pPr>
+            <a:r>
+              <a:rPr lang="en-GB" sz="900" dirty="0">
+                <a:solidFill>
+                  <a:schemeClr val="tx1"/>
+                </a:solidFill>
+                <a:latin typeface="Raleway" pitchFamily="2" charset="0"/>
+              </a:rPr>
+              <a:t>Prepare tables as </a:t>
+            </a:r>
+            <a:r>
+              <a:rPr lang="en-GB" sz="900" u="sng" dirty="0">
+                <a:solidFill>
+                  <a:schemeClr val="tx1"/>
+                </a:solidFill>
+                <a:latin typeface="Raleway" pitchFamily="2" charset="0"/>
+              </a:rPr>
+              <a:t>html</a:t>
+            </a:r>
+          </a:p>
+          <a:p>
+            <a:pPr marL="171450" indent="-171450">
+              <a:buFont typeface="Arial" panose="020B0604020202020204" pitchFamily="34" charset="0"/>
+              <a:buChar char="•"/>
+            </a:pPr>
+            <a:r>
+              <a:rPr lang="en-GB" sz="900" dirty="0">
+                <a:solidFill>
+                  <a:schemeClr val="tx1"/>
+                </a:solidFill>
+                <a:latin typeface="Raleway" pitchFamily="2" charset="0"/>
+              </a:rPr>
+              <a:t>Prepare text as </a:t>
+            </a:r>
+            <a:r>
+              <a:rPr lang="en-GB" sz="900" u="sng" dirty="0">
+                <a:solidFill>
+                  <a:schemeClr val="tx1"/>
+                </a:solidFill>
+                <a:latin typeface="Raleway" pitchFamily="2" charset="0"/>
+              </a:rPr>
+              <a:t>html</a:t>
+            </a:r>
+          </a:p>
+          <a:p>
+            <a:endParaRPr lang="en-GB" sz="900" dirty="0">
+              <a:solidFill>
+                <a:schemeClr val="tx1"/>
+              </a:solidFill>
+              <a:latin typeface="Raleway" pitchFamily="2" charset="0"/>
+            </a:endParaRPr>
+          </a:p>
+          <a:p>
+            <a:r>
+              <a:rPr lang="en-GB" sz="900" dirty="0">
+                <a:solidFill>
+                  <a:schemeClr val="tx1"/>
+                </a:solidFill>
+                <a:latin typeface="Raleway" pitchFamily="2" charset="0"/>
+              </a:rPr>
+              <a:t>Ultimate method:</a:t>
+            </a:r>
+          </a:p>
+          <a:p>
+            <a:pPr marL="171450" indent="-171450">
+              <a:buFont typeface="Arial" panose="020B0604020202020204" pitchFamily="34" charset="0"/>
+              <a:buChar char="•"/>
+            </a:pPr>
+            <a:r>
+              <a:rPr lang="de-DE" sz="900" dirty="0" err="1">
+                <a:solidFill>
+                  <a:schemeClr val="tx1"/>
+                </a:solidFill>
+                <a:latin typeface="Raleway" pitchFamily="2" charset="0"/>
+              </a:rPr>
+              <a:t>Prepare</a:t>
+            </a:r>
+            <a:r>
+              <a:rPr lang="de-DE" sz="900" dirty="0">
+                <a:solidFill>
+                  <a:schemeClr val="tx1"/>
+                </a:solidFill>
+                <a:latin typeface="Raleway" pitchFamily="2" charset="0"/>
+              </a:rPr>
+              <a:t> a </a:t>
+            </a:r>
+            <a:r>
+              <a:rPr lang="de-DE" sz="900" dirty="0" err="1">
+                <a:solidFill>
+                  <a:schemeClr val="tx1"/>
+                </a:solidFill>
+                <a:latin typeface="Raleway" pitchFamily="2" charset="0"/>
+              </a:rPr>
+              <a:t>story</a:t>
+            </a:r>
+            <a:r>
+              <a:rPr lang="de-DE" sz="900" dirty="0">
+                <a:solidFill>
+                  <a:schemeClr val="tx1"/>
+                </a:solidFill>
+                <a:latin typeface="Raleway" pitchFamily="2" charset="0"/>
+              </a:rPr>
+              <a:t> </a:t>
+            </a:r>
+            <a:r>
+              <a:rPr lang="de-DE" sz="900" dirty="0" err="1">
+                <a:solidFill>
+                  <a:schemeClr val="tx1"/>
+                </a:solidFill>
+                <a:latin typeface="Raleway" pitchFamily="2" charset="0"/>
+              </a:rPr>
+              <a:t>based</a:t>
+            </a:r>
+            <a:r>
+              <a:rPr lang="de-DE" sz="900" dirty="0">
+                <a:solidFill>
+                  <a:schemeClr val="tx1"/>
+                </a:solidFill>
+                <a:latin typeface="Raleway" pitchFamily="2" charset="0"/>
+              </a:rPr>
+              <a:t> on </a:t>
+            </a:r>
+            <a:r>
+              <a:rPr lang="de-DE" sz="900" dirty="0" err="1">
+                <a:solidFill>
+                  <a:schemeClr val="tx1"/>
+                </a:solidFill>
+                <a:latin typeface="Raleway" pitchFamily="2" charset="0"/>
+              </a:rPr>
+              <a:t>methods</a:t>
+            </a:r>
+            <a:r>
+              <a:rPr lang="de-DE" sz="900" dirty="0">
+                <a:solidFill>
+                  <a:schemeClr val="tx1"/>
+                </a:solidFill>
+                <a:latin typeface="Raleway" pitchFamily="2" charset="0"/>
+              </a:rPr>
+              <a:t> </a:t>
+            </a:r>
+            <a:r>
+              <a:rPr lang="de-DE" sz="900" dirty="0" err="1">
+                <a:solidFill>
+                  <a:schemeClr val="tx1"/>
+                </a:solidFill>
+                <a:latin typeface="Raleway" pitchFamily="2" charset="0"/>
+              </a:rPr>
+              <a:t>above</a:t>
+            </a:r>
+            <a:r>
+              <a:rPr lang="de-DE" sz="900" dirty="0">
+                <a:solidFill>
+                  <a:schemeClr val="tx1"/>
+                </a:solidFill>
+                <a:latin typeface="Raleway" pitchFamily="2" charset="0"/>
+              </a:rPr>
+              <a:t> </a:t>
+            </a:r>
+            <a:r>
+              <a:rPr lang="de-DE" sz="900" dirty="0" err="1">
+                <a:solidFill>
+                  <a:schemeClr val="tx1"/>
+                </a:solidFill>
+                <a:latin typeface="Raleway" pitchFamily="2" charset="0"/>
+              </a:rPr>
+              <a:t>as</a:t>
+            </a:r>
+            <a:r>
+              <a:rPr lang="de-DE" sz="900" dirty="0">
+                <a:solidFill>
+                  <a:schemeClr val="tx1"/>
+                </a:solidFill>
+                <a:latin typeface="Raleway" pitchFamily="2" charset="0"/>
+              </a:rPr>
+              <a:t> </a:t>
+            </a:r>
+            <a:r>
+              <a:rPr lang="de-DE" sz="900" u="sng" dirty="0" err="1">
+                <a:solidFill>
+                  <a:schemeClr val="tx1"/>
+                </a:solidFill>
+                <a:latin typeface="Raleway" pitchFamily="2" charset="0"/>
+              </a:rPr>
+              <a:t>pdf</a:t>
+            </a:r>
+            <a:r>
+              <a:rPr lang="de-DE" sz="900" dirty="0">
+                <a:solidFill>
+                  <a:schemeClr val="tx1"/>
+                </a:solidFill>
+                <a:latin typeface="Raleway" pitchFamily="2" charset="0"/>
+              </a:rPr>
+              <a:t> </a:t>
+            </a:r>
+            <a:r>
+              <a:rPr lang="de-DE" sz="900" dirty="0" err="1">
+                <a:solidFill>
+                  <a:schemeClr val="tx1"/>
+                </a:solidFill>
+                <a:latin typeface="Raleway" pitchFamily="2" charset="0"/>
+              </a:rPr>
+              <a:t>of</a:t>
+            </a:r>
+            <a:r>
+              <a:rPr lang="de-DE" sz="900" dirty="0">
+                <a:solidFill>
+                  <a:schemeClr val="tx1"/>
+                </a:solidFill>
+                <a:latin typeface="Raleway" pitchFamily="2" charset="0"/>
+              </a:rPr>
+              <a:t> </a:t>
+            </a:r>
+            <a:r>
+              <a:rPr lang="de-DE" sz="900" u="sng" dirty="0" err="1">
+                <a:solidFill>
+                  <a:schemeClr val="tx1"/>
+                </a:solidFill>
+                <a:latin typeface="Raleway" pitchFamily="2" charset="0"/>
+              </a:rPr>
+              <a:t>html</a:t>
+            </a:r>
+            <a:endParaRPr lang="de-DE" sz="900" u="sng" dirty="0">
+              <a:solidFill>
+                <a:schemeClr val="tx1"/>
+              </a:solidFill>
+              <a:latin typeface="Raleway" pitchFamily="2" charset="0"/>
+            </a:endParaRPr>
+          </a:p>
+          <a:p>
+            <a:endParaRPr lang="de-DE" sz="900" b="1" u="sng" dirty="0">
+              <a:solidFill>
+                <a:schemeClr val="tx1"/>
+              </a:solidFill>
+              <a:latin typeface="Raleway" pitchFamily="2" charset="0"/>
+            </a:endParaRPr>
+          </a:p>
+          <a:p>
+            <a:endParaRPr lang="de-DE" sz="900" b="1" u="sng" dirty="0">
+              <a:solidFill>
+                <a:schemeClr val="tx1"/>
+              </a:solidFill>
+              <a:latin typeface="Raleway" pitchFamily="2" charset="0"/>
+            </a:endParaRPr>
+          </a:p>
+        </p:txBody>
+      </p:sp>
+      <p:cxnSp>
+        <p:nvCxnSpPr>
+          <p:cNvPr id="26" name="Straight Arrow Connector 25">
+            <a:extLst>
+              <a:ext uri="{FF2B5EF4-FFF2-40B4-BE49-F238E27FC236}">
+                <a16:creationId xmlns:a16="http://schemas.microsoft.com/office/drawing/2014/main" id="{0F0DDDC3-CD87-40FE-9787-6D95B932A41F}"/>
+              </a:ext>
+            </a:extLst>
+          </p:cNvPr>
+          <p:cNvCxnSpPr>
+            <a:cxnSpLocks/>
+            <a:stCxn id="16" idx="3"/>
+            <a:endCxn id="23" idx="1"/>
+          </p:cNvCxnSpPr>
+          <p:nvPr/>
+        </p:nvCxnSpPr>
+        <p:spPr>
+          <a:xfrm flipV="1">
+            <a:off x="3482347" y="2703616"/>
+            <a:ext cx="304335" cy="785893"/>
+          </a:xfrm>
+          <a:prstGeom prst="straightConnector1">
+            <a:avLst/>
+          </a:prstGeom>
+          <a:ln>
+            <a:tailEnd type="triangle"/>
+          </a:ln>
+        </p:spPr>
+        <p:style>
+          <a:lnRef idx="1">
+            <a:schemeClr val="accent1"/>
+          </a:lnRef>
+          <a:fillRef idx="0">
+            <a:schemeClr val="accent1"/>
+          </a:fillRef>
+          <a:effectRef idx="0">
+            <a:schemeClr val="accent1"/>
+          </a:effectRef>
+          <a:fontRef idx="minor">
+            <a:schemeClr val="tx1"/>
+          </a:fontRef>
+        </p:style>
+      </p:cxnSp>
+      <p:cxnSp>
+        <p:nvCxnSpPr>
+          <p:cNvPr id="29" name="Straight Arrow Connector 28">
+            <a:extLst>
+              <a:ext uri="{FF2B5EF4-FFF2-40B4-BE49-F238E27FC236}">
+                <a16:creationId xmlns:a16="http://schemas.microsoft.com/office/drawing/2014/main" id="{6C879BBF-9A6F-48D6-9DF9-99F27E4ADEA2}"/>
+              </a:ext>
+            </a:extLst>
+          </p:cNvPr>
+          <p:cNvCxnSpPr>
+            <a:cxnSpLocks/>
+            <a:stCxn id="13" idx="0"/>
+            <a:endCxn id="14" idx="1"/>
+          </p:cNvCxnSpPr>
+          <p:nvPr/>
+        </p:nvCxnSpPr>
+        <p:spPr>
+          <a:xfrm flipV="1">
+            <a:off x="700825" y="1917723"/>
+            <a:ext cx="621522" cy="581977"/>
+          </a:xfrm>
+          <a:prstGeom prst="straightConnector1">
+            <a:avLst/>
+          </a:prstGeom>
+          <a:ln>
+            <a:tailEnd type="triangle"/>
+          </a:ln>
+        </p:spPr>
+        <p:style>
+          <a:lnRef idx="1">
+            <a:schemeClr val="accent1"/>
+          </a:lnRef>
+          <a:fillRef idx="0">
+            <a:schemeClr val="accent1"/>
+          </a:fillRef>
+          <a:effectRef idx="0">
+            <a:schemeClr val="accent1"/>
+          </a:effectRef>
+          <a:fontRef idx="minor">
+            <a:schemeClr val="tx1"/>
+          </a:fontRef>
+        </p:style>
+      </p:cxnSp>
+      <p:grpSp>
+        <p:nvGrpSpPr>
+          <p:cNvPr id="43" name="Group 42">
+            <a:extLst>
+              <a:ext uri="{FF2B5EF4-FFF2-40B4-BE49-F238E27FC236}">
+                <a16:creationId xmlns:a16="http://schemas.microsoft.com/office/drawing/2014/main" id="{4F3D4004-AB85-43CB-8ECC-50667C91196F}"/>
+              </a:ext>
+            </a:extLst>
+          </p:cNvPr>
+          <p:cNvGrpSpPr/>
+          <p:nvPr/>
+        </p:nvGrpSpPr>
+        <p:grpSpPr>
+          <a:xfrm>
+            <a:off x="5946681" y="1543611"/>
+            <a:ext cx="2946494" cy="2557898"/>
+            <a:chOff x="5946681" y="1432101"/>
+            <a:chExt cx="2946494" cy="2557898"/>
+          </a:xfrm>
+        </p:grpSpPr>
+        <p:sp>
+          <p:nvSpPr>
+            <p:cNvPr id="38" name="Rectangle: Rounded Corners 37">
+              <a:extLst>
+                <a:ext uri="{FF2B5EF4-FFF2-40B4-BE49-F238E27FC236}">
+                  <a16:creationId xmlns:a16="http://schemas.microsoft.com/office/drawing/2014/main" id="{A7824123-73D5-4285-9B7C-2D30E87306C6}"/>
+                </a:ext>
+              </a:extLst>
+            </p:cNvPr>
+            <p:cNvSpPr/>
+            <p:nvPr/>
+          </p:nvSpPr>
+          <p:spPr>
+            <a:xfrm>
+              <a:off x="5946681" y="1432101"/>
+              <a:ext cx="2946494" cy="788642"/>
+            </a:xfrm>
+            <a:prstGeom prst="roundRect">
+              <a:avLst>
+                <a:gd name="adj" fmla="val 6686"/>
+              </a:avLst>
+            </a:prstGeom>
+            <a:solidFill>
+              <a:schemeClr val="bg1">
+                <a:lumMod val="95000"/>
+              </a:schemeClr>
+            </a:solidFill>
+            <a:ln w="6350">
+              <a:solidFill>
+                <a:schemeClr val="bg2">
+                  <a:lumMod val="75000"/>
+                </a:schemeClr>
+              </a:solidFill>
+              <a:prstDash val="solid"/>
+            </a:ln>
+          </p:spPr>
+          <p:style>
+            <a:lnRef idx="2">
+              <a:schemeClr val="accent1">
+                <a:shade val="50000"/>
+              </a:schemeClr>
+            </a:lnRef>
+            <a:fillRef idx="1">
+              <a:schemeClr val="accent1"/>
+            </a:fillRef>
+            <a:effectRef idx="0">
+              <a:schemeClr val="accent1"/>
+            </a:effectRef>
+            <a:fontRef idx="minor">
+              <a:schemeClr val="lt1"/>
+            </a:fontRef>
+          </p:style>
+          <p:txBody>
+            <a:bodyPr rtlCol="0" anchor="t"/>
+            <a:lstStyle/>
+            <a:p>
+              <a:endParaRPr lang="de-DE" sz="900" b="1" u="sng" dirty="0">
+                <a:solidFill>
+                  <a:schemeClr val="tx1"/>
+                </a:solidFill>
+                <a:latin typeface="Raleway" pitchFamily="2" charset="0"/>
+              </a:endParaRPr>
+            </a:p>
+            <a:p>
+              <a:r>
+                <a:rPr lang="de-DE" sz="900" b="1" u="sng" dirty="0">
+                  <a:solidFill>
+                    <a:schemeClr val="tx1"/>
+                  </a:solidFill>
+                  <a:latin typeface="Raleway" pitchFamily="2" charset="0"/>
+                </a:rPr>
+                <a:t>Telegram bot</a:t>
+              </a:r>
+            </a:p>
+            <a:p>
+              <a:endParaRPr lang="de-DE" sz="900" b="1" u="sng" dirty="0">
+                <a:solidFill>
+                  <a:schemeClr val="tx1"/>
+                </a:solidFill>
+                <a:latin typeface="Raleway" pitchFamily="2" charset="0"/>
+              </a:endParaRPr>
+            </a:p>
+            <a:p>
+              <a:pPr marL="171450" indent="-171450">
+                <a:buFont typeface="Arial" panose="020B0604020202020204" pitchFamily="34" charset="0"/>
+                <a:buChar char="•"/>
+              </a:pPr>
+              <a:r>
+                <a:rPr lang="en-GB" sz="900" dirty="0">
+                  <a:solidFill>
+                    <a:schemeClr val="tx1"/>
+                  </a:solidFill>
+                  <a:latin typeface="Raleway" pitchFamily="2" charset="0"/>
+                </a:rPr>
+                <a:t>GUI for interacting with the project via pre-defined commands</a:t>
+              </a:r>
+            </a:p>
+          </p:txBody>
+        </p:sp>
+        <p:sp>
+          <p:nvSpPr>
+            <p:cNvPr id="40" name="Rectangle: Rounded Corners 39">
+              <a:extLst>
+                <a:ext uri="{FF2B5EF4-FFF2-40B4-BE49-F238E27FC236}">
+                  <a16:creationId xmlns:a16="http://schemas.microsoft.com/office/drawing/2014/main" id="{A1EAACD0-303C-4A65-B177-0B73557D68C0}"/>
+                </a:ext>
+              </a:extLst>
+            </p:cNvPr>
+            <p:cNvSpPr/>
+            <p:nvPr/>
+          </p:nvSpPr>
+          <p:spPr>
+            <a:xfrm>
+              <a:off x="5946681" y="2316729"/>
+              <a:ext cx="2946494" cy="788642"/>
+            </a:xfrm>
+            <a:prstGeom prst="roundRect">
+              <a:avLst>
+                <a:gd name="adj" fmla="val 6686"/>
+              </a:avLst>
+            </a:prstGeom>
+            <a:solidFill>
+              <a:schemeClr val="bg1">
+                <a:lumMod val="95000"/>
+              </a:schemeClr>
+            </a:solidFill>
+            <a:ln w="6350">
+              <a:solidFill>
+                <a:schemeClr val="bg2">
+                  <a:lumMod val="75000"/>
+                </a:schemeClr>
+              </a:solidFill>
+              <a:prstDash val="solid"/>
+            </a:ln>
+          </p:spPr>
+          <p:style>
+            <a:lnRef idx="2">
+              <a:schemeClr val="accent1">
+                <a:shade val="50000"/>
+              </a:schemeClr>
+            </a:lnRef>
+            <a:fillRef idx="1">
+              <a:schemeClr val="accent1"/>
+            </a:fillRef>
+            <a:effectRef idx="0">
+              <a:schemeClr val="accent1"/>
+            </a:effectRef>
+            <a:fontRef idx="minor">
+              <a:schemeClr val="lt1"/>
+            </a:fontRef>
+          </p:style>
+          <p:txBody>
+            <a:bodyPr rtlCol="0" anchor="t"/>
+            <a:lstStyle/>
+            <a:p>
+              <a:endParaRPr lang="de-DE" sz="900" b="1" u="sng" dirty="0">
+                <a:solidFill>
+                  <a:schemeClr val="tx1"/>
+                </a:solidFill>
+                <a:latin typeface="Raleway" pitchFamily="2" charset="0"/>
+              </a:endParaRPr>
+            </a:p>
+            <a:p>
+              <a:r>
+                <a:rPr lang="de-DE" sz="900" b="1" u="sng" dirty="0" err="1">
+                  <a:solidFill>
+                    <a:schemeClr val="tx1"/>
+                  </a:solidFill>
+                  <a:latin typeface="Raleway" pitchFamily="2" charset="0"/>
+                </a:rPr>
+                <a:t>Prepare</a:t>
+              </a:r>
+              <a:r>
+                <a:rPr lang="de-DE" sz="900" b="1" u="sng" dirty="0">
+                  <a:solidFill>
+                    <a:schemeClr val="tx1"/>
+                  </a:solidFill>
+                  <a:latin typeface="Raleway" pitchFamily="2" charset="0"/>
+                </a:rPr>
+                <a:t> </a:t>
+              </a:r>
+              <a:r>
+                <a:rPr lang="de-DE" sz="900" b="1" u="sng" dirty="0" err="1">
+                  <a:solidFill>
+                    <a:schemeClr val="tx1"/>
+                  </a:solidFill>
+                  <a:latin typeface="Raleway" pitchFamily="2" charset="0"/>
+                </a:rPr>
+                <a:t>charts</a:t>
+              </a:r>
+              <a:endParaRPr lang="de-DE" sz="900" b="1" u="sng" dirty="0">
+                <a:solidFill>
+                  <a:schemeClr val="tx1"/>
+                </a:solidFill>
+                <a:latin typeface="Raleway" pitchFamily="2" charset="0"/>
+              </a:endParaRPr>
+            </a:p>
+            <a:p>
+              <a:endParaRPr lang="de-DE" sz="900" b="1" u="sng" dirty="0">
+                <a:solidFill>
+                  <a:schemeClr val="tx1"/>
+                </a:solidFill>
+                <a:latin typeface="Raleway" pitchFamily="2" charset="0"/>
+              </a:endParaRPr>
+            </a:p>
+            <a:p>
+              <a:pPr marL="171450" indent="-171450">
+                <a:buFont typeface="Arial" panose="020B0604020202020204" pitchFamily="34" charset="0"/>
+                <a:buChar char="•"/>
+              </a:pPr>
+              <a:r>
+                <a:rPr lang="en-GB" sz="900" dirty="0">
+                  <a:solidFill>
+                    <a:schemeClr val="tx1"/>
+                  </a:solidFill>
+                  <a:latin typeface="Raleway" pitchFamily="2" charset="0"/>
+                </a:rPr>
+                <a:t>Recalculate data for presentation purposes</a:t>
+              </a:r>
+            </a:p>
+            <a:p>
+              <a:pPr marL="171450" indent="-171450">
+                <a:buFont typeface="Arial" panose="020B0604020202020204" pitchFamily="34" charset="0"/>
+                <a:buChar char="•"/>
+              </a:pPr>
+              <a:r>
+                <a:rPr lang="en-GB" sz="900" dirty="0">
+                  <a:solidFill>
+                    <a:schemeClr val="tx1"/>
+                  </a:solidFill>
+                  <a:latin typeface="Raleway" pitchFamily="2" charset="0"/>
+                </a:rPr>
+                <a:t>Create and save a chart</a:t>
+              </a:r>
+            </a:p>
+          </p:txBody>
+        </p:sp>
+        <p:sp>
+          <p:nvSpPr>
+            <p:cNvPr id="41" name="Rectangle: Rounded Corners 40">
+              <a:extLst>
+                <a:ext uri="{FF2B5EF4-FFF2-40B4-BE49-F238E27FC236}">
+                  <a16:creationId xmlns:a16="http://schemas.microsoft.com/office/drawing/2014/main" id="{9DE91CDC-5323-4055-8BCF-BF9372429FCB}"/>
+                </a:ext>
+              </a:extLst>
+            </p:cNvPr>
+            <p:cNvSpPr/>
+            <p:nvPr/>
+          </p:nvSpPr>
+          <p:spPr>
+            <a:xfrm>
+              <a:off x="5946681" y="3201357"/>
+              <a:ext cx="2946494" cy="788642"/>
+            </a:xfrm>
+            <a:prstGeom prst="roundRect">
+              <a:avLst>
+                <a:gd name="adj" fmla="val 6686"/>
+              </a:avLst>
+            </a:prstGeom>
+            <a:solidFill>
+              <a:schemeClr val="bg1">
+                <a:lumMod val="95000"/>
+              </a:schemeClr>
+            </a:solidFill>
+            <a:ln w="6350">
+              <a:solidFill>
+                <a:schemeClr val="bg2">
+                  <a:lumMod val="75000"/>
+                </a:schemeClr>
+              </a:solidFill>
+              <a:prstDash val="solid"/>
+            </a:ln>
+          </p:spPr>
+          <p:style>
+            <a:lnRef idx="2">
+              <a:schemeClr val="accent1">
+                <a:shade val="50000"/>
+              </a:schemeClr>
+            </a:lnRef>
+            <a:fillRef idx="1">
+              <a:schemeClr val="accent1"/>
+            </a:fillRef>
+            <a:effectRef idx="0">
+              <a:schemeClr val="accent1"/>
+            </a:effectRef>
+            <a:fontRef idx="minor">
+              <a:schemeClr val="lt1"/>
+            </a:fontRef>
+          </p:style>
+          <p:txBody>
+            <a:bodyPr rtlCol="0" anchor="t"/>
+            <a:lstStyle/>
+            <a:p>
+              <a:endParaRPr lang="de-DE" sz="900" b="1" u="sng" dirty="0">
+                <a:solidFill>
+                  <a:schemeClr val="tx1"/>
+                </a:solidFill>
+                <a:latin typeface="Raleway" pitchFamily="2" charset="0"/>
+              </a:endParaRPr>
+            </a:p>
+            <a:p>
+              <a:r>
+                <a:rPr lang="de-DE" sz="900" b="1" u="sng" dirty="0" err="1">
+                  <a:solidFill>
+                    <a:schemeClr val="tx1"/>
+                  </a:solidFill>
+                  <a:latin typeface="Raleway" pitchFamily="2" charset="0"/>
+                </a:rPr>
+                <a:t>Prepare</a:t>
+              </a:r>
+              <a:r>
+                <a:rPr lang="de-DE" sz="900" b="1" u="sng" dirty="0">
+                  <a:solidFill>
+                    <a:schemeClr val="tx1"/>
+                  </a:solidFill>
+                  <a:latin typeface="Raleway" pitchFamily="2" charset="0"/>
+                </a:rPr>
+                <a:t> </a:t>
+              </a:r>
+              <a:r>
+                <a:rPr lang="de-DE" sz="900" b="1" u="sng" dirty="0" err="1">
+                  <a:solidFill>
+                    <a:schemeClr val="tx1"/>
+                  </a:solidFill>
+                  <a:latin typeface="Raleway" pitchFamily="2" charset="0"/>
+                </a:rPr>
+                <a:t>tables</a:t>
+              </a:r>
+              <a:r>
+                <a:rPr lang="de-DE" sz="900" b="1" u="sng" dirty="0">
+                  <a:solidFill>
+                    <a:schemeClr val="tx1"/>
+                  </a:solidFill>
+                  <a:latin typeface="Raleway" pitchFamily="2" charset="0"/>
+                </a:rPr>
+                <a:t> and </a:t>
+              </a:r>
+              <a:r>
+                <a:rPr lang="de-DE" sz="900" b="1" u="sng" dirty="0" err="1">
+                  <a:solidFill>
+                    <a:schemeClr val="tx1"/>
+                  </a:solidFill>
+                  <a:latin typeface="Raleway" pitchFamily="2" charset="0"/>
+                </a:rPr>
+                <a:t>text</a:t>
+              </a:r>
+              <a:endParaRPr lang="de-DE" sz="900" b="1" u="sng" dirty="0">
+                <a:solidFill>
+                  <a:schemeClr val="tx1"/>
+                </a:solidFill>
+                <a:latin typeface="Raleway" pitchFamily="2" charset="0"/>
+              </a:endParaRPr>
+            </a:p>
+            <a:p>
+              <a:endParaRPr lang="de-DE" sz="900" b="1" u="sng" dirty="0">
+                <a:solidFill>
+                  <a:schemeClr val="tx1"/>
+                </a:solidFill>
+                <a:latin typeface="Raleway" pitchFamily="2" charset="0"/>
+              </a:endParaRPr>
+            </a:p>
+            <a:p>
+              <a:pPr marL="171450" indent="-171450">
+                <a:buFont typeface="Arial" panose="020B0604020202020204" pitchFamily="34" charset="0"/>
+                <a:buChar char="•"/>
+              </a:pPr>
+              <a:r>
+                <a:rPr lang="en-GB" sz="900" dirty="0">
+                  <a:solidFill>
+                    <a:schemeClr val="tx1"/>
+                  </a:solidFill>
+                  <a:latin typeface="Raleway" pitchFamily="2" charset="0"/>
+                </a:rPr>
+                <a:t>Recalculate data for presentation purposes</a:t>
+              </a:r>
+            </a:p>
+            <a:p>
+              <a:pPr marL="171450" indent="-171450">
+                <a:buFont typeface="Arial" panose="020B0604020202020204" pitchFamily="34" charset="0"/>
+                <a:buChar char="•"/>
+              </a:pPr>
+              <a:r>
+                <a:rPr lang="en-GB" sz="900" dirty="0">
+                  <a:solidFill>
+                    <a:schemeClr val="tx1"/>
+                  </a:solidFill>
+                  <a:latin typeface="Raleway" pitchFamily="2" charset="0"/>
+                </a:rPr>
+                <a:t>Create and save as html</a:t>
+              </a:r>
+            </a:p>
+          </p:txBody>
+        </p:sp>
+      </p:grpSp>
+      <p:sp>
+        <p:nvSpPr>
+          <p:cNvPr id="46" name="TextBox 45">
+            <a:extLst>
+              <a:ext uri="{FF2B5EF4-FFF2-40B4-BE49-F238E27FC236}">
+                <a16:creationId xmlns:a16="http://schemas.microsoft.com/office/drawing/2014/main" id="{B6DB35C9-DD57-406D-AE79-5B2BE4B3DD85}"/>
+              </a:ext>
+            </a:extLst>
+          </p:cNvPr>
+          <p:cNvSpPr txBox="1"/>
+          <p:nvPr/>
+        </p:nvSpPr>
+        <p:spPr>
+          <a:xfrm>
+            <a:off x="5946681" y="1305722"/>
+            <a:ext cx="1620000" cy="205451"/>
+          </a:xfrm>
+          <a:prstGeom prst="rect">
+            <a:avLst/>
+          </a:prstGeom>
+          <a:noFill/>
+          <a:ln>
+            <a:noFill/>
+          </a:ln>
+        </p:spPr>
+        <p:txBody>
+          <a:bodyPr wrap="square" rtlCol="0" anchor="ctr">
+            <a:noAutofit/>
+          </a:bodyPr>
+          <a:lstStyle/>
+          <a:p>
+            <a:pPr>
+              <a:buClr>
+                <a:schemeClr val="accent4"/>
+              </a:buClr>
+            </a:pPr>
+            <a:r>
+              <a:rPr lang="en-US" sz="900" b="1" i="1" dirty="0">
+                <a:latin typeface="Raleway" pitchFamily="2" charset="0"/>
+              </a:rPr>
+              <a:t>Supporting modules</a:t>
+            </a:r>
+          </a:p>
+        </p:txBody>
+      </p:sp>
+    </p:spTree>
+    <p:extLst>
+      <p:ext uri="{BB962C8B-B14F-4D97-AF65-F5344CB8AC3E}">
+        <p14:creationId xmlns:p14="http://schemas.microsoft.com/office/powerpoint/2010/main" val="1137999904"/>
+      </p:ext>
+    </p:extLst>
+  </p:cSld>
+  <p:clrMapOvr>
+    <a:masterClrMapping/>
+  </p:clrMapOvr>
+</p:sld>
+</file>
+
 <file path=ppt/theme/theme1.xml><?xml version="1.0" encoding="utf-8"?>
 <a:theme xmlns:a="http://schemas.openxmlformats.org/drawingml/2006/main" name="Office Theme">
   <a:themeElements>
